--- a/scripts/Chapter2.pptx
+++ b/scripts/Chapter2.pptx
@@ -7,10 +7,13 @@
   <p:sldIdLst>
     <p:sldId id="256" r:id="rId2"/>
     <p:sldId id="260" r:id="rId3"/>
-    <p:sldId id="258" r:id="rId4"/>
-    <p:sldId id="259" r:id="rId5"/>
-    <p:sldId id="261" r:id="rId6"/>
-    <p:sldId id="262" r:id="rId7"/>
+    <p:sldId id="264" r:id="rId4"/>
+    <p:sldId id="263" r:id="rId5"/>
+    <p:sldId id="265" r:id="rId6"/>
+    <p:sldId id="258" r:id="rId7"/>
+    <p:sldId id="259" r:id="rId8"/>
+    <p:sldId id="261" r:id="rId9"/>
+    <p:sldId id="262" r:id="rId10"/>
   </p:sldIdLst>
   <p:sldSz cx="9144000" cy="6858000" type="screen4x3"/>
   <p:notesSz cx="6858000" cy="9144000"/>
@@ -293,7 +296,7 @@
           <a:p>
             <a:fld id="{F199DA73-FF55-4AFB-8A45-BCAA78D6E465}" type="datetimeFigureOut">
               <a:rPr lang="nl-BE" smtClean="0"/>
-              <a:t>4/05/2016</a:t>
+              <a:t>17/05/2016</a:t>
             </a:fld>
             <a:endParaRPr lang="nl-BE"/>
           </a:p>
@@ -463,7 +466,7 @@
           <a:p>
             <a:fld id="{F199DA73-FF55-4AFB-8A45-BCAA78D6E465}" type="datetimeFigureOut">
               <a:rPr lang="nl-BE" smtClean="0"/>
-              <a:t>4/05/2016</a:t>
+              <a:t>17/05/2016</a:t>
             </a:fld>
             <a:endParaRPr lang="nl-BE"/>
           </a:p>
@@ -643,7 +646,7 @@
           <a:p>
             <a:fld id="{F199DA73-FF55-4AFB-8A45-BCAA78D6E465}" type="datetimeFigureOut">
               <a:rPr lang="nl-BE" smtClean="0"/>
-              <a:t>4/05/2016</a:t>
+              <a:t>17/05/2016</a:t>
             </a:fld>
             <a:endParaRPr lang="nl-BE"/>
           </a:p>
@@ -813,7 +816,7 @@
           <a:p>
             <a:fld id="{F199DA73-FF55-4AFB-8A45-BCAA78D6E465}" type="datetimeFigureOut">
               <a:rPr lang="nl-BE" smtClean="0"/>
-              <a:t>4/05/2016</a:t>
+              <a:t>17/05/2016</a:t>
             </a:fld>
             <a:endParaRPr lang="nl-BE"/>
           </a:p>
@@ -1059,7 +1062,7 @@
           <a:p>
             <a:fld id="{F199DA73-FF55-4AFB-8A45-BCAA78D6E465}" type="datetimeFigureOut">
               <a:rPr lang="nl-BE" smtClean="0"/>
-              <a:t>4/05/2016</a:t>
+              <a:t>17/05/2016</a:t>
             </a:fld>
             <a:endParaRPr lang="nl-BE"/>
           </a:p>
@@ -1347,7 +1350,7 @@
           <a:p>
             <a:fld id="{F199DA73-FF55-4AFB-8A45-BCAA78D6E465}" type="datetimeFigureOut">
               <a:rPr lang="nl-BE" smtClean="0"/>
-              <a:t>4/05/2016</a:t>
+              <a:t>17/05/2016</a:t>
             </a:fld>
             <a:endParaRPr lang="nl-BE"/>
           </a:p>
@@ -1769,7 +1772,7 @@
           <a:p>
             <a:fld id="{F199DA73-FF55-4AFB-8A45-BCAA78D6E465}" type="datetimeFigureOut">
               <a:rPr lang="nl-BE" smtClean="0"/>
-              <a:t>4/05/2016</a:t>
+              <a:t>17/05/2016</a:t>
             </a:fld>
             <a:endParaRPr lang="nl-BE"/>
           </a:p>
@@ -1887,7 +1890,7 @@
           <a:p>
             <a:fld id="{F199DA73-FF55-4AFB-8A45-BCAA78D6E465}" type="datetimeFigureOut">
               <a:rPr lang="nl-BE" smtClean="0"/>
-              <a:t>4/05/2016</a:t>
+              <a:t>17/05/2016</a:t>
             </a:fld>
             <a:endParaRPr lang="nl-BE"/>
           </a:p>
@@ -1982,7 +1985,7 @@
           <a:p>
             <a:fld id="{F199DA73-FF55-4AFB-8A45-BCAA78D6E465}" type="datetimeFigureOut">
               <a:rPr lang="nl-BE" smtClean="0"/>
-              <a:t>4/05/2016</a:t>
+              <a:t>17/05/2016</a:t>
             </a:fld>
             <a:endParaRPr lang="nl-BE"/>
           </a:p>
@@ -2259,7 +2262,7 @@
           <a:p>
             <a:fld id="{F199DA73-FF55-4AFB-8A45-BCAA78D6E465}" type="datetimeFigureOut">
               <a:rPr lang="nl-BE" smtClean="0"/>
-              <a:t>4/05/2016</a:t>
+              <a:t>17/05/2016</a:t>
             </a:fld>
             <a:endParaRPr lang="nl-BE"/>
           </a:p>
@@ -2512,7 +2515,7 @@
           <a:p>
             <a:fld id="{F199DA73-FF55-4AFB-8A45-BCAA78D6E465}" type="datetimeFigureOut">
               <a:rPr lang="nl-BE" smtClean="0"/>
-              <a:t>4/05/2016</a:t>
+              <a:t>17/05/2016</a:t>
             </a:fld>
             <a:endParaRPr lang="nl-BE"/>
           </a:p>
@@ -2725,7 +2728,7 @@
           <a:p>
             <a:fld id="{F199DA73-FF55-4AFB-8A45-BCAA78D6E465}" type="datetimeFigureOut">
               <a:rPr lang="nl-BE" smtClean="0"/>
-              <a:t>4/05/2016</a:t>
+              <a:t>17/05/2016</a:t>
             </a:fld>
             <a:endParaRPr lang="nl-BE"/>
           </a:p>
@@ -3119,11 +3122,7 @@
           <a:p>
             <a:r>
               <a:rPr lang="en-US" dirty="0"/>
-              <a:t>Video 1: </a:t>
-            </a:r>
-            <a:r>
-              <a:rPr lang="en-US" dirty="0"/>
-              <a:t>The different dimensions of portfolio performance</a:t>
+              <a:t>Video 1: The different dimensions of portfolio performance</a:t>
             </a:r>
             <a:endParaRPr lang="nl-BE" dirty="0"/>
           </a:p>
@@ -3273,7 +3272,11 @@
             </a:r>
             <a:r>
               <a:rPr lang="en-US" dirty="0"/>
-              <a:t>Time-variation in portfolio performance</a:t>
+              <a:t>The </a:t>
+            </a:r>
+            <a:r>
+              <a:rPr lang="en-US" dirty="0" smtClean="0"/>
+              <a:t>(annualized) Sharpe ratio</a:t>
             </a:r>
             <a:endParaRPr lang="nl-BE" dirty="0"/>
           </a:p>
@@ -3301,7 +3304,7 @@
     </p:spTree>
     <p:extLst>
       <p:ext uri="{BB962C8B-B14F-4D97-AF65-F5344CB8AC3E}">
-        <p14:creationId xmlns:p14="http://schemas.microsoft.com/office/powerpoint/2010/main" val="3341379040"/>
+        <p14:creationId xmlns:p14="http://schemas.microsoft.com/office/powerpoint/2010/main" val="1398562305"/>
       </p:ext>
     </p:extLst>
   </p:cSld>
@@ -3362,14 +3365,21 @@
           <a:bodyPr/>
           <a:lstStyle/>
           <a:p>
-            <a:endParaRPr lang="nl-BE"/>
+            <a:pPr marL="0" indent="0">
+              <a:buNone/>
+            </a:pPr>
+            <a:r>
+              <a:rPr lang="en-US" dirty="0"/>
+              <a:t>-0.02 , 0.00 , 0.00 , 0.06 , 0.02 , 0.03 , -0.01 , 0.04</a:t>
+            </a:r>
+            <a:endParaRPr lang="nl-BE" dirty="0"/>
           </a:p>
         </p:txBody>
       </p:sp>
     </p:spTree>
     <p:extLst>
       <p:ext uri="{BB962C8B-B14F-4D97-AF65-F5344CB8AC3E}">
-        <p14:creationId xmlns:p14="http://schemas.microsoft.com/office/powerpoint/2010/main" val="1931158852"/>
+        <p14:creationId xmlns:p14="http://schemas.microsoft.com/office/powerpoint/2010/main" val="3467959278"/>
       </p:ext>
     </p:extLst>
   </p:cSld>
@@ -3403,6 +3413,111 @@
             <a:spLocks noGrp="1"/>
           </p:cNvSpPr>
           <p:nvPr>
+            <p:ph type="title"/>
+          </p:nvPr>
+        </p:nvSpPr>
+        <p:spPr/>
+        <p:txBody>
+          <a:bodyPr/>
+          <a:lstStyle/>
+          <a:p>
+            <a:endParaRPr lang="nl-BE"/>
+          </a:p>
+        </p:txBody>
+      </p:sp>
+      <p:sp>
+        <p:nvSpPr>
+          <p:cNvPr id="3" name="Content Placeholder 2"/>
+          <p:cNvSpPr>
+            <a:spLocks noGrp="1"/>
+          </p:cNvSpPr>
+          <p:nvPr>
+            <p:ph idx="1"/>
+          </p:nvPr>
+        </p:nvSpPr>
+        <p:spPr/>
+        <p:txBody>
+          <a:bodyPr>
+            <a:normAutofit fontScale="92500" lnSpcReduction="20000"/>
+          </a:bodyPr>
+          <a:lstStyle/>
+          <a:p>
+            <a:r>
+              <a:rPr lang="en-US" dirty="0"/>
+              <a:t>The simple annualized average return is 1.5% times 12, which gives us 18% as annualized return.</a:t>
+            </a:r>
+            <a:endParaRPr lang="nl-BE" dirty="0"/>
+          </a:p>
+          <a:p>
+            <a:r>
+              <a:rPr lang="en-US" dirty="0"/>
+              <a:t> </a:t>
+            </a:r>
+            <a:endParaRPr lang="nl-BE" dirty="0"/>
+          </a:p>
+          <a:p>
+            <a:r>
+              <a:rPr lang="en-US" dirty="0"/>
+              <a:t>The annualized geometric average return is around 19%.</a:t>
+            </a:r>
+            <a:endParaRPr lang="nl-BE" dirty="0"/>
+          </a:p>
+          <a:p>
+            <a:r>
+              <a:rPr lang="en-US" dirty="0"/>
+              <a:t> </a:t>
+            </a:r>
+            <a:endParaRPr lang="nl-BE" dirty="0"/>
+          </a:p>
+          <a:p>
+            <a:r>
+              <a:rPr lang="en-US" dirty="0"/>
+              <a:t>And the annualized volatility is around 9%. It is obtained by multiplying the monthly volatility of 2.7% with the square root of 12.</a:t>
+            </a:r>
+            <a:endParaRPr lang="nl-BE" dirty="0"/>
+          </a:p>
+          <a:p>
+            <a:endParaRPr lang="nl-BE" dirty="0"/>
+          </a:p>
+        </p:txBody>
+      </p:sp>
+    </p:spTree>
+    <p:extLst>
+      <p:ext uri="{BB962C8B-B14F-4D97-AF65-F5344CB8AC3E}">
+        <p14:creationId xmlns:p14="http://schemas.microsoft.com/office/powerpoint/2010/main" val="3464582559"/>
+      </p:ext>
+    </p:extLst>
+  </p:cSld>
+  <p:clrMapOvr>
+    <a:masterClrMapping/>
+  </p:clrMapOvr>
+</p:sld>
+</file>
+
+<file path=ppt/slides/slide6.xml><?xml version="1.0" encoding="utf-8"?>
+<p:sld xmlns:a="http://schemas.openxmlformats.org/drawingml/2006/main" xmlns:r="http://schemas.openxmlformats.org/officeDocument/2006/relationships" xmlns:p="http://schemas.openxmlformats.org/presentationml/2006/main">
+  <p:cSld>
+    <p:spTree>
+      <p:nvGrpSpPr>
+        <p:cNvPr id="1" name=""/>
+        <p:cNvGrpSpPr/>
+        <p:nvPr/>
+      </p:nvGrpSpPr>
+      <p:grpSpPr>
+        <a:xfrm>
+          <a:off x="0" y="0"/>
+          <a:ext cx="0" cy="0"/>
+          <a:chOff x="0" y="0"/>
+          <a:chExt cx="0" cy="0"/>
+        </a:xfrm>
+      </p:grpSpPr>
+      <p:sp>
+        <p:nvSpPr>
+          <p:cNvPr id="2" name="Title 1"/>
+          <p:cNvSpPr>
+            <a:spLocks noGrp="1"/>
+          </p:cNvSpPr>
+          <p:nvPr>
             <p:ph type="ctrTitle"/>
           </p:nvPr>
         </p:nvSpPr>
@@ -3423,7 +3538,157 @@
             </a:r>
             <a:r>
               <a:rPr lang="en-US" dirty="0"/>
-              <a:t> The non-normality of the return distribution </a:t>
+              <a:t>Time-variation in portfolio performance</a:t>
+            </a:r>
+            <a:endParaRPr lang="nl-BE" dirty="0"/>
+          </a:p>
+        </p:txBody>
+      </p:sp>
+      <p:sp>
+        <p:nvSpPr>
+          <p:cNvPr id="3" name="Subtitle 2"/>
+          <p:cNvSpPr>
+            <a:spLocks noGrp="1"/>
+          </p:cNvSpPr>
+          <p:nvPr>
+            <p:ph type="subTitle" idx="1"/>
+          </p:nvPr>
+        </p:nvSpPr>
+        <p:spPr/>
+        <p:txBody>
+          <a:bodyPr/>
+          <a:lstStyle/>
+          <a:p>
+            <a:endParaRPr lang="nl-BE"/>
+          </a:p>
+        </p:txBody>
+      </p:sp>
+    </p:spTree>
+    <p:extLst>
+      <p:ext uri="{BB962C8B-B14F-4D97-AF65-F5344CB8AC3E}">
+        <p14:creationId xmlns:p14="http://schemas.microsoft.com/office/powerpoint/2010/main" val="3341379040"/>
+      </p:ext>
+    </p:extLst>
+  </p:cSld>
+  <p:clrMapOvr>
+    <a:masterClrMapping/>
+  </p:clrMapOvr>
+</p:sld>
+</file>
+
+<file path=ppt/slides/slide7.xml><?xml version="1.0" encoding="utf-8"?>
+<p:sld xmlns:a="http://schemas.openxmlformats.org/drawingml/2006/main" xmlns:r="http://schemas.openxmlformats.org/officeDocument/2006/relationships" xmlns:p="http://schemas.openxmlformats.org/presentationml/2006/main">
+  <p:cSld>
+    <p:spTree>
+      <p:nvGrpSpPr>
+        <p:cNvPr id="1" name=""/>
+        <p:cNvGrpSpPr/>
+        <p:nvPr/>
+      </p:nvGrpSpPr>
+      <p:grpSpPr>
+        <a:xfrm>
+          <a:off x="0" y="0"/>
+          <a:ext cx="0" cy="0"/>
+          <a:chOff x="0" y="0"/>
+          <a:chExt cx="0" cy="0"/>
+        </a:xfrm>
+      </p:grpSpPr>
+      <p:sp>
+        <p:nvSpPr>
+          <p:cNvPr id="2" name="Title 1"/>
+          <p:cNvSpPr>
+            <a:spLocks noGrp="1"/>
+          </p:cNvSpPr>
+          <p:nvPr>
+            <p:ph type="title"/>
+          </p:nvPr>
+        </p:nvSpPr>
+        <p:spPr/>
+        <p:txBody>
+          <a:bodyPr/>
+          <a:lstStyle/>
+          <a:p>
+            <a:endParaRPr lang="nl-BE"/>
+          </a:p>
+        </p:txBody>
+      </p:sp>
+      <p:sp>
+        <p:nvSpPr>
+          <p:cNvPr id="3" name="Content Placeholder 2"/>
+          <p:cNvSpPr>
+            <a:spLocks noGrp="1"/>
+          </p:cNvSpPr>
+          <p:nvPr>
+            <p:ph idx="1"/>
+          </p:nvPr>
+        </p:nvSpPr>
+        <p:spPr/>
+        <p:txBody>
+          <a:bodyPr/>
+          <a:lstStyle/>
+          <a:p>
+            <a:endParaRPr lang="nl-BE"/>
+          </a:p>
+        </p:txBody>
+      </p:sp>
+    </p:spTree>
+    <p:extLst>
+      <p:ext uri="{BB962C8B-B14F-4D97-AF65-F5344CB8AC3E}">
+        <p14:creationId xmlns:p14="http://schemas.microsoft.com/office/powerpoint/2010/main" val="1931158852"/>
+      </p:ext>
+    </p:extLst>
+  </p:cSld>
+  <p:clrMapOvr>
+    <a:masterClrMapping/>
+  </p:clrMapOvr>
+</p:sld>
+</file>
+
+<file path=ppt/slides/slide8.xml><?xml version="1.0" encoding="utf-8"?>
+<p:sld xmlns:a="http://schemas.openxmlformats.org/drawingml/2006/main" xmlns:r="http://schemas.openxmlformats.org/officeDocument/2006/relationships" xmlns:p="http://schemas.openxmlformats.org/presentationml/2006/main">
+  <p:cSld>
+    <p:spTree>
+      <p:nvGrpSpPr>
+        <p:cNvPr id="1" name=""/>
+        <p:cNvGrpSpPr/>
+        <p:nvPr/>
+      </p:nvGrpSpPr>
+      <p:grpSpPr>
+        <a:xfrm>
+          <a:off x="0" y="0"/>
+          <a:ext cx="0" cy="0"/>
+          <a:chOff x="0" y="0"/>
+          <a:chExt cx="0" cy="0"/>
+        </a:xfrm>
+      </p:grpSpPr>
+      <p:sp>
+        <p:nvSpPr>
+          <p:cNvPr id="2" name="Title 1"/>
+          <p:cNvSpPr>
+            <a:spLocks noGrp="1"/>
+          </p:cNvSpPr>
+          <p:nvPr>
+            <p:ph type="ctrTitle"/>
+          </p:nvPr>
+        </p:nvSpPr>
+        <p:spPr/>
+        <p:txBody>
+          <a:bodyPr>
+            <a:normAutofit/>
+          </a:bodyPr>
+          <a:lstStyle/>
+          <a:p>
+            <a:r>
+              <a:rPr lang="en-US"/>
+              <a:t>Video </a:t>
+            </a:r>
+            <a:r>
+              <a:rPr lang="en-US" smtClean="0"/>
+              <a:t>4:  </a:t>
+            </a:r>
+            <a:r>
+              <a:rPr lang="en-US" dirty="0"/>
+              <a:t>The non-normality of the return distribution </a:t>
             </a:r>
             <a:endParaRPr lang="nl-BE" dirty="0"/>
           </a:p>
@@ -3461,7 +3726,7 @@
 </p:sld>
 </file>
 
-<file path=ppt/slides/slide6.xml><?xml version="1.0" encoding="utf-8"?>
+<file path=ppt/slides/slide9.xml><?xml version="1.0" encoding="utf-8"?>
 <p:sld xmlns:a="http://schemas.openxmlformats.org/drawingml/2006/main" xmlns:r="http://schemas.openxmlformats.org/officeDocument/2006/relationships" xmlns:p="http://schemas.openxmlformats.org/presentationml/2006/main">
   <p:cSld>
     <p:spTree>

--- a/scripts/Chapter2.pptx
+++ b/scripts/Chapter2.pptx
@@ -4,16 +4,27 @@
   <p:sldMasterIdLst>
     <p:sldMasterId id="2147483648" r:id="rId1"/>
   </p:sldMasterIdLst>
+  <p:notesMasterIdLst>
+    <p:notesMasterId r:id="rId19"/>
+  </p:notesMasterIdLst>
   <p:sldIdLst>
     <p:sldId id="256" r:id="rId2"/>
     <p:sldId id="260" r:id="rId3"/>
-    <p:sldId id="264" r:id="rId4"/>
-    <p:sldId id="263" r:id="rId5"/>
-    <p:sldId id="265" r:id="rId6"/>
-    <p:sldId id="258" r:id="rId7"/>
-    <p:sldId id="259" r:id="rId8"/>
-    <p:sldId id="261" r:id="rId9"/>
-    <p:sldId id="262" r:id="rId10"/>
+    <p:sldId id="268" r:id="rId4"/>
+    <p:sldId id="269" r:id="rId5"/>
+    <p:sldId id="270" r:id="rId6"/>
+    <p:sldId id="271" r:id="rId7"/>
+    <p:sldId id="272" r:id="rId8"/>
+    <p:sldId id="273" r:id="rId9"/>
+    <p:sldId id="264" r:id="rId10"/>
+    <p:sldId id="267" r:id="rId11"/>
+    <p:sldId id="266" r:id="rId12"/>
+    <p:sldId id="263" r:id="rId13"/>
+    <p:sldId id="265" r:id="rId14"/>
+    <p:sldId id="258" r:id="rId15"/>
+    <p:sldId id="259" r:id="rId16"/>
+    <p:sldId id="261" r:id="rId17"/>
+    <p:sldId id="262" r:id="rId18"/>
   </p:sldIdLst>
   <p:sldSz cx="9144000" cy="6858000" type="screen4x3"/>
   <p:notesSz cx="6858000" cy="9144000"/>
@@ -115,6 +126,1144 @@
 </p:presentation>
 </file>
 
+<file path=ppt/notesMasters/notesMaster1.xml><?xml version="1.0" encoding="utf-8"?>
+<p:notesMaster xmlns:a="http://schemas.openxmlformats.org/drawingml/2006/main" xmlns:r="http://schemas.openxmlformats.org/officeDocument/2006/relationships" xmlns:p="http://schemas.openxmlformats.org/presentationml/2006/main">
+  <p:cSld>
+    <p:bg>
+      <p:bgRef idx="1001">
+        <a:schemeClr val="bg1"/>
+      </p:bgRef>
+    </p:bg>
+    <p:spTree>
+      <p:nvGrpSpPr>
+        <p:cNvPr id="1" name=""/>
+        <p:cNvGrpSpPr/>
+        <p:nvPr/>
+      </p:nvGrpSpPr>
+      <p:grpSpPr>
+        <a:xfrm>
+          <a:off x="0" y="0"/>
+          <a:ext cx="0" cy="0"/>
+          <a:chOff x="0" y="0"/>
+          <a:chExt cx="0" cy="0"/>
+        </a:xfrm>
+      </p:grpSpPr>
+      <p:sp>
+        <p:nvSpPr>
+          <p:cNvPr id="2" name="Header Placeholder 1"/>
+          <p:cNvSpPr>
+            <a:spLocks noGrp="1"/>
+          </p:cNvSpPr>
+          <p:nvPr>
+            <p:ph type="hdr" sz="quarter"/>
+          </p:nvPr>
+        </p:nvSpPr>
+        <p:spPr>
+          <a:xfrm>
+            <a:off x="0" y="0"/>
+            <a:ext cx="2971800" cy="457200"/>
+          </a:xfrm>
+          <a:prstGeom prst="rect">
+            <a:avLst/>
+          </a:prstGeom>
+        </p:spPr>
+        <p:txBody>
+          <a:bodyPr vert="horz" lIns="91440" tIns="45720" rIns="91440" bIns="45720" rtlCol="0"/>
+          <a:lstStyle>
+            <a:lvl1pPr algn="l">
+              <a:defRPr sz="1200"/>
+            </a:lvl1pPr>
+          </a:lstStyle>
+          <a:p>
+            <a:endParaRPr lang="nl-BE"/>
+          </a:p>
+        </p:txBody>
+      </p:sp>
+      <p:sp>
+        <p:nvSpPr>
+          <p:cNvPr id="3" name="Date Placeholder 2"/>
+          <p:cNvSpPr>
+            <a:spLocks noGrp="1"/>
+          </p:cNvSpPr>
+          <p:nvPr>
+            <p:ph type="dt" idx="1"/>
+          </p:nvPr>
+        </p:nvSpPr>
+        <p:spPr>
+          <a:xfrm>
+            <a:off x="3884613" y="0"/>
+            <a:ext cx="2971800" cy="457200"/>
+          </a:xfrm>
+          <a:prstGeom prst="rect">
+            <a:avLst/>
+          </a:prstGeom>
+        </p:spPr>
+        <p:txBody>
+          <a:bodyPr vert="horz" lIns="91440" tIns="45720" rIns="91440" bIns="45720" rtlCol="0"/>
+          <a:lstStyle>
+            <a:lvl1pPr algn="r">
+              <a:defRPr sz="1200"/>
+            </a:lvl1pPr>
+          </a:lstStyle>
+          <a:p>
+            <a:fld id="{23B2D9DC-219A-4EA2-A020-7AAD3FFF6BC0}" type="datetimeFigureOut">
+              <a:rPr lang="nl-BE" smtClean="0"/>
+              <a:t>19/05/2016</a:t>
+            </a:fld>
+            <a:endParaRPr lang="nl-BE"/>
+          </a:p>
+        </p:txBody>
+      </p:sp>
+      <p:sp>
+        <p:nvSpPr>
+          <p:cNvPr id="4" name="Slide Image Placeholder 3"/>
+          <p:cNvSpPr>
+            <a:spLocks noGrp="1" noRot="1" noChangeAspect="1"/>
+          </p:cNvSpPr>
+          <p:nvPr>
+            <p:ph type="sldImg" idx="2"/>
+          </p:nvPr>
+        </p:nvSpPr>
+        <p:spPr>
+          <a:xfrm>
+            <a:off x="1143000" y="685800"/>
+            <a:ext cx="4572000" cy="3429000"/>
+          </a:xfrm>
+          <a:prstGeom prst="rect">
+            <a:avLst/>
+          </a:prstGeom>
+          <a:noFill/>
+          <a:ln w="12700">
+            <a:solidFill>
+              <a:prstClr val="black"/>
+            </a:solidFill>
+          </a:ln>
+        </p:spPr>
+        <p:txBody>
+          <a:bodyPr vert="horz" lIns="91440" tIns="45720" rIns="91440" bIns="45720" rtlCol="0" anchor="ctr"/>
+          <a:lstStyle/>
+          <a:p>
+            <a:endParaRPr lang="nl-BE"/>
+          </a:p>
+        </p:txBody>
+      </p:sp>
+      <p:sp>
+        <p:nvSpPr>
+          <p:cNvPr id="5" name="Notes Placeholder 4"/>
+          <p:cNvSpPr>
+            <a:spLocks noGrp="1"/>
+          </p:cNvSpPr>
+          <p:nvPr>
+            <p:ph type="body" sz="quarter" idx="3"/>
+          </p:nvPr>
+        </p:nvSpPr>
+        <p:spPr>
+          <a:xfrm>
+            <a:off x="685800" y="4343400"/>
+            <a:ext cx="5486400" cy="4114800"/>
+          </a:xfrm>
+          <a:prstGeom prst="rect">
+            <a:avLst/>
+          </a:prstGeom>
+        </p:spPr>
+        <p:txBody>
+          <a:bodyPr vert="horz" lIns="91440" tIns="45720" rIns="91440" bIns="45720" rtlCol="0"/>
+          <a:lstStyle/>
+          <a:p>
+            <a:pPr lvl="0"/>
+            <a:r>
+              <a:rPr lang="en-US" smtClean="0"/>
+              <a:t>Click to edit Master text styles</a:t>
+            </a:r>
+          </a:p>
+          <a:p>
+            <a:pPr lvl="1"/>
+            <a:r>
+              <a:rPr lang="en-US" smtClean="0"/>
+              <a:t>Second level</a:t>
+            </a:r>
+          </a:p>
+          <a:p>
+            <a:pPr lvl="2"/>
+            <a:r>
+              <a:rPr lang="en-US" smtClean="0"/>
+              <a:t>Third level</a:t>
+            </a:r>
+          </a:p>
+          <a:p>
+            <a:pPr lvl="3"/>
+            <a:r>
+              <a:rPr lang="en-US" smtClean="0"/>
+              <a:t>Fourth level</a:t>
+            </a:r>
+          </a:p>
+          <a:p>
+            <a:pPr lvl="4"/>
+            <a:r>
+              <a:rPr lang="en-US" smtClean="0"/>
+              <a:t>Fifth level</a:t>
+            </a:r>
+            <a:endParaRPr lang="nl-BE"/>
+          </a:p>
+        </p:txBody>
+      </p:sp>
+      <p:sp>
+        <p:nvSpPr>
+          <p:cNvPr id="6" name="Footer Placeholder 5"/>
+          <p:cNvSpPr>
+            <a:spLocks noGrp="1"/>
+          </p:cNvSpPr>
+          <p:nvPr>
+            <p:ph type="ftr" sz="quarter" idx="4"/>
+          </p:nvPr>
+        </p:nvSpPr>
+        <p:spPr>
+          <a:xfrm>
+            <a:off x="0" y="8685213"/>
+            <a:ext cx="2971800" cy="457200"/>
+          </a:xfrm>
+          <a:prstGeom prst="rect">
+            <a:avLst/>
+          </a:prstGeom>
+        </p:spPr>
+        <p:txBody>
+          <a:bodyPr vert="horz" lIns="91440" tIns="45720" rIns="91440" bIns="45720" rtlCol="0" anchor="b"/>
+          <a:lstStyle>
+            <a:lvl1pPr algn="l">
+              <a:defRPr sz="1200"/>
+            </a:lvl1pPr>
+          </a:lstStyle>
+          <a:p>
+            <a:endParaRPr lang="nl-BE"/>
+          </a:p>
+        </p:txBody>
+      </p:sp>
+      <p:sp>
+        <p:nvSpPr>
+          <p:cNvPr id="7" name="Slide Number Placeholder 6"/>
+          <p:cNvSpPr>
+            <a:spLocks noGrp="1"/>
+          </p:cNvSpPr>
+          <p:nvPr>
+            <p:ph type="sldNum" sz="quarter" idx="5"/>
+          </p:nvPr>
+        </p:nvSpPr>
+        <p:spPr>
+          <a:xfrm>
+            <a:off x="3884613" y="8685213"/>
+            <a:ext cx="2971800" cy="457200"/>
+          </a:xfrm>
+          <a:prstGeom prst="rect">
+            <a:avLst/>
+          </a:prstGeom>
+        </p:spPr>
+        <p:txBody>
+          <a:bodyPr vert="horz" lIns="91440" tIns="45720" rIns="91440" bIns="45720" rtlCol="0" anchor="b"/>
+          <a:lstStyle>
+            <a:lvl1pPr algn="r">
+              <a:defRPr sz="1200"/>
+            </a:lvl1pPr>
+          </a:lstStyle>
+          <a:p>
+            <a:fld id="{2B3A40D6-BFE2-4A77-8141-36F9731C9D74}" type="slidenum">
+              <a:rPr lang="nl-BE" smtClean="0"/>
+              <a:t>‹#›</a:t>
+            </a:fld>
+            <a:endParaRPr lang="nl-BE"/>
+          </a:p>
+        </p:txBody>
+      </p:sp>
+    </p:spTree>
+    <p:extLst>
+      <p:ext uri="{BB962C8B-B14F-4D97-AF65-F5344CB8AC3E}">
+        <p14:creationId xmlns:p14="http://schemas.microsoft.com/office/powerpoint/2010/main" val="2213172727"/>
+      </p:ext>
+    </p:extLst>
+  </p:cSld>
+  <p:clrMap bg1="lt1" tx1="dk1" bg2="lt2" tx2="dk2" accent1="accent1" accent2="accent2" accent3="accent3" accent4="accent4" accent5="accent5" accent6="accent6" hlink="hlink" folHlink="folHlink"/>
+  <p:notesStyle>
+    <a:lvl1pPr marL="0" algn="l" defTabSz="914400" rtl="0" eaLnBrk="1" latinLnBrk="0" hangingPunct="1">
+      <a:defRPr sz="1200" kern="1200">
+        <a:solidFill>
+          <a:schemeClr val="tx1"/>
+        </a:solidFill>
+        <a:latin typeface="+mn-lt"/>
+        <a:ea typeface="+mn-ea"/>
+        <a:cs typeface="+mn-cs"/>
+      </a:defRPr>
+    </a:lvl1pPr>
+    <a:lvl2pPr marL="457200" algn="l" defTabSz="914400" rtl="0" eaLnBrk="1" latinLnBrk="0" hangingPunct="1">
+      <a:defRPr sz="1200" kern="1200">
+        <a:solidFill>
+          <a:schemeClr val="tx1"/>
+        </a:solidFill>
+        <a:latin typeface="+mn-lt"/>
+        <a:ea typeface="+mn-ea"/>
+        <a:cs typeface="+mn-cs"/>
+      </a:defRPr>
+    </a:lvl2pPr>
+    <a:lvl3pPr marL="914400" algn="l" defTabSz="914400" rtl="0" eaLnBrk="1" latinLnBrk="0" hangingPunct="1">
+      <a:defRPr sz="1200" kern="1200">
+        <a:solidFill>
+          <a:schemeClr val="tx1"/>
+        </a:solidFill>
+        <a:latin typeface="+mn-lt"/>
+        <a:ea typeface="+mn-ea"/>
+        <a:cs typeface="+mn-cs"/>
+      </a:defRPr>
+    </a:lvl3pPr>
+    <a:lvl4pPr marL="1371600" algn="l" defTabSz="914400" rtl="0" eaLnBrk="1" latinLnBrk="0" hangingPunct="1">
+      <a:defRPr sz="1200" kern="1200">
+        <a:solidFill>
+          <a:schemeClr val="tx1"/>
+        </a:solidFill>
+        <a:latin typeface="+mn-lt"/>
+        <a:ea typeface="+mn-ea"/>
+        <a:cs typeface="+mn-cs"/>
+      </a:defRPr>
+    </a:lvl4pPr>
+    <a:lvl5pPr marL="1828800" algn="l" defTabSz="914400" rtl="0" eaLnBrk="1" latinLnBrk="0" hangingPunct="1">
+      <a:defRPr sz="1200" kern="1200">
+        <a:solidFill>
+          <a:schemeClr val="tx1"/>
+        </a:solidFill>
+        <a:latin typeface="+mn-lt"/>
+        <a:ea typeface="+mn-ea"/>
+        <a:cs typeface="+mn-cs"/>
+      </a:defRPr>
+    </a:lvl5pPr>
+    <a:lvl6pPr marL="2286000" algn="l" defTabSz="914400" rtl="0" eaLnBrk="1" latinLnBrk="0" hangingPunct="1">
+      <a:defRPr sz="1200" kern="1200">
+        <a:solidFill>
+          <a:schemeClr val="tx1"/>
+        </a:solidFill>
+        <a:latin typeface="+mn-lt"/>
+        <a:ea typeface="+mn-ea"/>
+        <a:cs typeface="+mn-cs"/>
+      </a:defRPr>
+    </a:lvl6pPr>
+    <a:lvl7pPr marL="2743200" algn="l" defTabSz="914400" rtl="0" eaLnBrk="1" latinLnBrk="0" hangingPunct="1">
+      <a:defRPr sz="1200" kern="1200">
+        <a:solidFill>
+          <a:schemeClr val="tx1"/>
+        </a:solidFill>
+        <a:latin typeface="+mn-lt"/>
+        <a:ea typeface="+mn-ea"/>
+        <a:cs typeface="+mn-cs"/>
+      </a:defRPr>
+    </a:lvl7pPr>
+    <a:lvl8pPr marL="3200400" algn="l" defTabSz="914400" rtl="0" eaLnBrk="1" latinLnBrk="0" hangingPunct="1">
+      <a:defRPr sz="1200" kern="1200">
+        <a:solidFill>
+          <a:schemeClr val="tx1"/>
+        </a:solidFill>
+        <a:latin typeface="+mn-lt"/>
+        <a:ea typeface="+mn-ea"/>
+        <a:cs typeface="+mn-cs"/>
+      </a:defRPr>
+    </a:lvl8pPr>
+    <a:lvl9pPr marL="3657600" algn="l" defTabSz="914400" rtl="0" eaLnBrk="1" latinLnBrk="0" hangingPunct="1">
+      <a:defRPr sz="1200" kern="1200">
+        <a:solidFill>
+          <a:schemeClr val="tx1"/>
+        </a:solidFill>
+        <a:latin typeface="+mn-lt"/>
+        <a:ea typeface="+mn-ea"/>
+        <a:cs typeface="+mn-cs"/>
+      </a:defRPr>
+    </a:lvl9pPr>
+  </p:notesStyle>
+</p:notesMaster>
+</file>
+
+<file path=ppt/notesSlides/notesSlide1.xml><?xml version="1.0" encoding="utf-8"?>
+<p:notes xmlns:a="http://schemas.openxmlformats.org/drawingml/2006/main" xmlns:r="http://schemas.openxmlformats.org/officeDocument/2006/relationships" xmlns:p="http://schemas.openxmlformats.org/presentationml/2006/main">
+  <p:cSld>
+    <p:spTree>
+      <p:nvGrpSpPr>
+        <p:cNvPr id="1" name=""/>
+        <p:cNvGrpSpPr/>
+        <p:nvPr/>
+      </p:nvGrpSpPr>
+      <p:grpSpPr>
+        <a:xfrm>
+          <a:off x="0" y="0"/>
+          <a:ext cx="0" cy="0"/>
+          <a:chOff x="0" y="0"/>
+          <a:chExt cx="0" cy="0"/>
+        </a:xfrm>
+      </p:grpSpPr>
+      <p:sp>
+        <p:nvSpPr>
+          <p:cNvPr id="2" name="Slide Image Placeholder 1"/>
+          <p:cNvSpPr>
+            <a:spLocks noGrp="1" noRot="1" noChangeAspect="1"/>
+          </p:cNvSpPr>
+          <p:nvPr>
+            <p:ph type="sldImg"/>
+          </p:nvPr>
+        </p:nvSpPr>
+        <p:spPr/>
+      </p:sp>
+      <p:sp>
+        <p:nvSpPr>
+          <p:cNvPr id="3" name="Notes Placeholder 2"/>
+          <p:cNvSpPr>
+            <a:spLocks noGrp="1"/>
+          </p:cNvSpPr>
+          <p:nvPr>
+            <p:ph type="body" idx="1"/>
+          </p:nvPr>
+        </p:nvSpPr>
+        <p:spPr/>
+        <p:txBody>
+          <a:bodyPr/>
+          <a:lstStyle/>
+          <a:p>
+            <a:r>
+              <a:rPr lang="en-US" dirty="0" smtClean="0"/>
+              <a:t>How well did a portfolio perform in the past and how good to we expect its performance to be in the future? This question can be answered in a data driven way by using statistical functions in R to analyze portfolio returns. This allows us to make sensible conclusions about the portfolio’s past performance and to make reliable predictions about future portfolio performance. </a:t>
+            </a:r>
+            <a:endParaRPr lang="nl-BE" dirty="0"/>
+          </a:p>
+        </p:txBody>
+      </p:sp>
+      <p:sp>
+        <p:nvSpPr>
+          <p:cNvPr id="4" name="Slide Number Placeholder 3"/>
+          <p:cNvSpPr>
+            <a:spLocks noGrp="1"/>
+          </p:cNvSpPr>
+          <p:nvPr>
+            <p:ph type="sldNum" sz="quarter" idx="10"/>
+          </p:nvPr>
+        </p:nvSpPr>
+        <p:spPr/>
+        <p:txBody>
+          <a:bodyPr/>
+          <a:lstStyle/>
+          <a:p>
+            <a:fld id="{2B3A40D6-BFE2-4A77-8141-36F9731C9D74}" type="slidenum">
+              <a:rPr lang="nl-BE" smtClean="0"/>
+              <a:t>2</a:t>
+            </a:fld>
+            <a:endParaRPr lang="nl-BE"/>
+          </a:p>
+        </p:txBody>
+      </p:sp>
+    </p:spTree>
+    <p:extLst>
+      <p:ext uri="{BB962C8B-B14F-4D97-AF65-F5344CB8AC3E}">
+        <p14:creationId xmlns:p14="http://schemas.microsoft.com/office/powerpoint/2010/main" val="3105301992"/>
+      </p:ext>
+    </p:extLst>
+  </p:cSld>
+  <p:clrMapOvr>
+    <a:masterClrMapping/>
+  </p:clrMapOvr>
+</p:notes>
+</file>
+
+<file path=ppt/notesSlides/notesSlide2.xml><?xml version="1.0" encoding="utf-8"?>
+<p:notes xmlns:a="http://schemas.openxmlformats.org/drawingml/2006/main" xmlns:r="http://schemas.openxmlformats.org/officeDocument/2006/relationships" xmlns:p="http://schemas.openxmlformats.org/presentationml/2006/main">
+  <p:cSld>
+    <p:spTree>
+      <p:nvGrpSpPr>
+        <p:cNvPr id="1" name=""/>
+        <p:cNvGrpSpPr/>
+        <p:nvPr/>
+      </p:nvGrpSpPr>
+      <p:grpSpPr>
+        <a:xfrm>
+          <a:off x="0" y="0"/>
+          <a:ext cx="0" cy="0"/>
+          <a:chOff x="0" y="0"/>
+          <a:chExt cx="0" cy="0"/>
+        </a:xfrm>
+      </p:grpSpPr>
+      <p:sp>
+        <p:nvSpPr>
+          <p:cNvPr id="2" name="Slide Image Placeholder 1"/>
+          <p:cNvSpPr>
+            <a:spLocks noGrp="1" noRot="1" noChangeAspect="1"/>
+          </p:cNvSpPr>
+          <p:nvPr>
+            <p:ph type="sldImg"/>
+          </p:nvPr>
+        </p:nvSpPr>
+        <p:spPr/>
+      </p:sp>
+      <p:sp>
+        <p:nvSpPr>
+          <p:cNvPr id="3" name="Notes Placeholder 2"/>
+          <p:cNvSpPr>
+            <a:spLocks noGrp="1"/>
+          </p:cNvSpPr>
+          <p:nvPr>
+            <p:ph type="body" idx="1"/>
+          </p:nvPr>
+        </p:nvSpPr>
+        <p:spPr/>
+        <p:txBody>
+          <a:bodyPr/>
+          <a:lstStyle/>
+          <a:p>
+            <a:r>
+              <a:rPr lang="en-US" dirty="0" smtClean="0"/>
+              <a:t>It is important to understand that portfolio performance is a general concept, which cannot be summarized by one number. Broadly speaking there are two dimensions, namely: reward and risk. </a:t>
+            </a:r>
+          </a:p>
+          <a:p>
+            <a:r>
+              <a:rPr lang="en-US" dirty="0" smtClean="0"/>
+              <a:t>The rewards tells us the success in terms of reaching high levels of portfolio value, while risk has to do with the performance in terms of avoiding extreme losses. </a:t>
+            </a:r>
+            <a:endParaRPr lang="nl-BE" dirty="0"/>
+          </a:p>
+        </p:txBody>
+      </p:sp>
+      <p:sp>
+        <p:nvSpPr>
+          <p:cNvPr id="4" name="Slide Number Placeholder 3"/>
+          <p:cNvSpPr>
+            <a:spLocks noGrp="1"/>
+          </p:cNvSpPr>
+          <p:nvPr>
+            <p:ph type="sldNum" sz="quarter" idx="10"/>
+          </p:nvPr>
+        </p:nvSpPr>
+        <p:spPr/>
+        <p:txBody>
+          <a:bodyPr/>
+          <a:lstStyle/>
+          <a:p>
+            <a:fld id="{2B3A40D6-BFE2-4A77-8141-36F9731C9D74}" type="slidenum">
+              <a:rPr lang="nl-BE" smtClean="0"/>
+              <a:t>3</a:t>
+            </a:fld>
+            <a:endParaRPr lang="nl-BE"/>
+          </a:p>
+        </p:txBody>
+      </p:sp>
+    </p:spTree>
+    <p:extLst>
+      <p:ext uri="{BB962C8B-B14F-4D97-AF65-F5344CB8AC3E}">
+        <p14:creationId xmlns:p14="http://schemas.microsoft.com/office/powerpoint/2010/main" val="1557208923"/>
+      </p:ext>
+    </p:extLst>
+  </p:cSld>
+  <p:clrMapOvr>
+    <a:masterClrMapping/>
+  </p:clrMapOvr>
+</p:notes>
+</file>
+
+<file path=ppt/notesSlides/notesSlide3.xml><?xml version="1.0" encoding="utf-8"?>
+<p:notes xmlns:a="http://schemas.openxmlformats.org/drawingml/2006/main" xmlns:r="http://schemas.openxmlformats.org/officeDocument/2006/relationships" xmlns:p="http://schemas.openxmlformats.org/presentationml/2006/main">
+  <p:cSld>
+    <p:spTree>
+      <p:nvGrpSpPr>
+        <p:cNvPr id="1" name=""/>
+        <p:cNvGrpSpPr/>
+        <p:nvPr/>
+      </p:nvGrpSpPr>
+      <p:grpSpPr>
+        <a:xfrm>
+          <a:off x="0" y="0"/>
+          <a:ext cx="0" cy="0"/>
+          <a:chOff x="0" y="0"/>
+          <a:chExt cx="0" cy="0"/>
+        </a:xfrm>
+      </p:grpSpPr>
+      <p:sp>
+        <p:nvSpPr>
+          <p:cNvPr id="2" name="Slide Image Placeholder 1"/>
+          <p:cNvSpPr>
+            <a:spLocks noGrp="1" noRot="1" noChangeAspect="1"/>
+          </p:cNvSpPr>
+          <p:nvPr>
+            <p:ph type="sldImg"/>
+          </p:nvPr>
+        </p:nvSpPr>
+        <p:spPr/>
+      </p:sp>
+      <p:sp>
+        <p:nvSpPr>
+          <p:cNvPr id="3" name="Notes Placeholder 2"/>
+          <p:cNvSpPr>
+            <a:spLocks noGrp="1"/>
+          </p:cNvSpPr>
+          <p:nvPr>
+            <p:ph type="body" idx="1"/>
+          </p:nvPr>
+        </p:nvSpPr>
+        <p:spPr/>
+        <p:txBody>
+          <a:bodyPr/>
+          <a:lstStyle/>
+          <a:p>
+            <a:r>
+              <a:rPr lang="en-US" dirty="0" smtClean="0"/>
+              <a:t>For doing a data-driven performance analysis in R, we thus need to first translate the concept of reward and risk into a formula. In this video, I will focus on the portfolio mean return as the measure of reward, and the portfolio volatility as the measure of risk. </a:t>
+            </a:r>
+          </a:p>
+          <a:p>
+            <a:endParaRPr lang="en-US" dirty="0" smtClean="0"/>
+          </a:p>
+          <a:p>
+            <a:r>
+              <a:rPr lang="en-US" dirty="0" smtClean="0"/>
+              <a:t>***</a:t>
+            </a:r>
+          </a:p>
+          <a:p>
+            <a:endParaRPr lang="en-US" dirty="0" smtClean="0"/>
+          </a:p>
+          <a:p>
+            <a:r>
+              <a:rPr lang="en-US" dirty="0" smtClean="0"/>
+              <a:t>The formula’s I will show assume that we have a sample of T portfolio return observations: R1, R2, R3 up to RT. </a:t>
+            </a:r>
+          </a:p>
+          <a:p>
+            <a:endParaRPr lang="en-US" dirty="0" smtClean="0"/>
+          </a:p>
+          <a:p>
+            <a:r>
+              <a:rPr lang="en-US" dirty="0" smtClean="0"/>
+              <a:t>Then the portfolio mean return can be estimated as the average value of those T return observations. This is also called the arithmetic mean return. It indicates how large the portfolio return is on average. The averaging is important: You win some, you lose some, but on average the portfolio return needs to be high enough to compensate for the investment risk. </a:t>
+            </a:r>
+            <a:endParaRPr lang="nl-BE" dirty="0"/>
+          </a:p>
+        </p:txBody>
+      </p:sp>
+      <p:sp>
+        <p:nvSpPr>
+          <p:cNvPr id="4" name="Slide Number Placeholder 3"/>
+          <p:cNvSpPr>
+            <a:spLocks noGrp="1"/>
+          </p:cNvSpPr>
+          <p:nvPr>
+            <p:ph type="sldNum" sz="quarter" idx="10"/>
+          </p:nvPr>
+        </p:nvSpPr>
+        <p:spPr/>
+        <p:txBody>
+          <a:bodyPr/>
+          <a:lstStyle/>
+          <a:p>
+            <a:fld id="{2B3A40D6-BFE2-4A77-8141-36F9731C9D74}" type="slidenum">
+              <a:rPr lang="nl-BE" smtClean="0"/>
+              <a:t>4</a:t>
+            </a:fld>
+            <a:endParaRPr lang="nl-BE"/>
+          </a:p>
+        </p:txBody>
+      </p:sp>
+    </p:spTree>
+    <p:extLst>
+      <p:ext uri="{BB962C8B-B14F-4D97-AF65-F5344CB8AC3E}">
+        <p14:creationId xmlns:p14="http://schemas.microsoft.com/office/powerpoint/2010/main" val="3351260804"/>
+      </p:ext>
+    </p:extLst>
+  </p:cSld>
+  <p:clrMapOvr>
+    <a:masterClrMapping/>
+  </p:clrMapOvr>
+</p:notes>
+</file>
+
+<file path=ppt/notesSlides/notesSlide4.xml><?xml version="1.0" encoding="utf-8"?>
+<p:notes xmlns:a="http://schemas.openxmlformats.org/drawingml/2006/main" xmlns:r="http://schemas.openxmlformats.org/officeDocument/2006/relationships" xmlns:p="http://schemas.openxmlformats.org/presentationml/2006/main">
+  <p:cSld>
+    <p:spTree>
+      <p:nvGrpSpPr>
+        <p:cNvPr id="1" name=""/>
+        <p:cNvGrpSpPr/>
+        <p:nvPr/>
+      </p:nvGrpSpPr>
+      <p:grpSpPr>
+        <a:xfrm>
+          <a:off x="0" y="0"/>
+          <a:ext cx="0" cy="0"/>
+          <a:chOff x="0" y="0"/>
+          <a:chExt cx="0" cy="0"/>
+        </a:xfrm>
+      </p:grpSpPr>
+      <p:sp>
+        <p:nvSpPr>
+          <p:cNvPr id="2" name="Slide Image Placeholder 1"/>
+          <p:cNvSpPr>
+            <a:spLocks noGrp="1" noRot="1" noChangeAspect="1"/>
+          </p:cNvSpPr>
+          <p:nvPr>
+            <p:ph type="sldImg"/>
+          </p:nvPr>
+        </p:nvSpPr>
+        <p:spPr/>
+      </p:sp>
+      <p:sp>
+        <p:nvSpPr>
+          <p:cNvPr id="3" name="Notes Placeholder 2"/>
+          <p:cNvSpPr>
+            <a:spLocks noGrp="1"/>
+          </p:cNvSpPr>
+          <p:nvPr>
+            <p:ph type="body" idx="1"/>
+          </p:nvPr>
+        </p:nvSpPr>
+        <p:spPr/>
+        <p:txBody>
+          <a:bodyPr/>
+          <a:lstStyle/>
+          <a:p>
+            <a:endParaRPr lang="en-US" dirty="0" smtClean="0"/>
+          </a:p>
+          <a:p>
+            <a:r>
+              <a:rPr lang="en-US" dirty="0" smtClean="0"/>
+              <a:t>That risk originates from the fact the returns can deviate from the average return. I will use the name “de-</a:t>
+            </a:r>
+            <a:r>
+              <a:rPr lang="en-US" dirty="0" err="1" smtClean="0"/>
+              <a:t>meaned</a:t>
+            </a:r>
+            <a:r>
+              <a:rPr lang="en-US" dirty="0" smtClean="0"/>
+              <a:t> return” to refer to the difference between the return and its mean value. If the demeaned return is positive, then the return is higher than average. </a:t>
+            </a:r>
+          </a:p>
+          <a:p>
+            <a:endParaRPr lang="en-US" dirty="0" smtClean="0"/>
+          </a:p>
+          <a:p>
+            <a:r>
+              <a:rPr lang="en-US" dirty="0" smtClean="0"/>
+              <a:t>If we take the average of the squared demeaned portfolio returns, then we obtain the portfolio variance. The variance has large values when the portfolio return can deviate a lot from its mean value.</a:t>
+            </a:r>
+          </a:p>
+          <a:p>
+            <a:endParaRPr lang="en-US" dirty="0" smtClean="0"/>
+          </a:p>
+          <a:p>
+            <a:r>
+              <a:rPr lang="en-US" dirty="0" smtClean="0"/>
+              <a:t>Most often, we do not use the portfolio variance itself, but its square root, called the portfolio standard deviation, or also, the portfolio volatility. The higher the volatility, the higher is the probability of a large positive or negative return on your portfolio.  </a:t>
+            </a:r>
+            <a:endParaRPr lang="nl-BE" dirty="0"/>
+          </a:p>
+        </p:txBody>
+      </p:sp>
+      <p:sp>
+        <p:nvSpPr>
+          <p:cNvPr id="4" name="Slide Number Placeholder 3"/>
+          <p:cNvSpPr>
+            <a:spLocks noGrp="1"/>
+          </p:cNvSpPr>
+          <p:nvPr>
+            <p:ph type="sldNum" sz="quarter" idx="10"/>
+          </p:nvPr>
+        </p:nvSpPr>
+        <p:spPr/>
+        <p:txBody>
+          <a:bodyPr/>
+          <a:lstStyle/>
+          <a:p>
+            <a:fld id="{2B3A40D6-BFE2-4A77-8141-36F9731C9D74}" type="slidenum">
+              <a:rPr lang="nl-BE" smtClean="0"/>
+              <a:t>5</a:t>
+            </a:fld>
+            <a:endParaRPr lang="nl-BE"/>
+          </a:p>
+        </p:txBody>
+      </p:sp>
+    </p:spTree>
+    <p:extLst>
+      <p:ext uri="{BB962C8B-B14F-4D97-AF65-F5344CB8AC3E}">
+        <p14:creationId xmlns:p14="http://schemas.microsoft.com/office/powerpoint/2010/main" val="3817829124"/>
+      </p:ext>
+    </p:extLst>
+  </p:cSld>
+  <p:clrMapOvr>
+    <a:masterClrMapping/>
+  </p:clrMapOvr>
+</p:notes>
+</file>
+
+<file path=ppt/notesSlides/notesSlide5.xml><?xml version="1.0" encoding="utf-8"?>
+<p:notes xmlns:a="http://schemas.openxmlformats.org/drawingml/2006/main" xmlns:r="http://schemas.openxmlformats.org/officeDocument/2006/relationships" xmlns:p="http://schemas.openxmlformats.org/presentationml/2006/main">
+  <p:cSld>
+    <p:spTree>
+      <p:nvGrpSpPr>
+        <p:cNvPr id="1" name=""/>
+        <p:cNvGrpSpPr/>
+        <p:nvPr/>
+      </p:nvGrpSpPr>
+      <p:grpSpPr>
+        <a:xfrm>
+          <a:off x="0" y="0"/>
+          <a:ext cx="0" cy="0"/>
+          <a:chOff x="0" y="0"/>
+          <a:chExt cx="0" cy="0"/>
+        </a:xfrm>
+      </p:grpSpPr>
+      <p:sp>
+        <p:nvSpPr>
+          <p:cNvPr id="2" name="Slide Image Placeholder 1"/>
+          <p:cNvSpPr>
+            <a:spLocks noGrp="1" noRot="1" noChangeAspect="1"/>
+          </p:cNvSpPr>
+          <p:nvPr>
+            <p:ph type="sldImg"/>
+          </p:nvPr>
+        </p:nvSpPr>
+        <p:spPr/>
+      </p:sp>
+      <p:sp>
+        <p:nvSpPr>
+          <p:cNvPr id="3" name="Notes Placeholder 2"/>
+          <p:cNvSpPr>
+            <a:spLocks noGrp="1"/>
+          </p:cNvSpPr>
+          <p:nvPr>
+            <p:ph type="body" idx="1"/>
+          </p:nvPr>
+        </p:nvSpPr>
+        <p:spPr/>
+        <p:txBody>
+          <a:bodyPr/>
+          <a:lstStyle/>
+          <a:p>
+            <a:r>
+              <a:rPr lang="en-US" dirty="0" smtClean="0"/>
+              <a:t>The volatility thus causes risk. It also causes a mismatch between the average return and the actual investment return. </a:t>
+            </a:r>
+          </a:p>
+          <a:p>
+            <a:endParaRPr lang="en-US" dirty="0" smtClean="0"/>
+          </a:p>
+          <a:p>
+            <a:r>
+              <a:rPr lang="en-US" dirty="0" smtClean="0"/>
+              <a:t>Suppose for example that the investor makes a 50% gain and a 50% loss. Then the arithmetic mean value of those returns is thus the average of plus 50% and minus 50%, which is zero. The zero mean return is in contrast with the actual outcome for the investor, since, as you can see on the slide, the final value of the investment is only 75% of the initial value.   </a:t>
+            </a:r>
+          </a:p>
+          <a:p>
+            <a:endParaRPr lang="en-US" dirty="0" smtClean="0"/>
+          </a:p>
+          <a:p>
+            <a:r>
+              <a:rPr lang="en-US" dirty="0" smtClean="0"/>
+              <a:t>Because of this mismatch between average return and the actual investment return,  investors prefer using the geometric mean return to take into account that there is no linear compensation in the returns.  </a:t>
+            </a:r>
+          </a:p>
+        </p:txBody>
+      </p:sp>
+      <p:sp>
+        <p:nvSpPr>
+          <p:cNvPr id="4" name="Slide Number Placeholder 3"/>
+          <p:cNvSpPr>
+            <a:spLocks noGrp="1"/>
+          </p:cNvSpPr>
+          <p:nvPr>
+            <p:ph type="sldNum" sz="quarter" idx="10"/>
+          </p:nvPr>
+        </p:nvSpPr>
+        <p:spPr/>
+        <p:txBody>
+          <a:bodyPr/>
+          <a:lstStyle/>
+          <a:p>
+            <a:fld id="{2B3A40D6-BFE2-4A77-8141-36F9731C9D74}" type="slidenum">
+              <a:rPr lang="nl-BE" smtClean="0"/>
+              <a:t>6</a:t>
+            </a:fld>
+            <a:endParaRPr lang="nl-BE"/>
+          </a:p>
+        </p:txBody>
+      </p:sp>
+    </p:spTree>
+    <p:extLst>
+      <p:ext uri="{BB962C8B-B14F-4D97-AF65-F5344CB8AC3E}">
+        <p14:creationId xmlns:p14="http://schemas.microsoft.com/office/powerpoint/2010/main" val="986768425"/>
+      </p:ext>
+    </p:extLst>
+  </p:cSld>
+  <p:clrMapOvr>
+    <a:masterClrMapping/>
+  </p:clrMapOvr>
+</p:notes>
+</file>
+
+<file path=ppt/notesSlides/notesSlide6.xml><?xml version="1.0" encoding="utf-8"?>
+<p:notes xmlns:a="http://schemas.openxmlformats.org/drawingml/2006/main" xmlns:r="http://schemas.openxmlformats.org/officeDocument/2006/relationships" xmlns:p="http://schemas.openxmlformats.org/presentationml/2006/main">
+  <p:cSld>
+    <p:spTree>
+      <p:nvGrpSpPr>
+        <p:cNvPr id="1" name=""/>
+        <p:cNvGrpSpPr/>
+        <p:nvPr/>
+      </p:nvGrpSpPr>
+      <p:grpSpPr>
+        <a:xfrm>
+          <a:off x="0" y="0"/>
+          <a:ext cx="0" cy="0"/>
+          <a:chOff x="0" y="0"/>
+          <a:chExt cx="0" cy="0"/>
+        </a:xfrm>
+      </p:grpSpPr>
+      <p:sp>
+        <p:nvSpPr>
+          <p:cNvPr id="2" name="Slide Image Placeholder 1"/>
+          <p:cNvSpPr>
+            <a:spLocks noGrp="1" noRot="1" noChangeAspect="1"/>
+          </p:cNvSpPr>
+          <p:nvPr>
+            <p:ph type="sldImg"/>
+          </p:nvPr>
+        </p:nvSpPr>
+        <p:spPr/>
+      </p:sp>
+      <p:sp>
+        <p:nvSpPr>
+          <p:cNvPr id="3" name="Notes Placeholder 2"/>
+          <p:cNvSpPr>
+            <a:spLocks noGrp="1"/>
+          </p:cNvSpPr>
+          <p:nvPr>
+            <p:ph type="body" idx="1"/>
+          </p:nvPr>
+        </p:nvSpPr>
+        <p:spPr/>
+        <p:txBody>
+          <a:bodyPr/>
+          <a:lstStyle/>
+          <a:p>
+            <a:r>
+              <a:rPr lang="en-US" dirty="0" smtClean="0"/>
+              <a:t>The geometric mean return is obtained by first multiplying the total returns, and then raising that number to the power of one divided by the number of observations. If you then subtract one from that number, you obtain the geometric mean return.</a:t>
+            </a:r>
+          </a:p>
+          <a:p>
+            <a:endParaRPr lang="en-US" dirty="0" smtClean="0"/>
+          </a:p>
+          <a:p>
+            <a:r>
+              <a:rPr lang="en-US" dirty="0" smtClean="0"/>
+              <a:t>In our example of a plus 50% return and a minus 50% return, the geometric mean return is minus 13.4% and this matches, by definition, with the average effective investment return. </a:t>
+            </a:r>
+            <a:endParaRPr lang="nl-BE" dirty="0"/>
+          </a:p>
+        </p:txBody>
+      </p:sp>
+      <p:sp>
+        <p:nvSpPr>
+          <p:cNvPr id="4" name="Slide Number Placeholder 3"/>
+          <p:cNvSpPr>
+            <a:spLocks noGrp="1"/>
+          </p:cNvSpPr>
+          <p:nvPr>
+            <p:ph type="sldNum" sz="quarter" idx="10"/>
+          </p:nvPr>
+        </p:nvSpPr>
+        <p:spPr/>
+        <p:txBody>
+          <a:bodyPr/>
+          <a:lstStyle/>
+          <a:p>
+            <a:fld id="{2B3A40D6-BFE2-4A77-8141-36F9731C9D74}" type="slidenum">
+              <a:rPr lang="nl-BE" smtClean="0"/>
+              <a:t>7</a:t>
+            </a:fld>
+            <a:endParaRPr lang="nl-BE"/>
+          </a:p>
+        </p:txBody>
+      </p:sp>
+    </p:spTree>
+    <p:extLst>
+      <p:ext uri="{BB962C8B-B14F-4D97-AF65-F5344CB8AC3E}">
+        <p14:creationId xmlns:p14="http://schemas.microsoft.com/office/powerpoint/2010/main" val="1057127070"/>
+      </p:ext>
+    </p:extLst>
+  </p:cSld>
+  <p:clrMapOvr>
+    <a:masterClrMapping/>
+  </p:clrMapOvr>
+</p:notes>
+</file>
+
+<file path=ppt/notesSlides/notesSlide7.xml><?xml version="1.0" encoding="utf-8"?>
+<p:notes xmlns:a="http://schemas.openxmlformats.org/drawingml/2006/main" xmlns:r="http://schemas.openxmlformats.org/officeDocument/2006/relationships" xmlns:p="http://schemas.openxmlformats.org/presentationml/2006/main">
+  <p:cSld>
+    <p:spTree>
+      <p:nvGrpSpPr>
+        <p:cNvPr id="1" name=""/>
+        <p:cNvGrpSpPr/>
+        <p:nvPr/>
+      </p:nvGrpSpPr>
+      <p:grpSpPr>
+        <a:xfrm>
+          <a:off x="0" y="0"/>
+          <a:ext cx="0" cy="0"/>
+          <a:chOff x="0" y="0"/>
+          <a:chExt cx="0" cy="0"/>
+        </a:xfrm>
+      </p:grpSpPr>
+      <p:sp>
+        <p:nvSpPr>
+          <p:cNvPr id="2" name="Slide Image Placeholder 1"/>
+          <p:cNvSpPr>
+            <a:spLocks noGrp="1" noRot="1" noChangeAspect="1"/>
+          </p:cNvSpPr>
+          <p:nvPr>
+            <p:ph type="sldImg"/>
+          </p:nvPr>
+        </p:nvSpPr>
+        <p:spPr/>
+      </p:sp>
+      <p:sp>
+        <p:nvSpPr>
+          <p:cNvPr id="3" name="Notes Placeholder 2"/>
+          <p:cNvSpPr>
+            <a:spLocks noGrp="1"/>
+          </p:cNvSpPr>
+          <p:nvPr>
+            <p:ph type="body" idx="1"/>
+          </p:nvPr>
+        </p:nvSpPr>
+        <p:spPr/>
+        <p:txBody>
+          <a:bodyPr/>
+          <a:lstStyle/>
+          <a:p>
+            <a:r>
+              <a:rPr lang="en-US" dirty="0" smtClean="0"/>
+              <a:t>Once we have the average return and volatility, we can start interpreting portfolio performance. In the next exercises, we do this for the S&amp;P 500 portfolio, which is invested in the 500 largest publicly listed US stocks, with weights that are proportional to the stocks' market capitalization.  The S&amp;P 500 portfolio is generally considered as the most important benchmark portfolio for investors in US stocks. </a:t>
+            </a:r>
+            <a:endParaRPr lang="nl-BE" dirty="0"/>
+          </a:p>
+        </p:txBody>
+      </p:sp>
+      <p:sp>
+        <p:nvSpPr>
+          <p:cNvPr id="4" name="Slide Number Placeholder 3"/>
+          <p:cNvSpPr>
+            <a:spLocks noGrp="1"/>
+          </p:cNvSpPr>
+          <p:nvPr>
+            <p:ph type="sldNum" sz="quarter" idx="10"/>
+          </p:nvPr>
+        </p:nvSpPr>
+        <p:spPr/>
+        <p:txBody>
+          <a:bodyPr/>
+          <a:lstStyle/>
+          <a:p>
+            <a:fld id="{2B3A40D6-BFE2-4A77-8141-36F9731C9D74}" type="slidenum">
+              <a:rPr lang="nl-BE" smtClean="0"/>
+              <a:t>8</a:t>
+            </a:fld>
+            <a:endParaRPr lang="nl-BE"/>
+          </a:p>
+        </p:txBody>
+      </p:sp>
+    </p:spTree>
+    <p:extLst>
+      <p:ext uri="{BB962C8B-B14F-4D97-AF65-F5344CB8AC3E}">
+        <p14:creationId xmlns:p14="http://schemas.microsoft.com/office/powerpoint/2010/main" val="2220575500"/>
+      </p:ext>
+    </p:extLst>
+  </p:cSld>
+  <p:clrMapOvr>
+    <a:masterClrMapping/>
+  </p:clrMapOvr>
+</p:notes>
+</file>
+
+<file path=ppt/notesSlides/notesSlide8.xml><?xml version="1.0" encoding="utf-8"?>
+<p:notes xmlns:a="http://schemas.openxmlformats.org/drawingml/2006/main" xmlns:r="http://schemas.openxmlformats.org/officeDocument/2006/relationships" xmlns:p="http://schemas.openxmlformats.org/presentationml/2006/main">
+  <p:cSld>
+    <p:spTree>
+      <p:nvGrpSpPr>
+        <p:cNvPr id="1" name=""/>
+        <p:cNvGrpSpPr/>
+        <p:nvPr/>
+      </p:nvGrpSpPr>
+      <p:grpSpPr>
+        <a:xfrm>
+          <a:off x="0" y="0"/>
+          <a:ext cx="0" cy="0"/>
+          <a:chOff x="0" y="0"/>
+          <a:chExt cx="0" cy="0"/>
+        </a:xfrm>
+      </p:grpSpPr>
+      <p:sp>
+        <p:nvSpPr>
+          <p:cNvPr id="2" name="Slide Image Placeholder 1"/>
+          <p:cNvSpPr>
+            <a:spLocks noGrp="1" noRot="1" noChangeAspect="1"/>
+          </p:cNvSpPr>
+          <p:nvPr>
+            <p:ph type="sldImg"/>
+          </p:nvPr>
+        </p:nvSpPr>
+        <p:spPr/>
+      </p:sp>
+      <p:sp>
+        <p:nvSpPr>
+          <p:cNvPr id="3" name="Notes Placeholder 2"/>
+          <p:cNvSpPr>
+            <a:spLocks noGrp="1"/>
+          </p:cNvSpPr>
+          <p:nvPr>
+            <p:ph type="body" idx="1"/>
+          </p:nvPr>
+        </p:nvSpPr>
+        <p:spPr/>
+        <p:txBody>
+          <a:bodyPr/>
+          <a:lstStyle/>
+          <a:p>
+            <a:endParaRPr lang="nl-BE" dirty="0"/>
+          </a:p>
+        </p:txBody>
+      </p:sp>
+      <p:sp>
+        <p:nvSpPr>
+          <p:cNvPr id="4" name="Slide Number Placeholder 3"/>
+          <p:cNvSpPr>
+            <a:spLocks noGrp="1"/>
+          </p:cNvSpPr>
+          <p:nvPr>
+            <p:ph type="sldNum" sz="quarter" idx="10"/>
+          </p:nvPr>
+        </p:nvSpPr>
+        <p:spPr/>
+        <p:txBody>
+          <a:bodyPr/>
+          <a:lstStyle/>
+          <a:p>
+            <a:fld id="{2B3A40D6-BFE2-4A77-8141-36F9731C9D74}" type="slidenum">
+              <a:rPr lang="nl-BE" smtClean="0"/>
+              <a:t>11</a:t>
+            </a:fld>
+            <a:endParaRPr lang="nl-BE"/>
+          </a:p>
+        </p:txBody>
+      </p:sp>
+    </p:spTree>
+    <p:extLst>
+      <p:ext uri="{BB962C8B-B14F-4D97-AF65-F5344CB8AC3E}">
+        <p14:creationId xmlns:p14="http://schemas.microsoft.com/office/powerpoint/2010/main" val="3314654714"/>
+      </p:ext>
+    </p:extLst>
+  </p:cSld>
+  <p:clrMapOvr>
+    <a:masterClrMapping/>
+  </p:clrMapOvr>
+</p:notes>
+</file>
+
 <file path=ppt/slideLayouts/slideLayout1.xml><?xml version="1.0" encoding="utf-8"?>
 <p:sldLayout xmlns:a="http://schemas.openxmlformats.org/drawingml/2006/main" xmlns:r="http://schemas.openxmlformats.org/officeDocument/2006/relationships" xmlns:p="http://schemas.openxmlformats.org/presentationml/2006/main" type="title" preserve="1">
   <p:cSld name="Title Slide">
@@ -296,7 +1445,7 @@
           <a:p>
             <a:fld id="{F199DA73-FF55-4AFB-8A45-BCAA78D6E465}" type="datetimeFigureOut">
               <a:rPr lang="nl-BE" smtClean="0"/>
-              <a:t>17/05/2016</a:t>
+              <a:t>19/05/2016</a:t>
             </a:fld>
             <a:endParaRPr lang="nl-BE"/>
           </a:p>
@@ -466,7 +1615,7 @@
           <a:p>
             <a:fld id="{F199DA73-FF55-4AFB-8A45-BCAA78D6E465}" type="datetimeFigureOut">
               <a:rPr lang="nl-BE" smtClean="0"/>
-              <a:t>17/05/2016</a:t>
+              <a:t>19/05/2016</a:t>
             </a:fld>
             <a:endParaRPr lang="nl-BE"/>
           </a:p>
@@ -646,7 +1795,7 @@
           <a:p>
             <a:fld id="{F199DA73-FF55-4AFB-8A45-BCAA78D6E465}" type="datetimeFigureOut">
               <a:rPr lang="nl-BE" smtClean="0"/>
-              <a:t>17/05/2016</a:t>
+              <a:t>19/05/2016</a:t>
             </a:fld>
             <a:endParaRPr lang="nl-BE"/>
           </a:p>
@@ -816,7 +1965,7 @@
           <a:p>
             <a:fld id="{F199DA73-FF55-4AFB-8A45-BCAA78D6E465}" type="datetimeFigureOut">
               <a:rPr lang="nl-BE" smtClean="0"/>
-              <a:t>17/05/2016</a:t>
+              <a:t>19/05/2016</a:t>
             </a:fld>
             <a:endParaRPr lang="nl-BE"/>
           </a:p>
@@ -1062,7 +2211,7 @@
           <a:p>
             <a:fld id="{F199DA73-FF55-4AFB-8A45-BCAA78D6E465}" type="datetimeFigureOut">
               <a:rPr lang="nl-BE" smtClean="0"/>
-              <a:t>17/05/2016</a:t>
+              <a:t>19/05/2016</a:t>
             </a:fld>
             <a:endParaRPr lang="nl-BE"/>
           </a:p>
@@ -1350,7 +2499,7 @@
           <a:p>
             <a:fld id="{F199DA73-FF55-4AFB-8A45-BCAA78D6E465}" type="datetimeFigureOut">
               <a:rPr lang="nl-BE" smtClean="0"/>
-              <a:t>17/05/2016</a:t>
+              <a:t>19/05/2016</a:t>
             </a:fld>
             <a:endParaRPr lang="nl-BE"/>
           </a:p>
@@ -1772,7 +2921,7 @@
           <a:p>
             <a:fld id="{F199DA73-FF55-4AFB-8A45-BCAA78D6E465}" type="datetimeFigureOut">
               <a:rPr lang="nl-BE" smtClean="0"/>
-              <a:t>17/05/2016</a:t>
+              <a:t>19/05/2016</a:t>
             </a:fld>
             <a:endParaRPr lang="nl-BE"/>
           </a:p>
@@ -1890,7 +3039,7 @@
           <a:p>
             <a:fld id="{F199DA73-FF55-4AFB-8A45-BCAA78D6E465}" type="datetimeFigureOut">
               <a:rPr lang="nl-BE" smtClean="0"/>
-              <a:t>17/05/2016</a:t>
+              <a:t>19/05/2016</a:t>
             </a:fld>
             <a:endParaRPr lang="nl-BE"/>
           </a:p>
@@ -1985,7 +3134,7 @@
           <a:p>
             <a:fld id="{F199DA73-FF55-4AFB-8A45-BCAA78D6E465}" type="datetimeFigureOut">
               <a:rPr lang="nl-BE" smtClean="0"/>
-              <a:t>17/05/2016</a:t>
+              <a:t>19/05/2016</a:t>
             </a:fld>
             <a:endParaRPr lang="nl-BE"/>
           </a:p>
@@ -2262,7 +3411,7 @@
           <a:p>
             <a:fld id="{F199DA73-FF55-4AFB-8A45-BCAA78D6E465}" type="datetimeFigureOut">
               <a:rPr lang="nl-BE" smtClean="0"/>
-              <a:t>17/05/2016</a:t>
+              <a:t>19/05/2016</a:t>
             </a:fld>
             <a:endParaRPr lang="nl-BE"/>
           </a:p>
@@ -2515,7 +3664,7 @@
           <a:p>
             <a:fld id="{F199DA73-FF55-4AFB-8A45-BCAA78D6E465}" type="datetimeFigureOut">
               <a:rPr lang="nl-BE" smtClean="0"/>
-              <a:t>17/05/2016</a:t>
+              <a:t>19/05/2016</a:t>
             </a:fld>
             <a:endParaRPr lang="nl-BE"/>
           </a:p>
@@ -2728,7 +3877,7 @@
           <a:p>
             <a:fld id="{F199DA73-FF55-4AFB-8A45-BCAA78D6E465}" type="datetimeFigureOut">
               <a:rPr lang="nl-BE" smtClean="0"/>
-              <a:t>17/05/2016</a:t>
+              <a:t>19/05/2016</a:t>
             </a:fld>
             <a:endParaRPr lang="nl-BE"/>
           </a:p>
@@ -3160,6 +4309,844 @@
 </p:sld>
 </file>
 
+<file path=ppt/slides/slide10.xml><?xml version="1.0" encoding="utf-8"?>
+<p:sld xmlns:a="http://schemas.openxmlformats.org/drawingml/2006/main" xmlns:r="http://schemas.openxmlformats.org/officeDocument/2006/relationships" xmlns:p="http://schemas.openxmlformats.org/presentationml/2006/main">
+  <p:cSld>
+    <p:spTree>
+      <p:nvGrpSpPr>
+        <p:cNvPr id="1" name=""/>
+        <p:cNvGrpSpPr/>
+        <p:nvPr/>
+      </p:nvGrpSpPr>
+      <p:grpSpPr>
+        <a:xfrm>
+          <a:off x="0" y="0"/>
+          <a:ext cx="0" cy="0"/>
+          <a:chOff x="0" y="0"/>
+          <a:chExt cx="0" cy="0"/>
+        </a:xfrm>
+      </p:grpSpPr>
+      <p:sp>
+        <p:nvSpPr>
+          <p:cNvPr id="2" name="Title 1"/>
+          <p:cNvSpPr>
+            <a:spLocks noGrp="1"/>
+          </p:cNvSpPr>
+          <p:nvPr>
+            <p:ph type="title"/>
+          </p:nvPr>
+        </p:nvSpPr>
+        <p:spPr/>
+        <p:txBody>
+          <a:bodyPr/>
+          <a:lstStyle/>
+          <a:p>
+            <a:endParaRPr lang="nl-BE"/>
+          </a:p>
+        </p:txBody>
+      </p:sp>
+      <p:sp>
+        <p:nvSpPr>
+          <p:cNvPr id="3" name="Content Placeholder 2"/>
+          <p:cNvSpPr>
+            <a:spLocks noGrp="1"/>
+          </p:cNvSpPr>
+          <p:nvPr>
+            <p:ph idx="1"/>
+          </p:nvPr>
+        </p:nvSpPr>
+        <p:spPr/>
+        <p:txBody>
+          <a:bodyPr/>
+          <a:lstStyle/>
+          <a:p>
+            <a:endParaRPr lang="nl-BE"/>
+          </a:p>
+        </p:txBody>
+      </p:sp>
+    </p:spTree>
+    <p:extLst>
+      <p:ext uri="{BB962C8B-B14F-4D97-AF65-F5344CB8AC3E}">
+        <p14:creationId xmlns:p14="http://schemas.microsoft.com/office/powerpoint/2010/main" val="975198921"/>
+      </p:ext>
+    </p:extLst>
+  </p:cSld>
+  <p:clrMapOvr>
+    <a:masterClrMapping/>
+  </p:clrMapOvr>
+</p:sld>
+</file>
+
+<file path=ppt/slides/slide11.xml><?xml version="1.0" encoding="utf-8"?>
+<p:sld xmlns:a="http://schemas.openxmlformats.org/drawingml/2006/main" xmlns:r="http://schemas.openxmlformats.org/officeDocument/2006/relationships" xmlns:p="http://schemas.openxmlformats.org/presentationml/2006/main">
+  <p:cSld>
+    <p:spTree>
+      <p:nvGrpSpPr>
+        <p:cNvPr id="1" name=""/>
+        <p:cNvGrpSpPr/>
+        <p:nvPr/>
+      </p:nvGrpSpPr>
+      <p:grpSpPr>
+        <a:xfrm>
+          <a:off x="0" y="0"/>
+          <a:ext cx="0" cy="0"/>
+          <a:chOff x="0" y="0"/>
+          <a:chExt cx="0" cy="0"/>
+        </a:xfrm>
+      </p:grpSpPr>
+      <p:cxnSp>
+        <p:nvCxnSpPr>
+          <p:cNvPr id="15" name="Straight Connector 14"/>
+          <p:cNvCxnSpPr/>
+          <p:nvPr/>
+        </p:nvCxnSpPr>
+        <p:spPr>
+          <a:xfrm flipV="1">
+            <a:off x="4305300" y="2438400"/>
+            <a:ext cx="0" cy="3429000"/>
+          </a:xfrm>
+          <a:prstGeom prst="line">
+            <a:avLst/>
+          </a:prstGeom>
+          <a:ln>
+            <a:prstDash val="sysDash"/>
+          </a:ln>
+        </p:spPr>
+        <p:style>
+          <a:lnRef idx="1">
+            <a:schemeClr val="accent1"/>
+          </a:lnRef>
+          <a:fillRef idx="0">
+            <a:schemeClr val="accent1"/>
+          </a:fillRef>
+          <a:effectRef idx="0">
+            <a:schemeClr val="accent1"/>
+          </a:effectRef>
+          <a:fontRef idx="minor">
+            <a:schemeClr val="tx1"/>
+          </a:fontRef>
+        </p:style>
+      </p:cxnSp>
+      <p:sp>
+        <p:nvSpPr>
+          <p:cNvPr id="2" name="Title 1"/>
+          <p:cNvSpPr>
+            <a:spLocks noGrp="1"/>
+          </p:cNvSpPr>
+          <p:nvPr>
+            <p:ph type="title"/>
+          </p:nvPr>
+        </p:nvSpPr>
+        <p:spPr>
+          <a:xfrm>
+            <a:off x="457200" y="304800"/>
+            <a:ext cx="8229600" cy="1143000"/>
+          </a:xfrm>
+        </p:spPr>
+        <p:txBody>
+          <a:bodyPr/>
+          <a:lstStyle/>
+          <a:p>
+            <a:r>
+              <a:rPr lang="nl-BE" dirty="0" smtClean="0"/>
+              <a:t>Sharpe ratio</a:t>
+            </a:r>
+            <a:endParaRPr lang="nl-BE" dirty="0"/>
+          </a:p>
+        </p:txBody>
+      </p:sp>
+      <p:cxnSp>
+        <p:nvCxnSpPr>
+          <p:cNvPr id="5" name="Straight Arrow Connector 4"/>
+          <p:cNvCxnSpPr/>
+          <p:nvPr/>
+        </p:nvCxnSpPr>
+        <p:spPr>
+          <a:xfrm>
+            <a:off x="1447800" y="5867400"/>
+            <a:ext cx="5715000" cy="0"/>
+          </a:xfrm>
+          <a:prstGeom prst="straightConnector1">
+            <a:avLst/>
+          </a:prstGeom>
+          <a:ln w="53975">
+            <a:tailEnd type="arrow"/>
+          </a:ln>
+        </p:spPr>
+        <p:style>
+          <a:lnRef idx="1">
+            <a:schemeClr val="accent1"/>
+          </a:lnRef>
+          <a:fillRef idx="0">
+            <a:schemeClr val="accent1"/>
+          </a:fillRef>
+          <a:effectRef idx="0">
+            <a:schemeClr val="accent1"/>
+          </a:effectRef>
+          <a:fontRef idx="minor">
+            <a:schemeClr val="tx1"/>
+          </a:fontRef>
+        </p:style>
+      </p:cxnSp>
+      <p:cxnSp>
+        <p:nvCxnSpPr>
+          <p:cNvPr id="6" name="Straight Arrow Connector 5"/>
+          <p:cNvCxnSpPr/>
+          <p:nvPr/>
+        </p:nvCxnSpPr>
+        <p:spPr>
+          <a:xfrm flipV="1">
+            <a:off x="1447800" y="2514600"/>
+            <a:ext cx="0" cy="3352800"/>
+          </a:xfrm>
+          <a:prstGeom prst="straightConnector1">
+            <a:avLst/>
+          </a:prstGeom>
+          <a:ln w="53975">
+            <a:tailEnd type="arrow"/>
+          </a:ln>
+        </p:spPr>
+        <p:style>
+          <a:lnRef idx="1">
+            <a:schemeClr val="accent1"/>
+          </a:lnRef>
+          <a:fillRef idx="0">
+            <a:schemeClr val="accent1"/>
+          </a:fillRef>
+          <a:effectRef idx="0">
+            <a:schemeClr val="accent1"/>
+          </a:effectRef>
+          <a:fontRef idx="minor">
+            <a:schemeClr val="tx1"/>
+          </a:fontRef>
+        </p:style>
+      </p:cxnSp>
+      <p:sp>
+        <p:nvSpPr>
+          <p:cNvPr id="8" name="TextBox 7"/>
+          <p:cNvSpPr txBox="1"/>
+          <p:nvPr/>
+        </p:nvSpPr>
+        <p:spPr>
+          <a:xfrm>
+            <a:off x="7010400" y="6096000"/>
+            <a:ext cx="1295400" cy="369332"/>
+          </a:xfrm>
+          <a:prstGeom prst="rect">
+            <a:avLst/>
+          </a:prstGeom>
+          <a:noFill/>
+        </p:spPr>
+        <p:txBody>
+          <a:bodyPr wrap="square" rtlCol="0">
+            <a:spAutoFit/>
+          </a:bodyPr>
+          <a:lstStyle/>
+          <a:p>
+            <a:r>
+              <a:rPr lang="nl-BE" dirty="0" smtClean="0"/>
+              <a:t>RISK</a:t>
+            </a:r>
+            <a:endParaRPr lang="nl-BE" dirty="0"/>
+          </a:p>
+        </p:txBody>
+      </p:sp>
+      <p:sp>
+        <p:nvSpPr>
+          <p:cNvPr id="9" name="TextBox 8"/>
+          <p:cNvSpPr txBox="1"/>
+          <p:nvPr/>
+        </p:nvSpPr>
+        <p:spPr>
+          <a:xfrm>
+            <a:off x="1066800" y="1905000"/>
+            <a:ext cx="1295400" cy="369332"/>
+          </a:xfrm>
+          <a:prstGeom prst="rect">
+            <a:avLst/>
+          </a:prstGeom>
+          <a:noFill/>
+        </p:spPr>
+        <p:txBody>
+          <a:bodyPr wrap="square" rtlCol="0">
+            <a:spAutoFit/>
+          </a:bodyPr>
+          <a:lstStyle/>
+          <a:p>
+            <a:r>
+              <a:rPr lang="nl-BE" dirty="0" smtClean="0"/>
+              <a:t>REWARD</a:t>
+            </a:r>
+            <a:endParaRPr lang="nl-BE" dirty="0"/>
+          </a:p>
+        </p:txBody>
+      </p:sp>
+      <p:sp>
+        <p:nvSpPr>
+          <p:cNvPr id="10" name="Oval 9"/>
+          <p:cNvSpPr/>
+          <p:nvPr/>
+        </p:nvSpPr>
+        <p:spPr>
+          <a:xfrm>
+            <a:off x="4191000" y="4038600"/>
+            <a:ext cx="228600" cy="304800"/>
+          </a:xfrm>
+          <a:prstGeom prst="ellipse">
+            <a:avLst/>
+          </a:prstGeom>
+        </p:spPr>
+        <p:style>
+          <a:lnRef idx="2">
+            <a:schemeClr val="accent1">
+              <a:shade val="50000"/>
+            </a:schemeClr>
+          </a:lnRef>
+          <a:fillRef idx="1">
+            <a:schemeClr val="accent1"/>
+          </a:fillRef>
+          <a:effectRef idx="0">
+            <a:schemeClr val="accent1"/>
+          </a:effectRef>
+          <a:fontRef idx="minor">
+            <a:schemeClr val="lt1"/>
+          </a:fontRef>
+        </p:style>
+        <p:txBody>
+          <a:bodyPr rtlCol="0" anchor="ctr"/>
+          <a:lstStyle/>
+          <a:p>
+            <a:pPr algn="ctr"/>
+            <a:endParaRPr lang="nl-BE"/>
+          </a:p>
+        </p:txBody>
+      </p:sp>
+      <p:cxnSp>
+        <p:nvCxnSpPr>
+          <p:cNvPr id="14" name="Straight Connector 13"/>
+          <p:cNvCxnSpPr/>
+          <p:nvPr/>
+        </p:nvCxnSpPr>
+        <p:spPr>
+          <a:xfrm flipH="1">
+            <a:off x="1447800" y="4191000"/>
+            <a:ext cx="5181600" cy="0"/>
+          </a:xfrm>
+          <a:prstGeom prst="line">
+            <a:avLst/>
+          </a:prstGeom>
+          <a:ln>
+            <a:prstDash val="sysDash"/>
+          </a:ln>
+        </p:spPr>
+        <p:style>
+          <a:lnRef idx="1">
+            <a:schemeClr val="accent1"/>
+          </a:lnRef>
+          <a:fillRef idx="0">
+            <a:schemeClr val="accent1"/>
+          </a:fillRef>
+          <a:effectRef idx="0">
+            <a:schemeClr val="accent1"/>
+          </a:effectRef>
+          <a:fontRef idx="minor">
+            <a:schemeClr val="tx1"/>
+          </a:fontRef>
+        </p:style>
+      </p:cxnSp>
+    </p:spTree>
+    <p:extLst>
+      <p:ext uri="{BB962C8B-B14F-4D97-AF65-F5344CB8AC3E}">
+        <p14:creationId xmlns:p14="http://schemas.microsoft.com/office/powerpoint/2010/main" val="2936428143"/>
+      </p:ext>
+    </p:extLst>
+  </p:cSld>
+  <p:clrMapOvr>
+    <a:masterClrMapping/>
+  </p:clrMapOvr>
+</p:sld>
+</file>
+
+<file path=ppt/slides/slide12.xml><?xml version="1.0" encoding="utf-8"?>
+<p:sld xmlns:a="http://schemas.openxmlformats.org/drawingml/2006/main" xmlns:r="http://schemas.openxmlformats.org/officeDocument/2006/relationships" xmlns:p="http://schemas.openxmlformats.org/presentationml/2006/main">
+  <p:cSld>
+    <p:spTree>
+      <p:nvGrpSpPr>
+        <p:cNvPr id="1" name=""/>
+        <p:cNvGrpSpPr/>
+        <p:nvPr/>
+      </p:nvGrpSpPr>
+      <p:grpSpPr>
+        <a:xfrm>
+          <a:off x="0" y="0"/>
+          <a:ext cx="0" cy="0"/>
+          <a:chOff x="0" y="0"/>
+          <a:chExt cx="0" cy="0"/>
+        </a:xfrm>
+      </p:grpSpPr>
+      <p:sp>
+        <p:nvSpPr>
+          <p:cNvPr id="2" name="Title 1"/>
+          <p:cNvSpPr>
+            <a:spLocks noGrp="1"/>
+          </p:cNvSpPr>
+          <p:nvPr>
+            <p:ph type="title"/>
+          </p:nvPr>
+        </p:nvSpPr>
+        <p:spPr/>
+        <p:txBody>
+          <a:bodyPr/>
+          <a:lstStyle/>
+          <a:p>
+            <a:endParaRPr lang="nl-BE"/>
+          </a:p>
+        </p:txBody>
+      </p:sp>
+      <p:sp>
+        <p:nvSpPr>
+          <p:cNvPr id="3" name="Content Placeholder 2"/>
+          <p:cNvSpPr>
+            <a:spLocks noGrp="1"/>
+          </p:cNvSpPr>
+          <p:nvPr>
+            <p:ph idx="1"/>
+          </p:nvPr>
+        </p:nvSpPr>
+        <p:spPr/>
+        <p:txBody>
+          <a:bodyPr/>
+          <a:lstStyle/>
+          <a:p>
+            <a:pPr marL="0" indent="0">
+              <a:buNone/>
+            </a:pPr>
+            <a:r>
+              <a:rPr lang="en-US" dirty="0"/>
+              <a:t>-0.02 , 0.00 , 0.00 , 0.06 , 0.02 , 0.03 , -0.01 , 0.04</a:t>
+            </a:r>
+            <a:endParaRPr lang="nl-BE" dirty="0"/>
+          </a:p>
+        </p:txBody>
+      </p:sp>
+    </p:spTree>
+    <p:extLst>
+      <p:ext uri="{BB962C8B-B14F-4D97-AF65-F5344CB8AC3E}">
+        <p14:creationId xmlns:p14="http://schemas.microsoft.com/office/powerpoint/2010/main" val="3467959278"/>
+      </p:ext>
+    </p:extLst>
+  </p:cSld>
+  <p:clrMapOvr>
+    <a:masterClrMapping/>
+  </p:clrMapOvr>
+</p:sld>
+</file>
+
+<file path=ppt/slides/slide13.xml><?xml version="1.0" encoding="utf-8"?>
+<p:sld xmlns:a="http://schemas.openxmlformats.org/drawingml/2006/main" xmlns:r="http://schemas.openxmlformats.org/officeDocument/2006/relationships" xmlns:p="http://schemas.openxmlformats.org/presentationml/2006/main">
+  <p:cSld>
+    <p:spTree>
+      <p:nvGrpSpPr>
+        <p:cNvPr id="1" name=""/>
+        <p:cNvGrpSpPr/>
+        <p:nvPr/>
+      </p:nvGrpSpPr>
+      <p:grpSpPr>
+        <a:xfrm>
+          <a:off x="0" y="0"/>
+          <a:ext cx="0" cy="0"/>
+          <a:chOff x="0" y="0"/>
+          <a:chExt cx="0" cy="0"/>
+        </a:xfrm>
+      </p:grpSpPr>
+      <p:sp>
+        <p:nvSpPr>
+          <p:cNvPr id="2" name="Title 1"/>
+          <p:cNvSpPr>
+            <a:spLocks noGrp="1"/>
+          </p:cNvSpPr>
+          <p:nvPr>
+            <p:ph type="title"/>
+          </p:nvPr>
+        </p:nvSpPr>
+        <p:spPr/>
+        <p:txBody>
+          <a:bodyPr/>
+          <a:lstStyle/>
+          <a:p>
+            <a:endParaRPr lang="nl-BE"/>
+          </a:p>
+        </p:txBody>
+      </p:sp>
+      <p:sp>
+        <p:nvSpPr>
+          <p:cNvPr id="3" name="Content Placeholder 2"/>
+          <p:cNvSpPr>
+            <a:spLocks noGrp="1"/>
+          </p:cNvSpPr>
+          <p:nvPr>
+            <p:ph idx="1"/>
+          </p:nvPr>
+        </p:nvSpPr>
+        <p:spPr/>
+        <p:txBody>
+          <a:bodyPr>
+            <a:normAutofit fontScale="92500" lnSpcReduction="20000"/>
+          </a:bodyPr>
+          <a:lstStyle/>
+          <a:p>
+            <a:r>
+              <a:rPr lang="en-US" dirty="0"/>
+              <a:t>The simple annualized average return is 1.5% times 12, which gives us 18% as annualized return.</a:t>
+            </a:r>
+            <a:endParaRPr lang="nl-BE" dirty="0"/>
+          </a:p>
+          <a:p>
+            <a:r>
+              <a:rPr lang="en-US" dirty="0"/>
+              <a:t> </a:t>
+            </a:r>
+            <a:endParaRPr lang="nl-BE" dirty="0"/>
+          </a:p>
+          <a:p>
+            <a:r>
+              <a:rPr lang="en-US" dirty="0"/>
+              <a:t>The annualized geometric average return is around 19%.</a:t>
+            </a:r>
+            <a:endParaRPr lang="nl-BE" dirty="0"/>
+          </a:p>
+          <a:p>
+            <a:r>
+              <a:rPr lang="en-US" dirty="0"/>
+              <a:t> </a:t>
+            </a:r>
+            <a:endParaRPr lang="nl-BE" dirty="0"/>
+          </a:p>
+          <a:p>
+            <a:r>
+              <a:rPr lang="en-US" dirty="0"/>
+              <a:t>And the annualized volatility is around 9%. It is obtained by multiplying the monthly volatility of 2.7% with the square root of 12.</a:t>
+            </a:r>
+            <a:endParaRPr lang="nl-BE" dirty="0"/>
+          </a:p>
+          <a:p>
+            <a:endParaRPr lang="nl-BE" dirty="0"/>
+          </a:p>
+        </p:txBody>
+      </p:sp>
+    </p:spTree>
+    <p:extLst>
+      <p:ext uri="{BB962C8B-B14F-4D97-AF65-F5344CB8AC3E}">
+        <p14:creationId xmlns:p14="http://schemas.microsoft.com/office/powerpoint/2010/main" val="3464582559"/>
+      </p:ext>
+    </p:extLst>
+  </p:cSld>
+  <p:clrMapOvr>
+    <a:masterClrMapping/>
+  </p:clrMapOvr>
+</p:sld>
+</file>
+
+<file path=ppt/slides/slide14.xml><?xml version="1.0" encoding="utf-8"?>
+<p:sld xmlns:a="http://schemas.openxmlformats.org/drawingml/2006/main" xmlns:r="http://schemas.openxmlformats.org/officeDocument/2006/relationships" xmlns:p="http://schemas.openxmlformats.org/presentationml/2006/main">
+  <p:cSld>
+    <p:spTree>
+      <p:nvGrpSpPr>
+        <p:cNvPr id="1" name=""/>
+        <p:cNvGrpSpPr/>
+        <p:nvPr/>
+      </p:nvGrpSpPr>
+      <p:grpSpPr>
+        <a:xfrm>
+          <a:off x="0" y="0"/>
+          <a:ext cx="0" cy="0"/>
+          <a:chOff x="0" y="0"/>
+          <a:chExt cx="0" cy="0"/>
+        </a:xfrm>
+      </p:grpSpPr>
+      <p:sp>
+        <p:nvSpPr>
+          <p:cNvPr id="2" name="Title 1"/>
+          <p:cNvSpPr>
+            <a:spLocks noGrp="1"/>
+          </p:cNvSpPr>
+          <p:nvPr>
+            <p:ph type="ctrTitle"/>
+          </p:nvPr>
+        </p:nvSpPr>
+        <p:spPr/>
+        <p:txBody>
+          <a:bodyPr>
+            <a:normAutofit/>
+          </a:bodyPr>
+          <a:lstStyle/>
+          <a:p>
+            <a:r>
+              <a:rPr lang="en-US" dirty="0"/>
+              <a:t>Video </a:t>
+            </a:r>
+            <a:r>
+              <a:rPr lang="en-US" dirty="0" smtClean="0"/>
+              <a:t>3: </a:t>
+            </a:r>
+            <a:r>
+              <a:rPr lang="en-US" dirty="0"/>
+              <a:t>Time-variation in portfolio performance</a:t>
+            </a:r>
+            <a:endParaRPr lang="nl-BE" dirty="0"/>
+          </a:p>
+        </p:txBody>
+      </p:sp>
+      <p:sp>
+        <p:nvSpPr>
+          <p:cNvPr id="3" name="Subtitle 2"/>
+          <p:cNvSpPr>
+            <a:spLocks noGrp="1"/>
+          </p:cNvSpPr>
+          <p:nvPr>
+            <p:ph type="subTitle" idx="1"/>
+          </p:nvPr>
+        </p:nvSpPr>
+        <p:spPr/>
+        <p:txBody>
+          <a:bodyPr/>
+          <a:lstStyle/>
+          <a:p>
+            <a:endParaRPr lang="nl-BE"/>
+          </a:p>
+        </p:txBody>
+      </p:sp>
+    </p:spTree>
+    <p:extLst>
+      <p:ext uri="{BB962C8B-B14F-4D97-AF65-F5344CB8AC3E}">
+        <p14:creationId xmlns:p14="http://schemas.microsoft.com/office/powerpoint/2010/main" val="3341379040"/>
+      </p:ext>
+    </p:extLst>
+  </p:cSld>
+  <p:clrMapOvr>
+    <a:masterClrMapping/>
+  </p:clrMapOvr>
+</p:sld>
+</file>
+
+<file path=ppt/slides/slide15.xml><?xml version="1.0" encoding="utf-8"?>
+<p:sld xmlns:a="http://schemas.openxmlformats.org/drawingml/2006/main" xmlns:r="http://schemas.openxmlformats.org/officeDocument/2006/relationships" xmlns:p="http://schemas.openxmlformats.org/presentationml/2006/main">
+  <p:cSld>
+    <p:spTree>
+      <p:nvGrpSpPr>
+        <p:cNvPr id="1" name=""/>
+        <p:cNvGrpSpPr/>
+        <p:nvPr/>
+      </p:nvGrpSpPr>
+      <p:grpSpPr>
+        <a:xfrm>
+          <a:off x="0" y="0"/>
+          <a:ext cx="0" cy="0"/>
+          <a:chOff x="0" y="0"/>
+          <a:chExt cx="0" cy="0"/>
+        </a:xfrm>
+      </p:grpSpPr>
+      <p:sp>
+        <p:nvSpPr>
+          <p:cNvPr id="2" name="Title 1"/>
+          <p:cNvSpPr>
+            <a:spLocks noGrp="1"/>
+          </p:cNvSpPr>
+          <p:nvPr>
+            <p:ph type="title"/>
+          </p:nvPr>
+        </p:nvSpPr>
+        <p:spPr/>
+        <p:txBody>
+          <a:bodyPr/>
+          <a:lstStyle/>
+          <a:p>
+            <a:endParaRPr lang="nl-BE"/>
+          </a:p>
+        </p:txBody>
+      </p:sp>
+      <p:sp>
+        <p:nvSpPr>
+          <p:cNvPr id="3" name="Content Placeholder 2"/>
+          <p:cNvSpPr>
+            <a:spLocks noGrp="1"/>
+          </p:cNvSpPr>
+          <p:nvPr>
+            <p:ph idx="1"/>
+          </p:nvPr>
+        </p:nvSpPr>
+        <p:spPr/>
+        <p:txBody>
+          <a:bodyPr/>
+          <a:lstStyle/>
+          <a:p>
+            <a:endParaRPr lang="nl-BE"/>
+          </a:p>
+        </p:txBody>
+      </p:sp>
+    </p:spTree>
+    <p:extLst>
+      <p:ext uri="{BB962C8B-B14F-4D97-AF65-F5344CB8AC3E}">
+        <p14:creationId xmlns:p14="http://schemas.microsoft.com/office/powerpoint/2010/main" val="1931158852"/>
+      </p:ext>
+    </p:extLst>
+  </p:cSld>
+  <p:clrMapOvr>
+    <a:masterClrMapping/>
+  </p:clrMapOvr>
+</p:sld>
+</file>
+
+<file path=ppt/slides/slide16.xml><?xml version="1.0" encoding="utf-8"?>
+<p:sld xmlns:a="http://schemas.openxmlformats.org/drawingml/2006/main" xmlns:r="http://schemas.openxmlformats.org/officeDocument/2006/relationships" xmlns:p="http://schemas.openxmlformats.org/presentationml/2006/main">
+  <p:cSld>
+    <p:spTree>
+      <p:nvGrpSpPr>
+        <p:cNvPr id="1" name=""/>
+        <p:cNvGrpSpPr/>
+        <p:nvPr/>
+      </p:nvGrpSpPr>
+      <p:grpSpPr>
+        <a:xfrm>
+          <a:off x="0" y="0"/>
+          <a:ext cx="0" cy="0"/>
+          <a:chOff x="0" y="0"/>
+          <a:chExt cx="0" cy="0"/>
+        </a:xfrm>
+      </p:grpSpPr>
+      <p:sp>
+        <p:nvSpPr>
+          <p:cNvPr id="2" name="Title 1"/>
+          <p:cNvSpPr>
+            <a:spLocks noGrp="1"/>
+          </p:cNvSpPr>
+          <p:nvPr>
+            <p:ph type="ctrTitle"/>
+          </p:nvPr>
+        </p:nvSpPr>
+        <p:spPr/>
+        <p:txBody>
+          <a:bodyPr>
+            <a:normAutofit/>
+          </a:bodyPr>
+          <a:lstStyle/>
+          <a:p>
+            <a:r>
+              <a:rPr lang="en-US"/>
+              <a:t>Video </a:t>
+            </a:r>
+            <a:r>
+              <a:rPr lang="en-US" smtClean="0"/>
+              <a:t>4:  </a:t>
+            </a:r>
+            <a:r>
+              <a:rPr lang="en-US" dirty="0"/>
+              <a:t>The non-normality of the return distribution </a:t>
+            </a:r>
+            <a:endParaRPr lang="nl-BE" dirty="0"/>
+          </a:p>
+        </p:txBody>
+      </p:sp>
+      <p:sp>
+        <p:nvSpPr>
+          <p:cNvPr id="3" name="Subtitle 2"/>
+          <p:cNvSpPr>
+            <a:spLocks noGrp="1"/>
+          </p:cNvSpPr>
+          <p:nvPr>
+            <p:ph type="subTitle" idx="1"/>
+          </p:nvPr>
+        </p:nvSpPr>
+        <p:spPr/>
+        <p:txBody>
+          <a:bodyPr/>
+          <a:lstStyle/>
+          <a:p>
+            <a:endParaRPr lang="nl-BE"/>
+          </a:p>
+        </p:txBody>
+      </p:sp>
+    </p:spTree>
+    <p:extLst>
+      <p:ext uri="{BB962C8B-B14F-4D97-AF65-F5344CB8AC3E}">
+        <p14:creationId xmlns:p14="http://schemas.microsoft.com/office/powerpoint/2010/main" val="3994857382"/>
+      </p:ext>
+    </p:extLst>
+  </p:cSld>
+  <p:clrMapOvr>
+    <a:masterClrMapping/>
+  </p:clrMapOvr>
+</p:sld>
+</file>
+
+<file path=ppt/slides/slide17.xml><?xml version="1.0" encoding="utf-8"?>
+<p:sld xmlns:a="http://schemas.openxmlformats.org/drawingml/2006/main" xmlns:r="http://schemas.openxmlformats.org/officeDocument/2006/relationships" xmlns:p="http://schemas.openxmlformats.org/presentationml/2006/main">
+  <p:cSld>
+    <p:spTree>
+      <p:nvGrpSpPr>
+        <p:cNvPr id="1" name=""/>
+        <p:cNvGrpSpPr/>
+        <p:nvPr/>
+      </p:nvGrpSpPr>
+      <p:grpSpPr>
+        <a:xfrm>
+          <a:off x="0" y="0"/>
+          <a:ext cx="0" cy="0"/>
+          <a:chOff x="0" y="0"/>
+          <a:chExt cx="0" cy="0"/>
+        </a:xfrm>
+      </p:grpSpPr>
+      <p:sp>
+        <p:nvSpPr>
+          <p:cNvPr id="2" name="Title 1"/>
+          <p:cNvSpPr>
+            <a:spLocks noGrp="1"/>
+          </p:cNvSpPr>
+          <p:nvPr>
+            <p:ph type="title"/>
+          </p:nvPr>
+        </p:nvSpPr>
+        <p:spPr/>
+        <p:txBody>
+          <a:bodyPr/>
+          <a:lstStyle/>
+          <a:p>
+            <a:endParaRPr lang="nl-BE"/>
+          </a:p>
+        </p:txBody>
+      </p:sp>
+      <p:sp>
+        <p:nvSpPr>
+          <p:cNvPr id="3" name="Content Placeholder 2"/>
+          <p:cNvSpPr>
+            <a:spLocks noGrp="1"/>
+          </p:cNvSpPr>
+          <p:nvPr>
+            <p:ph idx="1"/>
+          </p:nvPr>
+        </p:nvSpPr>
+        <p:spPr/>
+        <p:txBody>
+          <a:bodyPr/>
+          <a:lstStyle/>
+          <a:p>
+            <a:endParaRPr lang="nl-BE"/>
+          </a:p>
+        </p:txBody>
+      </p:sp>
+    </p:spTree>
+    <p:extLst>
+      <p:ext uri="{BB962C8B-B14F-4D97-AF65-F5344CB8AC3E}">
+        <p14:creationId xmlns:p14="http://schemas.microsoft.com/office/powerpoint/2010/main" val="3609064181"/>
+      </p:ext>
+    </p:extLst>
+  </p:cSld>
+  <p:clrMapOvr>
+    <a:masterClrMapping/>
+  </p:clrMapOvr>
+</p:sld>
+</file>
+
 <file path=ppt/slides/slide2.xml><?xml version="1.0" encoding="utf-8"?>
 <p:sld xmlns:a="http://schemas.openxmlformats.org/drawingml/2006/main" xmlns:r="http://schemas.openxmlformats.org/officeDocument/2006/relationships" xmlns:p="http://schemas.openxmlformats.org/presentationml/2006/main">
   <p:cSld>
@@ -3245,38 +5232,97 @@
           <a:chExt cx="0" cy="0"/>
         </a:xfrm>
       </p:grpSpPr>
-      <p:sp>
-        <p:nvSpPr>
-          <p:cNvPr id="2" name="Title 1"/>
-          <p:cNvSpPr>
-            <a:spLocks noGrp="1"/>
-          </p:cNvSpPr>
-          <p:nvPr>
-            <p:ph type="ctrTitle"/>
-          </p:nvPr>
-        </p:nvSpPr>
-        <p:spPr/>
-        <p:txBody>
-          <a:bodyPr>
-            <a:normAutofit/>
+      <p:cxnSp>
+        <p:nvCxnSpPr>
+          <p:cNvPr id="5" name="Straight Arrow Connector 4"/>
+          <p:cNvCxnSpPr/>
+          <p:nvPr/>
+        </p:nvCxnSpPr>
+        <p:spPr>
+          <a:xfrm>
+            <a:off x="990600" y="5410200"/>
+            <a:ext cx="5715000" cy="0"/>
+          </a:xfrm>
+          <a:prstGeom prst="straightConnector1">
+            <a:avLst/>
+          </a:prstGeom>
+          <a:ln w="53975">
+            <a:tailEnd type="arrow"/>
+          </a:ln>
+        </p:spPr>
+        <p:style>
+          <a:lnRef idx="1">
+            <a:schemeClr val="accent1"/>
+          </a:lnRef>
+          <a:fillRef idx="0">
+            <a:schemeClr val="accent1"/>
+          </a:fillRef>
+          <a:effectRef idx="0">
+            <a:schemeClr val="accent1"/>
+          </a:effectRef>
+          <a:fontRef idx="minor">
+            <a:schemeClr val="tx1"/>
+          </a:fontRef>
+        </p:style>
+      </p:cxnSp>
+      <p:cxnSp>
+        <p:nvCxnSpPr>
+          <p:cNvPr id="6" name="Straight Arrow Connector 5"/>
+          <p:cNvCxnSpPr/>
+          <p:nvPr/>
+        </p:nvCxnSpPr>
+        <p:spPr>
+          <a:xfrm flipV="1">
+            <a:off x="990600" y="2057400"/>
+            <a:ext cx="0" cy="3352800"/>
+          </a:xfrm>
+          <a:prstGeom prst="straightConnector1">
+            <a:avLst/>
+          </a:prstGeom>
+          <a:ln w="53975">
+            <a:tailEnd type="arrow"/>
+          </a:ln>
+        </p:spPr>
+        <p:style>
+          <a:lnRef idx="1">
+            <a:schemeClr val="accent1"/>
+          </a:lnRef>
+          <a:fillRef idx="0">
+            <a:schemeClr val="accent1"/>
+          </a:fillRef>
+          <a:effectRef idx="0">
+            <a:schemeClr val="accent1"/>
+          </a:effectRef>
+          <a:fontRef idx="minor">
+            <a:schemeClr val="tx1"/>
+          </a:fontRef>
+        </p:style>
+      </p:cxnSp>
+      <p:sp>
+        <p:nvSpPr>
+          <p:cNvPr id="7" name="TextBox 6"/>
+          <p:cNvSpPr txBox="1"/>
+          <p:nvPr/>
+        </p:nvSpPr>
+        <p:spPr>
+          <a:xfrm>
+            <a:off x="6553200" y="5638800"/>
+            <a:ext cx="1295400" cy="369332"/>
+          </a:xfrm>
+          <a:prstGeom prst="rect">
+            <a:avLst/>
+          </a:prstGeom>
+          <a:noFill/>
+        </p:spPr>
+        <p:txBody>
+          <a:bodyPr wrap="square" rtlCol="0">
+            <a:spAutoFit/>
           </a:bodyPr>
           <a:lstStyle/>
           <a:p>
             <a:r>
-              <a:rPr lang="en-US" dirty="0"/>
-              <a:t>Video </a:t>
-            </a:r>
-            <a:r>
-              <a:rPr lang="en-US" dirty="0" smtClean="0"/>
-              <a:t>2: </a:t>
-            </a:r>
-            <a:r>
-              <a:rPr lang="en-US" dirty="0"/>
-              <a:t>The </a:t>
-            </a:r>
-            <a:r>
-              <a:rPr lang="en-US" dirty="0" smtClean="0"/>
-              <a:t>(annualized) Sharpe ratio</a:t>
+              <a:rPr lang="nl-BE" dirty="0" smtClean="0"/>
+              <a:t>RISK</a:t>
             </a:r>
             <a:endParaRPr lang="nl-BE" dirty="0"/>
           </a:p>
@@ -3284,27 +5330,38 @@
       </p:sp>
       <p:sp>
         <p:nvSpPr>
-          <p:cNvPr id="3" name="Subtitle 2"/>
-          <p:cNvSpPr>
-            <a:spLocks noGrp="1"/>
-          </p:cNvSpPr>
-          <p:nvPr>
-            <p:ph type="subTitle" idx="1"/>
-          </p:nvPr>
-        </p:nvSpPr>
-        <p:spPr/>
-        <p:txBody>
-          <a:bodyPr/>
-          <a:lstStyle/>
-          <a:p>
-            <a:endParaRPr lang="nl-BE"/>
+          <p:cNvPr id="8" name="TextBox 7"/>
+          <p:cNvSpPr txBox="1"/>
+          <p:nvPr/>
+        </p:nvSpPr>
+        <p:spPr>
+          <a:xfrm>
+            <a:off x="609600" y="1447800"/>
+            <a:ext cx="1295400" cy="369332"/>
+          </a:xfrm>
+          <a:prstGeom prst="rect">
+            <a:avLst/>
+          </a:prstGeom>
+          <a:noFill/>
+        </p:spPr>
+        <p:txBody>
+          <a:bodyPr wrap="square" rtlCol="0">
+            <a:spAutoFit/>
+          </a:bodyPr>
+          <a:lstStyle/>
+          <a:p>
+            <a:r>
+              <a:rPr lang="nl-BE" dirty="0" smtClean="0"/>
+              <a:t>REWARD</a:t>
+            </a:r>
+            <a:endParaRPr lang="nl-BE" dirty="0"/>
           </a:p>
         </p:txBody>
       </p:sp>
     </p:spTree>
     <p:extLst>
       <p:ext uri="{BB962C8B-B14F-4D97-AF65-F5344CB8AC3E}">
-        <p14:creationId xmlns:p14="http://schemas.microsoft.com/office/powerpoint/2010/main" val="1398562305"/>
+        <p14:creationId xmlns:p14="http://schemas.microsoft.com/office/powerpoint/2010/main" val="912789270"/>
       </p:ext>
     </p:extLst>
   </p:cSld>
@@ -3365,21 +5422,14 @@
           <a:bodyPr/>
           <a:lstStyle/>
           <a:p>
-            <a:pPr marL="0" indent="0">
-              <a:buNone/>
-            </a:pPr>
-            <a:r>
-              <a:rPr lang="en-US" dirty="0"/>
-              <a:t>-0.02 , 0.00 , 0.00 , 0.06 , 0.02 , 0.03 , -0.01 , 0.04</a:t>
-            </a:r>
-            <a:endParaRPr lang="nl-BE" dirty="0"/>
+            <a:endParaRPr lang="nl-BE"/>
           </a:p>
         </p:txBody>
       </p:sp>
     </p:spTree>
     <p:extLst>
       <p:ext uri="{BB962C8B-B14F-4D97-AF65-F5344CB8AC3E}">
-        <p14:creationId xmlns:p14="http://schemas.microsoft.com/office/powerpoint/2010/main" val="3467959278"/>
+        <p14:creationId xmlns:p14="http://schemas.microsoft.com/office/powerpoint/2010/main" val="4201714531"/>
       </p:ext>
     </p:extLst>
   </p:cSld>
@@ -3437,54 +5487,17 @@
         </p:nvSpPr>
         <p:spPr/>
         <p:txBody>
-          <a:bodyPr>
-            <a:normAutofit fontScale="92500" lnSpcReduction="20000"/>
-          </a:bodyPr>
-          <a:lstStyle/>
-          <a:p>
-            <a:r>
-              <a:rPr lang="en-US" dirty="0"/>
-              <a:t>The simple annualized average return is 1.5% times 12, which gives us 18% as annualized return.</a:t>
-            </a:r>
-            <a:endParaRPr lang="nl-BE" dirty="0"/>
-          </a:p>
-          <a:p>
-            <a:r>
-              <a:rPr lang="en-US" dirty="0"/>
-              <a:t> </a:t>
-            </a:r>
-            <a:endParaRPr lang="nl-BE" dirty="0"/>
-          </a:p>
-          <a:p>
-            <a:r>
-              <a:rPr lang="en-US" dirty="0"/>
-              <a:t>The annualized geometric average return is around 19%.</a:t>
-            </a:r>
-            <a:endParaRPr lang="nl-BE" dirty="0"/>
-          </a:p>
-          <a:p>
-            <a:r>
-              <a:rPr lang="en-US" dirty="0"/>
-              <a:t> </a:t>
-            </a:r>
-            <a:endParaRPr lang="nl-BE" dirty="0"/>
-          </a:p>
-          <a:p>
-            <a:r>
-              <a:rPr lang="en-US" dirty="0"/>
-              <a:t>And the annualized volatility is around 9%. It is obtained by multiplying the monthly volatility of 2.7% with the square root of 12.</a:t>
-            </a:r>
-            <a:endParaRPr lang="nl-BE" dirty="0"/>
-          </a:p>
-          <a:p>
-            <a:endParaRPr lang="nl-BE" dirty="0"/>
+          <a:bodyPr/>
+          <a:lstStyle/>
+          <a:p>
+            <a:endParaRPr lang="nl-BE"/>
           </a:p>
         </p:txBody>
       </p:sp>
     </p:spTree>
     <p:extLst>
       <p:ext uri="{BB962C8B-B14F-4D97-AF65-F5344CB8AC3E}">
-        <p14:creationId xmlns:p14="http://schemas.microsoft.com/office/powerpoint/2010/main" val="3464582559"/>
+        <p14:creationId xmlns:p14="http://schemas.microsoft.com/office/powerpoint/2010/main" val="2940569403"/>
       </p:ext>
     </p:extLst>
   </p:cSld>
@@ -3518,40 +5531,26 @@
             <a:spLocks noGrp="1"/>
           </p:cNvSpPr>
           <p:nvPr>
-            <p:ph type="ctrTitle"/>
-          </p:nvPr>
-        </p:nvSpPr>
-        <p:spPr/>
-        <p:txBody>
-          <a:bodyPr>
-            <a:normAutofit/>
-          </a:bodyPr>
-          <a:lstStyle/>
-          <a:p>
-            <a:r>
-              <a:rPr lang="en-US" dirty="0"/>
-              <a:t>Video </a:t>
-            </a:r>
-            <a:r>
-              <a:rPr lang="en-US" dirty="0" smtClean="0"/>
-              <a:t>3: </a:t>
-            </a:r>
-            <a:r>
-              <a:rPr lang="en-US" dirty="0"/>
-              <a:t>Time-variation in portfolio performance</a:t>
-            </a:r>
-            <a:endParaRPr lang="nl-BE" dirty="0"/>
-          </a:p>
-        </p:txBody>
-      </p:sp>
-      <p:sp>
-        <p:nvSpPr>
-          <p:cNvPr id="3" name="Subtitle 2"/>
-          <p:cNvSpPr>
-            <a:spLocks noGrp="1"/>
-          </p:cNvSpPr>
-          <p:nvPr>
-            <p:ph type="subTitle" idx="1"/>
+            <p:ph type="title"/>
+          </p:nvPr>
+        </p:nvSpPr>
+        <p:spPr/>
+        <p:txBody>
+          <a:bodyPr/>
+          <a:lstStyle/>
+          <a:p>
+            <a:endParaRPr lang="nl-BE"/>
+          </a:p>
+        </p:txBody>
+      </p:sp>
+      <p:sp>
+        <p:nvSpPr>
+          <p:cNvPr id="3" name="Content Placeholder 2"/>
+          <p:cNvSpPr>
+            <a:spLocks noGrp="1"/>
+          </p:cNvSpPr>
+          <p:nvPr>
+            <p:ph idx="1"/>
           </p:nvPr>
         </p:nvSpPr>
         <p:spPr/>
@@ -3566,7 +5565,7 @@
     </p:spTree>
     <p:extLst>
       <p:ext uri="{BB962C8B-B14F-4D97-AF65-F5344CB8AC3E}">
-        <p14:creationId xmlns:p14="http://schemas.microsoft.com/office/powerpoint/2010/main" val="3341379040"/>
+        <p14:creationId xmlns:p14="http://schemas.microsoft.com/office/powerpoint/2010/main" val="2473214054"/>
       </p:ext>
     </p:extLst>
   </p:cSld>
@@ -3627,14 +5626,18 @@
           <a:bodyPr/>
           <a:lstStyle/>
           <a:p>
-            <a:endParaRPr lang="nl-BE"/>
+            <a:r>
+              <a:rPr lang="nl-BE" dirty="0" smtClean="0"/>
+              <a:t>Formula geometric mean</a:t>
+            </a:r>
+            <a:endParaRPr lang="nl-BE" dirty="0"/>
           </a:p>
         </p:txBody>
       </p:sp>
     </p:spTree>
     <p:extLst>
       <p:ext uri="{BB962C8B-B14F-4D97-AF65-F5344CB8AC3E}">
-        <p14:creationId xmlns:p14="http://schemas.microsoft.com/office/powerpoint/2010/main" val="1931158852"/>
+        <p14:creationId xmlns:p14="http://schemas.microsoft.com/office/powerpoint/2010/main" val="2737277102"/>
       </p:ext>
     </p:extLst>
   </p:cSld>
@@ -3668,40 +5671,26 @@
             <a:spLocks noGrp="1"/>
           </p:cNvSpPr>
           <p:nvPr>
-            <p:ph type="ctrTitle"/>
-          </p:nvPr>
-        </p:nvSpPr>
-        <p:spPr/>
-        <p:txBody>
-          <a:bodyPr>
-            <a:normAutofit/>
-          </a:bodyPr>
-          <a:lstStyle/>
-          <a:p>
-            <a:r>
-              <a:rPr lang="en-US"/>
-              <a:t>Video </a:t>
-            </a:r>
-            <a:r>
-              <a:rPr lang="en-US" smtClean="0"/>
-              <a:t>4:  </a:t>
-            </a:r>
-            <a:r>
-              <a:rPr lang="en-US" dirty="0"/>
-              <a:t>The non-normality of the return distribution </a:t>
-            </a:r>
-            <a:endParaRPr lang="nl-BE" dirty="0"/>
-          </a:p>
-        </p:txBody>
-      </p:sp>
-      <p:sp>
-        <p:nvSpPr>
-          <p:cNvPr id="3" name="Subtitle 2"/>
-          <p:cNvSpPr>
-            <a:spLocks noGrp="1"/>
-          </p:cNvSpPr>
-          <p:nvPr>
-            <p:ph type="subTitle" idx="1"/>
+            <p:ph type="title"/>
+          </p:nvPr>
+        </p:nvSpPr>
+        <p:spPr/>
+        <p:txBody>
+          <a:bodyPr/>
+          <a:lstStyle/>
+          <a:p>
+            <a:endParaRPr lang="nl-BE"/>
+          </a:p>
+        </p:txBody>
+      </p:sp>
+      <p:sp>
+        <p:nvSpPr>
+          <p:cNvPr id="3" name="Content Placeholder 2"/>
+          <p:cNvSpPr>
+            <a:spLocks noGrp="1"/>
+          </p:cNvSpPr>
+          <p:nvPr>
+            <p:ph idx="1"/>
           </p:nvPr>
         </p:nvSpPr>
         <p:spPr/>
@@ -3716,7 +5705,7 @@
     </p:spTree>
     <p:extLst>
       <p:ext uri="{BB962C8B-B14F-4D97-AF65-F5344CB8AC3E}">
-        <p14:creationId xmlns:p14="http://schemas.microsoft.com/office/powerpoint/2010/main" val="3994857382"/>
+        <p14:creationId xmlns:p14="http://schemas.microsoft.com/office/powerpoint/2010/main" val="1216377752"/>
       </p:ext>
     </p:extLst>
   </p:cSld>
@@ -3750,26 +5739,44 @@
             <a:spLocks noGrp="1"/>
           </p:cNvSpPr>
           <p:nvPr>
-            <p:ph type="title"/>
-          </p:nvPr>
-        </p:nvSpPr>
-        <p:spPr/>
-        <p:txBody>
-          <a:bodyPr/>
-          <a:lstStyle/>
-          <a:p>
-            <a:endParaRPr lang="nl-BE"/>
-          </a:p>
-        </p:txBody>
-      </p:sp>
-      <p:sp>
-        <p:nvSpPr>
-          <p:cNvPr id="3" name="Content Placeholder 2"/>
-          <p:cNvSpPr>
-            <a:spLocks noGrp="1"/>
-          </p:cNvSpPr>
-          <p:nvPr>
-            <p:ph idx="1"/>
+            <p:ph type="ctrTitle"/>
+          </p:nvPr>
+        </p:nvSpPr>
+        <p:spPr/>
+        <p:txBody>
+          <a:bodyPr>
+            <a:normAutofit/>
+          </a:bodyPr>
+          <a:lstStyle/>
+          <a:p>
+            <a:r>
+              <a:rPr lang="en-US" dirty="0"/>
+              <a:t>Video </a:t>
+            </a:r>
+            <a:r>
+              <a:rPr lang="en-US" dirty="0" smtClean="0"/>
+              <a:t>2: </a:t>
+            </a:r>
+            <a:r>
+              <a:rPr lang="en-US" dirty="0"/>
+              <a:t>The </a:t>
+            </a:r>
+            <a:r>
+              <a:rPr lang="en-US" dirty="0" smtClean="0"/>
+              <a:t>(annualized) Sharpe ratio</a:t>
+            </a:r>
+            <a:endParaRPr lang="nl-BE" dirty="0"/>
+          </a:p>
+        </p:txBody>
+      </p:sp>
+      <p:sp>
+        <p:nvSpPr>
+          <p:cNvPr id="3" name="Subtitle 2"/>
+          <p:cNvSpPr>
+            <a:spLocks noGrp="1"/>
+          </p:cNvSpPr>
+          <p:nvPr>
+            <p:ph type="subTitle" idx="1"/>
           </p:nvPr>
         </p:nvSpPr>
         <p:spPr/>
@@ -3784,7 +5791,7 @@
     </p:spTree>
     <p:extLst>
       <p:ext uri="{BB962C8B-B14F-4D97-AF65-F5344CB8AC3E}">
-        <p14:creationId xmlns:p14="http://schemas.microsoft.com/office/powerpoint/2010/main" val="3609064181"/>
+        <p14:creationId xmlns:p14="http://schemas.microsoft.com/office/powerpoint/2010/main" val="1398562305"/>
       </p:ext>
     </p:extLst>
   </p:cSld>
@@ -4077,4 +6084,289 @@
   <a:objectDefaults/>
   <a:extraClrSchemeLst/>
 </a:theme>
+</file>
+
+<file path=ppt/theme/theme2.xml><?xml version="1.0" encoding="utf-8"?>
+<a:theme xmlns:a="http://schemas.openxmlformats.org/drawingml/2006/main" name="Office Theme">
+  <a:themeElements>
+    <a:clrScheme name="Office">
+      <a:dk1>
+        <a:sysClr val="windowText" lastClr="000000"/>
+      </a:dk1>
+      <a:lt1>
+        <a:sysClr val="window" lastClr="FFFFFF"/>
+      </a:lt1>
+      <a:dk2>
+        <a:srgbClr val="1F497D"/>
+      </a:dk2>
+      <a:lt2>
+        <a:srgbClr val="EEECE1"/>
+      </a:lt2>
+      <a:accent1>
+        <a:srgbClr val="4F81BD"/>
+      </a:accent1>
+      <a:accent2>
+        <a:srgbClr val="C0504D"/>
+      </a:accent2>
+      <a:accent3>
+        <a:srgbClr val="9BBB59"/>
+      </a:accent3>
+      <a:accent4>
+        <a:srgbClr val="8064A2"/>
+      </a:accent4>
+      <a:accent5>
+        <a:srgbClr val="4BACC6"/>
+      </a:accent5>
+      <a:accent6>
+        <a:srgbClr val="F79646"/>
+      </a:accent6>
+      <a:hlink>
+        <a:srgbClr val="0000FF"/>
+      </a:hlink>
+      <a:folHlink>
+        <a:srgbClr val="800080"/>
+      </a:folHlink>
+    </a:clrScheme>
+    <a:fontScheme name="Office">
+      <a:majorFont>
+        <a:latin typeface="Calibri"/>
+        <a:ea typeface=""/>
+        <a:cs typeface=""/>
+        <a:font script="Jpan" typeface="ＭＳ Ｐゴシック"/>
+        <a:font script="Hang" typeface="맑은 고딕"/>
+        <a:font script="Hans" typeface="宋体"/>
+        <a:font script="Hant" typeface="新細明體"/>
+        <a:font script="Arab" typeface="Times New Roman"/>
+        <a:font script="Hebr" typeface="Times New Roman"/>
+        <a:font script="Thai" typeface="Angsana New"/>
+        <a:font script="Ethi" typeface="Nyala"/>
+        <a:font script="Beng" typeface="Vrinda"/>
+        <a:font script="Gujr" typeface="Shruti"/>
+        <a:font script="Khmr" typeface="MoolBoran"/>
+        <a:font script="Knda" typeface="Tunga"/>
+        <a:font script="Guru" typeface="Raavi"/>
+        <a:font script="Cans" typeface="Euphemia"/>
+        <a:font script="Cher" typeface="Plantagenet Cherokee"/>
+        <a:font script="Yiii" typeface="Microsoft Yi Baiti"/>
+        <a:font script="Tibt" typeface="Microsoft Himalaya"/>
+        <a:font script="Thaa" typeface="MV Boli"/>
+        <a:font script="Deva" typeface="Mangal"/>
+        <a:font script="Telu" typeface="Gautami"/>
+        <a:font script="Taml" typeface="Latha"/>
+        <a:font script="Syrc" typeface="Estrangelo Edessa"/>
+        <a:font script="Orya" typeface="Kalinga"/>
+        <a:font script="Mlym" typeface="Kartika"/>
+        <a:font script="Laoo" typeface="DokChampa"/>
+        <a:font script="Sinh" typeface="Iskoola Pota"/>
+        <a:font script="Mong" typeface="Mongolian Baiti"/>
+        <a:font script="Viet" typeface="Times New Roman"/>
+        <a:font script="Uigh" typeface="Microsoft Uighur"/>
+        <a:font script="Geor" typeface="Sylfaen"/>
+      </a:majorFont>
+      <a:minorFont>
+        <a:latin typeface="Calibri"/>
+        <a:ea typeface=""/>
+        <a:cs typeface=""/>
+        <a:font script="Jpan" typeface="ＭＳ Ｐゴシック"/>
+        <a:font script="Hang" typeface="맑은 고딕"/>
+        <a:font script="Hans" typeface="宋体"/>
+        <a:font script="Hant" typeface="新細明體"/>
+        <a:font script="Arab" typeface="Arial"/>
+        <a:font script="Hebr" typeface="Arial"/>
+        <a:font script="Thai" typeface="Cordia New"/>
+        <a:font script="Ethi" typeface="Nyala"/>
+        <a:font script="Beng" typeface="Vrinda"/>
+        <a:font script="Gujr" typeface="Shruti"/>
+        <a:font script="Khmr" typeface="DaunPenh"/>
+        <a:font script="Knda" typeface="Tunga"/>
+        <a:font script="Guru" typeface="Raavi"/>
+        <a:font script="Cans" typeface="Euphemia"/>
+        <a:font script="Cher" typeface="Plantagenet Cherokee"/>
+        <a:font script="Yiii" typeface="Microsoft Yi Baiti"/>
+        <a:font script="Tibt" typeface="Microsoft Himalaya"/>
+        <a:font script="Thaa" typeface="MV Boli"/>
+        <a:font script="Deva" typeface="Mangal"/>
+        <a:font script="Telu" typeface="Gautami"/>
+        <a:font script="Taml" typeface="Latha"/>
+        <a:font script="Syrc" typeface="Estrangelo Edessa"/>
+        <a:font script="Orya" typeface="Kalinga"/>
+        <a:font script="Mlym" typeface="Kartika"/>
+        <a:font script="Laoo" typeface="DokChampa"/>
+        <a:font script="Sinh" typeface="Iskoola Pota"/>
+        <a:font script="Mong" typeface="Mongolian Baiti"/>
+        <a:font script="Viet" typeface="Arial"/>
+        <a:font script="Uigh" typeface="Microsoft Uighur"/>
+        <a:font script="Geor" typeface="Sylfaen"/>
+      </a:minorFont>
+    </a:fontScheme>
+    <a:fmtScheme name="Office">
+      <a:fillStyleLst>
+        <a:solidFill>
+          <a:schemeClr val="phClr"/>
+        </a:solidFill>
+        <a:gradFill rotWithShape="1">
+          <a:gsLst>
+            <a:gs pos="0">
+              <a:schemeClr val="phClr">
+                <a:tint val="50000"/>
+                <a:satMod val="300000"/>
+              </a:schemeClr>
+            </a:gs>
+            <a:gs pos="35000">
+              <a:schemeClr val="phClr">
+                <a:tint val="37000"/>
+                <a:satMod val="300000"/>
+              </a:schemeClr>
+            </a:gs>
+            <a:gs pos="100000">
+              <a:schemeClr val="phClr">
+                <a:tint val="15000"/>
+                <a:satMod val="350000"/>
+              </a:schemeClr>
+            </a:gs>
+          </a:gsLst>
+          <a:lin ang="16200000" scaled="1"/>
+        </a:gradFill>
+        <a:gradFill rotWithShape="1">
+          <a:gsLst>
+            <a:gs pos="0">
+              <a:schemeClr val="phClr">
+                <a:shade val="51000"/>
+                <a:satMod val="130000"/>
+              </a:schemeClr>
+            </a:gs>
+            <a:gs pos="80000">
+              <a:schemeClr val="phClr">
+                <a:shade val="93000"/>
+                <a:satMod val="130000"/>
+              </a:schemeClr>
+            </a:gs>
+            <a:gs pos="100000">
+              <a:schemeClr val="phClr">
+                <a:shade val="94000"/>
+                <a:satMod val="135000"/>
+              </a:schemeClr>
+            </a:gs>
+          </a:gsLst>
+          <a:lin ang="16200000" scaled="0"/>
+        </a:gradFill>
+      </a:fillStyleLst>
+      <a:lnStyleLst>
+        <a:ln w="9525" cap="flat" cmpd="sng" algn="ctr">
+          <a:solidFill>
+            <a:schemeClr val="phClr">
+              <a:shade val="95000"/>
+              <a:satMod val="105000"/>
+            </a:schemeClr>
+          </a:solidFill>
+          <a:prstDash val="solid"/>
+        </a:ln>
+        <a:ln w="25400" cap="flat" cmpd="sng" algn="ctr">
+          <a:solidFill>
+            <a:schemeClr val="phClr"/>
+          </a:solidFill>
+          <a:prstDash val="solid"/>
+        </a:ln>
+        <a:ln w="38100" cap="flat" cmpd="sng" algn="ctr">
+          <a:solidFill>
+            <a:schemeClr val="phClr"/>
+          </a:solidFill>
+          <a:prstDash val="solid"/>
+        </a:ln>
+      </a:lnStyleLst>
+      <a:effectStyleLst>
+        <a:effectStyle>
+          <a:effectLst>
+            <a:outerShdw blurRad="40000" dist="20000" dir="5400000" rotWithShape="0">
+              <a:srgbClr val="000000">
+                <a:alpha val="38000"/>
+              </a:srgbClr>
+            </a:outerShdw>
+          </a:effectLst>
+        </a:effectStyle>
+        <a:effectStyle>
+          <a:effectLst>
+            <a:outerShdw blurRad="40000" dist="23000" dir="5400000" rotWithShape="0">
+              <a:srgbClr val="000000">
+                <a:alpha val="35000"/>
+              </a:srgbClr>
+            </a:outerShdw>
+          </a:effectLst>
+        </a:effectStyle>
+        <a:effectStyle>
+          <a:effectLst>
+            <a:outerShdw blurRad="40000" dist="23000" dir="5400000" rotWithShape="0">
+              <a:srgbClr val="000000">
+                <a:alpha val="35000"/>
+              </a:srgbClr>
+            </a:outerShdw>
+          </a:effectLst>
+          <a:scene3d>
+            <a:camera prst="orthographicFront">
+              <a:rot lat="0" lon="0" rev="0"/>
+            </a:camera>
+            <a:lightRig rig="threePt" dir="t">
+              <a:rot lat="0" lon="0" rev="1200000"/>
+            </a:lightRig>
+          </a:scene3d>
+          <a:sp3d>
+            <a:bevelT w="63500" h="25400"/>
+          </a:sp3d>
+        </a:effectStyle>
+      </a:effectStyleLst>
+      <a:bgFillStyleLst>
+        <a:solidFill>
+          <a:schemeClr val="phClr"/>
+        </a:solidFill>
+        <a:gradFill rotWithShape="1">
+          <a:gsLst>
+            <a:gs pos="0">
+              <a:schemeClr val="phClr">
+                <a:tint val="40000"/>
+                <a:satMod val="350000"/>
+              </a:schemeClr>
+            </a:gs>
+            <a:gs pos="40000">
+              <a:schemeClr val="phClr">
+                <a:tint val="45000"/>
+                <a:shade val="99000"/>
+                <a:satMod val="350000"/>
+              </a:schemeClr>
+            </a:gs>
+            <a:gs pos="100000">
+              <a:schemeClr val="phClr">
+                <a:shade val="20000"/>
+                <a:satMod val="255000"/>
+              </a:schemeClr>
+            </a:gs>
+          </a:gsLst>
+          <a:path path="circle">
+            <a:fillToRect l="50000" t="-80000" r="50000" b="180000"/>
+          </a:path>
+        </a:gradFill>
+        <a:gradFill rotWithShape="1">
+          <a:gsLst>
+            <a:gs pos="0">
+              <a:schemeClr val="phClr">
+                <a:tint val="80000"/>
+                <a:satMod val="300000"/>
+              </a:schemeClr>
+            </a:gs>
+            <a:gs pos="100000">
+              <a:schemeClr val="phClr">
+                <a:shade val="30000"/>
+                <a:satMod val="200000"/>
+              </a:schemeClr>
+            </a:gs>
+          </a:gsLst>
+          <a:path path="circle">
+            <a:fillToRect l="50000" t="50000" r="50000" b="50000"/>
+          </a:path>
+        </a:gradFill>
+      </a:bgFillStyleLst>
+    </a:fmtScheme>
+  </a:themeElements>
+  <a:objectDefaults/>
+  <a:extraClrSchemeLst/>
+</a:theme>
 </file>
--- a/scripts/Chapter2.pptx
+++ b/scripts/Chapter2.pptx
@@ -3267,6 +3267,13 @@
         </dgm:presLayoutVars>
       </dgm:prSet>
       <dgm:spPr/>
+      <dgm:t>
+        <a:bodyPr/>
+        <a:lstStyle/>
+        <a:p>
+          <a:endParaRPr lang="nl-BE"/>
+        </a:p>
+      </dgm:t>
     </dgm:pt>
     <dgm:pt modelId="{6441825E-A72D-4FAD-A27E-299CE852A655}" type="pres">
       <dgm:prSet presAssocID="{F497D0BE-75A3-40E7-AA53-240E695992DA}" presName="centerShape" presStyleLbl="node0" presStyleIdx="0" presStyleCnt="1" custLinFactNeighborX="-550" custLinFactNeighborY="-27325"/>
@@ -3282,6 +3289,13 @@
     <dgm:pt modelId="{BE592967-0996-4B46-AAF8-5809FE74D529}" type="pres">
       <dgm:prSet presAssocID="{E76A95A2-1F3E-453F-9015-34E7C0470F13}" presName="parTrans" presStyleLbl="bgSibTrans2D1" presStyleIdx="0" presStyleCnt="2" custAng="6280457" custFlipHor="1" custScaleX="57203" custLinFactNeighborX="1769" custLinFactNeighborY="-89966"/>
       <dgm:spPr/>
+      <dgm:t>
+        <a:bodyPr/>
+        <a:lstStyle/>
+        <a:p>
+          <a:endParaRPr lang="nl-BE"/>
+        </a:p>
+      </dgm:t>
     </dgm:pt>
     <dgm:pt modelId="{04091783-4ECE-402A-A589-AFC0CF331F2D}" type="pres">
       <dgm:prSet presAssocID="{0321343F-106F-4531-A5FA-69D350C494C6}" presName="node" presStyleLbl="node1" presStyleIdx="0" presStyleCnt="2" custRadScaleRad="84943" custRadScaleInc="-82553">
@@ -3301,6 +3315,13 @@
     <dgm:pt modelId="{598CC814-19A0-4AA3-BAB5-6FEBAC4C3356}" type="pres">
       <dgm:prSet presAssocID="{396F6191-73EE-4FB9-9F9F-3177FDC3B386}" presName="parTrans" presStyleLbl="bgSibTrans2D1" presStyleIdx="1" presStyleCnt="2" custAng="15274350" custFlipHor="1" custScaleX="53825" custScaleY="101107" custLinFactNeighborX="-5294" custLinFactNeighborY="-95732"/>
       <dgm:spPr/>
+      <dgm:t>
+        <a:bodyPr/>
+        <a:lstStyle/>
+        <a:p>
+          <a:endParaRPr lang="nl-BE"/>
+        </a:p>
+      </dgm:t>
     </dgm:pt>
     <dgm:pt modelId="{F434F247-8094-4FD6-8C34-88B861E82D1A}" type="pres">
       <dgm:prSet presAssocID="{F46B76B9-561B-467B-A344-6A5EE3FE3713}" presName="node" presStyleLbl="node1" presStyleIdx="1" presStyleCnt="2" custRadScaleRad="80951" custRadScaleInc="60820">
@@ -3441,6 +3462,13 @@
         </dgm:presLayoutVars>
       </dgm:prSet>
       <dgm:spPr/>
+      <dgm:t>
+        <a:bodyPr/>
+        <a:lstStyle/>
+        <a:p>
+          <a:endParaRPr lang="nl-BE"/>
+        </a:p>
+      </dgm:t>
     </dgm:pt>
     <dgm:pt modelId="{B387585C-C7A4-4FC8-8AC4-F1C4F945885D}" type="pres">
       <dgm:prSet presAssocID="{8B16C907-05BB-4FBB-B0F9-F6EE13B093F7}" presName="ribbon" presStyleLbl="node1" presStyleIdx="0" presStyleCnt="1"/>
@@ -3633,6 +3661,13 @@
         </dgm:presLayoutVars>
       </dgm:prSet>
       <dgm:spPr/>
+      <dgm:t>
+        <a:bodyPr/>
+        <a:lstStyle/>
+        <a:p>
+          <a:endParaRPr lang="nl-BE"/>
+        </a:p>
+      </dgm:t>
     </dgm:pt>
     <dgm:pt modelId="{C9B0E1F3-53A4-49BE-8BB9-6F2A369AB934}" type="pres">
       <dgm:prSet presAssocID="{872489E8-179F-4136-BE50-038B1A9DB37B}" presName="dummyMaxCanvas" presStyleCnt="0">
@@ -3647,6 +3682,13 @@
         </dgm:presLayoutVars>
       </dgm:prSet>
       <dgm:spPr/>
+      <dgm:t>
+        <a:bodyPr/>
+        <a:lstStyle/>
+        <a:p>
+          <a:endParaRPr lang="nl-BE"/>
+        </a:p>
+      </dgm:t>
     </dgm:pt>
     <dgm:pt modelId="{8BA013AF-6B7A-471F-B38B-09842C029AF0}" type="pres">
       <dgm:prSet presAssocID="{872489E8-179F-4136-BE50-038B1A9DB37B}" presName="ThreeNodes_2" presStyleLbl="node1" presStyleIdx="1" presStyleCnt="3">
@@ -3655,6 +3697,13 @@
         </dgm:presLayoutVars>
       </dgm:prSet>
       <dgm:spPr/>
+      <dgm:t>
+        <a:bodyPr/>
+        <a:lstStyle/>
+        <a:p>
+          <a:endParaRPr lang="nl-BE"/>
+        </a:p>
+      </dgm:t>
     </dgm:pt>
     <dgm:pt modelId="{892E6340-4693-496D-8752-37486E9ADC03}" type="pres">
       <dgm:prSet presAssocID="{872489E8-179F-4136-BE50-038B1A9DB37B}" presName="ThreeNodes_3" presStyleLbl="node1" presStyleIdx="2" presStyleCnt="3">
@@ -3663,6 +3712,13 @@
         </dgm:presLayoutVars>
       </dgm:prSet>
       <dgm:spPr/>
+      <dgm:t>
+        <a:bodyPr/>
+        <a:lstStyle/>
+        <a:p>
+          <a:endParaRPr lang="nl-BE"/>
+        </a:p>
+      </dgm:t>
     </dgm:pt>
     <dgm:pt modelId="{30CF4C37-FC21-4D50-88AA-69F425226A09}" type="pres">
       <dgm:prSet presAssocID="{872489E8-179F-4136-BE50-038B1A9DB37B}" presName="ThreeConn_1-2" presStyleLbl="fgAccFollowNode1" presStyleIdx="0" presStyleCnt="2">
@@ -3671,6 +3727,13 @@
         </dgm:presLayoutVars>
       </dgm:prSet>
       <dgm:spPr/>
+      <dgm:t>
+        <a:bodyPr/>
+        <a:lstStyle/>
+        <a:p>
+          <a:endParaRPr lang="nl-BE"/>
+        </a:p>
+      </dgm:t>
     </dgm:pt>
     <dgm:pt modelId="{31BD5EA9-615C-4C03-A5F6-24DBABD0DE2D}" type="pres">
       <dgm:prSet presAssocID="{872489E8-179F-4136-BE50-038B1A9DB37B}" presName="ThreeConn_2-3" presStyleLbl="fgAccFollowNode1" presStyleIdx="1" presStyleCnt="2">
@@ -3679,6 +3742,13 @@
         </dgm:presLayoutVars>
       </dgm:prSet>
       <dgm:spPr/>
+      <dgm:t>
+        <a:bodyPr/>
+        <a:lstStyle/>
+        <a:p>
+          <a:endParaRPr lang="nl-BE"/>
+        </a:p>
+      </dgm:t>
     </dgm:pt>
     <dgm:pt modelId="{BE27BA4E-64E9-4B8D-8E3D-B811D9690562}" type="pres">
       <dgm:prSet presAssocID="{872489E8-179F-4136-BE50-038B1A9DB37B}" presName="ThreeNodes_1_text" presStyleLbl="node1" presStyleIdx="2" presStyleCnt="3">
@@ -3687,6 +3757,13 @@
         </dgm:presLayoutVars>
       </dgm:prSet>
       <dgm:spPr/>
+      <dgm:t>
+        <a:bodyPr/>
+        <a:lstStyle/>
+        <a:p>
+          <a:endParaRPr lang="nl-BE"/>
+        </a:p>
+      </dgm:t>
     </dgm:pt>
     <dgm:pt modelId="{CE55F20E-21BC-4B95-9813-C082D83F226F}" type="pres">
       <dgm:prSet presAssocID="{872489E8-179F-4136-BE50-038B1A9DB37B}" presName="ThreeNodes_2_text" presStyleLbl="node1" presStyleIdx="2" presStyleCnt="3">
@@ -3695,6 +3772,13 @@
         </dgm:presLayoutVars>
       </dgm:prSet>
       <dgm:spPr/>
+      <dgm:t>
+        <a:bodyPr/>
+        <a:lstStyle/>
+        <a:p>
+          <a:endParaRPr lang="nl-BE"/>
+        </a:p>
+      </dgm:t>
     </dgm:pt>
     <dgm:pt modelId="{9922B760-E960-48C1-ACAD-241EE2C01F20}" type="pres">
       <dgm:prSet presAssocID="{872489E8-179F-4136-BE50-038B1A9DB37B}" presName="ThreeNodes_3_text" presStyleLbl="node1" presStyleIdx="2" presStyleCnt="3">
@@ -3703,21 +3787,28 @@
         </dgm:presLayoutVars>
       </dgm:prSet>
       <dgm:spPr/>
+      <dgm:t>
+        <a:bodyPr/>
+        <a:lstStyle/>
+        <a:p>
+          <a:endParaRPr lang="nl-BE"/>
+        </a:p>
+      </dgm:t>
     </dgm:pt>
   </dgm:ptLst>
   <dgm:cxnLst>
+    <dgm:cxn modelId="{B1C379A6-4CB1-4F16-A165-AA2C1336CA0B}" type="presOf" srcId="{1FA9E010-F307-4D4E-9035-C5AC3E01563E}" destId="{BE27BA4E-64E9-4B8D-8E3D-B811D9690562}" srcOrd="1" destOrd="0" presId="urn:microsoft.com/office/officeart/2005/8/layout/vProcess5"/>
+    <dgm:cxn modelId="{46EBFCA6-0265-42FA-8B7F-1001D0FC4965}" type="presOf" srcId="{E60CC3D8-8F98-4EFD-9451-F683ED520C22}" destId="{9922B760-E960-48C1-ACAD-241EE2C01F20}" srcOrd="1" destOrd="0" presId="urn:microsoft.com/office/officeart/2005/8/layout/vProcess5"/>
+    <dgm:cxn modelId="{3CFD33A1-6704-4B9F-9A88-1A198D6A079E}" type="presOf" srcId="{D2D34E18-2D87-496F-ACD3-93A153F95CBE}" destId="{30CF4C37-FC21-4D50-88AA-69F425226A09}" srcOrd="0" destOrd="0" presId="urn:microsoft.com/office/officeart/2005/8/layout/vProcess5"/>
+    <dgm:cxn modelId="{E326168A-AE5A-4061-AB5F-927E4FDA41F1}" type="presOf" srcId="{1FA9E010-F307-4D4E-9035-C5AC3E01563E}" destId="{114DB224-0024-4AFE-93F5-EEAC5BEDE532}" srcOrd="0" destOrd="0" presId="urn:microsoft.com/office/officeart/2005/8/layout/vProcess5"/>
     <dgm:cxn modelId="{36FAE699-4CE0-44A8-A441-4663D6CD30E6}" type="presOf" srcId="{03C7DFE8-945B-4910-9A4C-BF5D3DAA87ED}" destId="{8BA013AF-6B7A-471F-B38B-09842C029AF0}" srcOrd="0" destOrd="0" presId="urn:microsoft.com/office/officeart/2005/8/layout/vProcess5"/>
-    <dgm:cxn modelId="{4C651B5B-12EF-4DA7-9CE1-DD05708C3AA3}" type="presOf" srcId="{872489E8-179F-4136-BE50-038B1A9DB37B}" destId="{0974D252-EDF0-47CC-93C2-2C812CD62068}" srcOrd="0" destOrd="0" presId="urn:microsoft.com/office/officeart/2005/8/layout/vProcess5"/>
+    <dgm:cxn modelId="{71A20B89-E136-4A6D-A211-4FEB275534B1}" srcId="{872489E8-179F-4136-BE50-038B1A9DB37B}" destId="{1FA9E010-F307-4D4E-9035-C5AC3E01563E}" srcOrd="0" destOrd="0" parTransId="{83B10858-D8EC-4315-8C9E-6FA212DFFAB8}" sibTransId="{D2D34E18-2D87-496F-ACD3-93A153F95CBE}"/>
+    <dgm:cxn modelId="{04C1A175-987B-4767-AB2D-36858A020BD1}" srcId="{872489E8-179F-4136-BE50-038B1A9DB37B}" destId="{03C7DFE8-945B-4910-9A4C-BF5D3DAA87ED}" srcOrd="1" destOrd="0" parTransId="{CA31AF17-A144-4A90-B712-C1B98123CDB7}" sibTransId="{F7AEF1CE-2D38-47D5-A6CD-658F1C372E60}"/>
     <dgm:cxn modelId="{2E65344C-5971-4730-97A5-48C1FFC1EAC4}" type="presOf" srcId="{03C7DFE8-945B-4910-9A4C-BF5D3DAA87ED}" destId="{CE55F20E-21BC-4B95-9813-C082D83F226F}" srcOrd="1" destOrd="0" presId="urn:microsoft.com/office/officeart/2005/8/layout/vProcess5"/>
-    <dgm:cxn modelId="{04C1A175-987B-4767-AB2D-36858A020BD1}" srcId="{872489E8-179F-4136-BE50-038B1A9DB37B}" destId="{03C7DFE8-945B-4910-9A4C-BF5D3DAA87ED}" srcOrd="1" destOrd="0" parTransId="{CA31AF17-A144-4A90-B712-C1B98123CDB7}" sibTransId="{F7AEF1CE-2D38-47D5-A6CD-658F1C372E60}"/>
-    <dgm:cxn modelId="{B1C379A6-4CB1-4F16-A165-AA2C1336CA0B}" type="presOf" srcId="{1FA9E010-F307-4D4E-9035-C5AC3E01563E}" destId="{BE27BA4E-64E9-4B8D-8E3D-B811D9690562}" srcOrd="1" destOrd="0" presId="urn:microsoft.com/office/officeart/2005/8/layout/vProcess5"/>
     <dgm:cxn modelId="{F2E6CD71-2AFA-4A9B-AEC9-7B455826ADE7}" type="presOf" srcId="{E60CC3D8-8F98-4EFD-9451-F683ED520C22}" destId="{892E6340-4693-496D-8752-37486E9ADC03}" srcOrd="0" destOrd="0" presId="urn:microsoft.com/office/officeart/2005/8/layout/vProcess5"/>
-    <dgm:cxn modelId="{E326168A-AE5A-4061-AB5F-927E4FDA41F1}" type="presOf" srcId="{1FA9E010-F307-4D4E-9035-C5AC3E01563E}" destId="{114DB224-0024-4AFE-93F5-EEAC5BEDE532}" srcOrd="0" destOrd="0" presId="urn:microsoft.com/office/officeart/2005/8/layout/vProcess5"/>
     <dgm:cxn modelId="{463D9119-E7C7-4DC4-986C-1154E96FDAC8}" type="presOf" srcId="{F7AEF1CE-2D38-47D5-A6CD-658F1C372E60}" destId="{31BD5EA9-615C-4C03-A5F6-24DBABD0DE2D}" srcOrd="0" destOrd="0" presId="urn:microsoft.com/office/officeart/2005/8/layout/vProcess5"/>
     <dgm:cxn modelId="{8F328579-A64C-4FEA-90A0-A7B3291434BE}" srcId="{872489E8-179F-4136-BE50-038B1A9DB37B}" destId="{E60CC3D8-8F98-4EFD-9451-F683ED520C22}" srcOrd="2" destOrd="0" parTransId="{ABC9CE8A-7C4D-4F3D-87EB-85C5D1CE7CF1}" sibTransId="{B9218401-C1EE-4E74-94FB-B9FAD908BB0B}"/>
-    <dgm:cxn modelId="{71A20B89-E136-4A6D-A211-4FEB275534B1}" srcId="{872489E8-179F-4136-BE50-038B1A9DB37B}" destId="{1FA9E010-F307-4D4E-9035-C5AC3E01563E}" srcOrd="0" destOrd="0" parTransId="{83B10858-D8EC-4315-8C9E-6FA212DFFAB8}" sibTransId="{D2D34E18-2D87-496F-ACD3-93A153F95CBE}"/>
-    <dgm:cxn modelId="{3CFD33A1-6704-4B9F-9A88-1A198D6A079E}" type="presOf" srcId="{D2D34E18-2D87-496F-ACD3-93A153F95CBE}" destId="{30CF4C37-FC21-4D50-88AA-69F425226A09}" srcOrd="0" destOrd="0" presId="urn:microsoft.com/office/officeart/2005/8/layout/vProcess5"/>
-    <dgm:cxn modelId="{46EBFCA6-0265-42FA-8B7F-1001D0FC4965}" type="presOf" srcId="{E60CC3D8-8F98-4EFD-9451-F683ED520C22}" destId="{9922B760-E960-48C1-ACAD-241EE2C01F20}" srcOrd="1" destOrd="0" presId="urn:microsoft.com/office/officeart/2005/8/layout/vProcess5"/>
+    <dgm:cxn modelId="{4C651B5B-12EF-4DA7-9CE1-DD05708C3AA3}" type="presOf" srcId="{872489E8-179F-4136-BE50-038B1A9DB37B}" destId="{0974D252-EDF0-47CC-93C2-2C812CD62068}" srcOrd="0" destOrd="0" presId="urn:microsoft.com/office/officeart/2005/8/layout/vProcess5"/>
     <dgm:cxn modelId="{82FA6E65-C054-408E-89AB-9D61EA1C1CCE}" type="presParOf" srcId="{0974D252-EDF0-47CC-93C2-2C812CD62068}" destId="{C9B0E1F3-53A4-49BE-8BB9-6F2A369AB934}" srcOrd="0" destOrd="0" presId="urn:microsoft.com/office/officeart/2005/8/layout/vProcess5"/>
     <dgm:cxn modelId="{980DFC1A-09E3-493B-97A0-C0E3A5EF7169}" type="presParOf" srcId="{0974D252-EDF0-47CC-93C2-2C812CD62068}" destId="{114DB224-0024-4AFE-93F5-EEAC5BEDE532}" srcOrd="1" destOrd="0" presId="urn:microsoft.com/office/officeart/2005/8/layout/vProcess5"/>
     <dgm:cxn modelId="{5C13C470-AC4A-4220-BD6E-DD3D99E49C65}" type="presParOf" srcId="{0974D252-EDF0-47CC-93C2-2C812CD62068}" destId="{8BA013AF-6B7A-471F-B38B-09842C029AF0}" srcOrd="2" destOrd="0" presId="urn:microsoft.com/office/officeart/2005/8/layout/vProcess5"/>
@@ -3752,8 +3843,8 @@
         </a:p>
       </dgm:t>
     </dgm:pt>
-    <mc:AlternateContent xmlns:mc="http://schemas.openxmlformats.org/markup-compatibility/2006">
-      <mc:Choice xmlns:a14="http://schemas.microsoft.com/office/drawing/2010/main" Requires="a14">
+    <mc:AlternateContent xmlns:mc="http://schemas.openxmlformats.org/markup-compatibility/2006" xmlns:a14="http://schemas.microsoft.com/office/drawing/2010/main">
+      <mc:Choice Requires="a14">
         <dgm:pt modelId="{99F78681-AE23-4297-A858-BDABD270265F}">
           <dgm:prSet phldrT="[Text]"/>
           <dgm:spPr/>
@@ -3822,7 +3913,7 @@
           </dgm:t>
         </dgm:pt>
       </mc:Choice>
-      <mc:Fallback>
+      <mc:Fallback xmlns="">
         <dgm:pt modelId="{99F78681-AE23-4297-A858-BDABD270265F}">
           <dgm:prSet phldrT="[Text]"/>
           <dgm:spPr/>
@@ -3931,6 +4022,13 @@
         </dgm:presLayoutVars>
       </dgm:prSet>
       <dgm:spPr/>
+      <dgm:t>
+        <a:bodyPr/>
+        <a:lstStyle/>
+        <a:p>
+          <a:endParaRPr lang="nl-BE"/>
+        </a:p>
+      </dgm:t>
     </dgm:pt>
     <dgm:pt modelId="{523E22A6-D924-44B6-9EEA-4F2CC3C127A6}" type="pres">
       <dgm:prSet presAssocID="{99F78681-AE23-4297-A858-BDABD270265F}" presName="arrow" presStyleLbl="node1" presStyleIdx="0" presStyleCnt="2" custScaleX="91802" custScaleY="100614" custRadScaleRad="41087" custRadScaleInc="116">
@@ -3954,6 +4052,13 @@
         </dgm:presLayoutVars>
       </dgm:prSet>
       <dgm:spPr/>
+      <dgm:t>
+        <a:bodyPr/>
+        <a:lstStyle/>
+        <a:p>
+          <a:endParaRPr lang="nl-BE"/>
+        </a:p>
+      </dgm:t>
     </dgm:pt>
   </dgm:ptLst>
   <dgm:cxnLst>
@@ -11350,7 +11455,7 @@
           <a:p>
             <a:fld id="{23B2D9DC-219A-4EA2-A020-7AAD3FFF6BC0}" type="datetimeFigureOut">
               <a:rPr lang="nl-BE" smtClean="0"/>
-              <a:t>25/05/2016</a:t>
+              <a:t>26/05/2016</a:t>
             </a:fld>
             <a:endParaRPr lang="nl-BE"/>
           </a:p>
@@ -14860,7 +14965,7 @@
           <a:p>
             <a:fld id="{F199DA73-FF55-4AFB-8A45-BCAA78D6E465}" type="datetimeFigureOut">
               <a:rPr lang="nl-BE" smtClean="0"/>
-              <a:t>25/05/2016</a:t>
+              <a:t>26/05/2016</a:t>
             </a:fld>
             <a:endParaRPr lang="nl-BE"/>
           </a:p>
@@ -15030,7 +15135,7 @@
           <a:p>
             <a:fld id="{F199DA73-FF55-4AFB-8A45-BCAA78D6E465}" type="datetimeFigureOut">
               <a:rPr lang="nl-BE" smtClean="0"/>
-              <a:t>25/05/2016</a:t>
+              <a:t>26/05/2016</a:t>
             </a:fld>
             <a:endParaRPr lang="nl-BE"/>
           </a:p>
@@ -15210,7 +15315,7 @@
           <a:p>
             <a:fld id="{F199DA73-FF55-4AFB-8A45-BCAA78D6E465}" type="datetimeFigureOut">
               <a:rPr lang="nl-BE" smtClean="0"/>
-              <a:t>25/05/2016</a:t>
+              <a:t>26/05/2016</a:t>
             </a:fld>
             <a:endParaRPr lang="nl-BE"/>
           </a:p>
@@ -15380,7 +15485,7 @@
           <a:p>
             <a:fld id="{F199DA73-FF55-4AFB-8A45-BCAA78D6E465}" type="datetimeFigureOut">
               <a:rPr lang="nl-BE" smtClean="0"/>
-              <a:t>25/05/2016</a:t>
+              <a:t>26/05/2016</a:t>
             </a:fld>
             <a:endParaRPr lang="nl-BE"/>
           </a:p>
@@ -15626,7 +15731,7 @@
           <a:p>
             <a:fld id="{F199DA73-FF55-4AFB-8A45-BCAA78D6E465}" type="datetimeFigureOut">
               <a:rPr lang="nl-BE" smtClean="0"/>
-              <a:t>25/05/2016</a:t>
+              <a:t>26/05/2016</a:t>
             </a:fld>
             <a:endParaRPr lang="nl-BE"/>
           </a:p>
@@ -15914,7 +16019,7 @@
           <a:p>
             <a:fld id="{F199DA73-FF55-4AFB-8A45-BCAA78D6E465}" type="datetimeFigureOut">
               <a:rPr lang="nl-BE" smtClean="0"/>
-              <a:t>25/05/2016</a:t>
+              <a:t>26/05/2016</a:t>
             </a:fld>
             <a:endParaRPr lang="nl-BE"/>
           </a:p>
@@ -16336,7 +16441,7 @@
           <a:p>
             <a:fld id="{F199DA73-FF55-4AFB-8A45-BCAA78D6E465}" type="datetimeFigureOut">
               <a:rPr lang="nl-BE" smtClean="0"/>
-              <a:t>25/05/2016</a:t>
+              <a:t>26/05/2016</a:t>
             </a:fld>
             <a:endParaRPr lang="nl-BE"/>
           </a:p>
@@ -16454,7 +16559,7 @@
           <a:p>
             <a:fld id="{F199DA73-FF55-4AFB-8A45-BCAA78D6E465}" type="datetimeFigureOut">
               <a:rPr lang="nl-BE" smtClean="0"/>
-              <a:t>25/05/2016</a:t>
+              <a:t>26/05/2016</a:t>
             </a:fld>
             <a:endParaRPr lang="nl-BE"/>
           </a:p>
@@ -16549,7 +16654,7 @@
           <a:p>
             <a:fld id="{F199DA73-FF55-4AFB-8A45-BCAA78D6E465}" type="datetimeFigureOut">
               <a:rPr lang="nl-BE" smtClean="0"/>
-              <a:t>25/05/2016</a:t>
+              <a:t>26/05/2016</a:t>
             </a:fld>
             <a:endParaRPr lang="nl-BE"/>
           </a:p>
@@ -16826,7 +16931,7 @@
           <a:p>
             <a:fld id="{F199DA73-FF55-4AFB-8A45-BCAA78D6E465}" type="datetimeFigureOut">
               <a:rPr lang="nl-BE" smtClean="0"/>
-              <a:t>25/05/2016</a:t>
+              <a:t>26/05/2016</a:t>
             </a:fld>
             <a:endParaRPr lang="nl-BE"/>
           </a:p>
@@ -17079,7 +17184,7 @@
           <a:p>
             <a:fld id="{F199DA73-FF55-4AFB-8A45-BCAA78D6E465}" type="datetimeFigureOut">
               <a:rPr lang="nl-BE" smtClean="0"/>
-              <a:t>25/05/2016</a:t>
+              <a:t>26/05/2016</a:t>
             </a:fld>
             <a:endParaRPr lang="nl-BE"/>
           </a:p>
@@ -17292,7 +17397,7 @@
           <a:p>
             <a:fld id="{F199DA73-FF55-4AFB-8A45-BCAA78D6E465}" type="datetimeFigureOut">
               <a:rPr lang="nl-BE" smtClean="0"/>
-              <a:t>25/05/2016</a:t>
+              <a:t>26/05/2016</a:t>
             </a:fld>
             <a:endParaRPr lang="nl-BE"/>
           </a:p>
@@ -17853,21 +17958,231 @@
           </a:p>
         </p:txBody>
       </p:sp>
+      <p:graphicFrame>
+        <p:nvGraphicFramePr>
+          <p:cNvPr id="4" name="Content Placeholder 3"/>
+          <p:cNvGraphicFramePr>
+            <a:graphicFrameLocks noGrp="1"/>
+          </p:cNvGraphicFramePr>
+          <p:nvPr>
+            <p:ph idx="1"/>
+            <p:extLst>
+              <p:ext uri="{D42A27DB-BD31-4B8C-83A1-F6EECF244321}">
+                <p14:modId xmlns:p14="http://schemas.microsoft.com/office/powerpoint/2010/main" val="1974447733"/>
+              </p:ext>
+            </p:extLst>
+          </p:nvPr>
+        </p:nvGraphicFramePr>
+        <p:xfrm>
+          <a:off x="228600" y="2286000"/>
+          <a:ext cx="3810000" cy="2194560"/>
+        </p:xfrm>
+        <a:graphic>
+          <a:graphicData uri="http://schemas.openxmlformats.org/drawingml/2006/table">
+            <a:tbl>
+              <a:tblPr firstRow="1" bandRow="1">
+                <a:tableStyleId>{5C22544A-7EE6-4342-B048-85BDC9FD1C3A}</a:tableStyleId>
+              </a:tblPr>
+              <a:tblGrid>
+                <a:gridCol w="3810000"/>
+              </a:tblGrid>
+              <a:tr h="370840">
+                <a:tc>
+                  <a:txBody>
+                    <a:bodyPr/>
+                    <a:lstStyle/>
+                    <a:p>
+                      <a:r>
+                        <a:rPr lang="nl-BE" dirty="0" smtClean="0"/>
+                        <a:t>Risky portfolio</a:t>
+                      </a:r>
+                    </a:p>
+                    <a:p>
+                      <a:r>
+                        <a:rPr lang="nl-BE" dirty="0" smtClean="0"/>
+                        <a:t>E.g. portfolio invested in stocks, bonds, real estate, commodities</a:t>
+                      </a:r>
+                      <a:endParaRPr lang="nl-BE" dirty="0"/>
+                    </a:p>
+                  </a:txBody>
+                  <a:tcPr/>
+                </a:tc>
+              </a:tr>
+              <a:tr h="370840">
+                <a:tc>
+                  <a:txBody>
+                    <a:bodyPr/>
+                    <a:lstStyle/>
+                    <a:p>
+                      <a:r>
+                        <a:rPr lang="nl-BE" dirty="0" smtClean="0"/>
+                        <a:t>Reward</a:t>
+                      </a:r>
+                      <a:r>
+                        <a:rPr lang="nl-BE" baseline="0" dirty="0" smtClean="0"/>
+                        <a:t> measured by the mean portfolio return</a:t>
+                      </a:r>
+                      <a:endParaRPr lang="nl-BE" dirty="0"/>
+                    </a:p>
+                  </a:txBody>
+                  <a:tcPr/>
+                </a:tc>
+              </a:tr>
+              <a:tr h="370840">
+                <a:tc>
+                  <a:txBody>
+                    <a:bodyPr/>
+                    <a:lstStyle/>
+                    <a:p>
+                      <a:r>
+                        <a:rPr lang="nl-BE" dirty="0" smtClean="0"/>
+                        <a:t>Risk measured by the volatility of the portfolio returns</a:t>
+                      </a:r>
+                      <a:endParaRPr lang="nl-BE" dirty="0"/>
+                    </a:p>
+                  </a:txBody>
+                  <a:tcPr/>
+                </a:tc>
+              </a:tr>
+            </a:tbl>
+          </a:graphicData>
+        </a:graphic>
+      </p:graphicFrame>
+      <p:graphicFrame>
+        <p:nvGraphicFramePr>
+          <p:cNvPr id="5" name="Content Placeholder 3"/>
+          <p:cNvGraphicFramePr>
+            <a:graphicFrameLocks/>
+          </p:cNvGraphicFramePr>
+          <p:nvPr>
+            <p:extLst>
+              <p:ext uri="{D42A27DB-BD31-4B8C-83A1-F6EECF244321}">
+                <p14:modId xmlns:p14="http://schemas.microsoft.com/office/powerpoint/2010/main" val="912695899"/>
+              </p:ext>
+            </p:extLst>
+          </p:nvPr>
+        </p:nvGraphicFramePr>
+        <p:xfrm>
+          <a:off x="5257800" y="2270760"/>
+          <a:ext cx="3810000" cy="2199640"/>
+        </p:xfrm>
+        <a:graphic>
+          <a:graphicData uri="http://schemas.openxmlformats.org/drawingml/2006/table">
+            <a:tbl>
+              <a:tblPr firstRow="1" bandRow="1">
+                <a:tableStyleId>{5C22544A-7EE6-4342-B048-85BDC9FD1C3A}</a:tableStyleId>
+              </a:tblPr>
+              <a:tblGrid>
+                <a:gridCol w="3810000"/>
+              </a:tblGrid>
+              <a:tr h="370840">
+                <a:tc>
+                  <a:txBody>
+                    <a:bodyPr/>
+                    <a:lstStyle/>
+                    <a:p>
+                      <a:r>
+                        <a:rPr lang="nl-BE" dirty="0" smtClean="0"/>
+                        <a:t>Risk free asset</a:t>
+                      </a:r>
+                    </a:p>
+                    <a:p>
+                      <a:r>
+                        <a:rPr lang="nl-BE" dirty="0" smtClean="0"/>
+                        <a:t>E.g. US</a:t>
+                      </a:r>
+                      <a:r>
+                        <a:rPr lang="nl-BE" baseline="0" dirty="0" smtClean="0"/>
+                        <a:t> Treasury Bill</a:t>
+                      </a:r>
+                    </a:p>
+                    <a:p>
+                      <a:endParaRPr lang="nl-BE" dirty="0"/>
+                    </a:p>
+                  </a:txBody>
+                  <a:tcPr/>
+                </a:tc>
+              </a:tr>
+              <a:tr h="370840">
+                <a:tc>
+                  <a:txBody>
+                    <a:bodyPr/>
+                    <a:lstStyle/>
+                    <a:p>
+                      <a:r>
+                        <a:rPr lang="nl-BE" dirty="0" smtClean="0"/>
+                        <a:t>Reward</a:t>
+                      </a:r>
+                      <a:r>
+                        <a:rPr lang="nl-BE" baseline="0" dirty="0" smtClean="0"/>
+                        <a:t> measured by risk free rate</a:t>
+                      </a:r>
+                      <a:endParaRPr lang="nl-BE" dirty="0"/>
+                    </a:p>
+                  </a:txBody>
+                  <a:tcPr/>
+                </a:tc>
+              </a:tr>
+              <a:tr h="370840">
+                <a:tc>
+                  <a:txBody>
+                    <a:bodyPr/>
+                    <a:lstStyle/>
+                    <a:p>
+                      <a:r>
+                        <a:rPr lang="nl-BE" dirty="0" smtClean="0"/>
+                        <a:t>No risk: the return is always</a:t>
+                      </a:r>
+                      <a:r>
+                        <a:rPr lang="nl-BE" baseline="0" dirty="0" smtClean="0"/>
+                        <a:t> exactly equal to the risk free rate, and volatility is thus 0. </a:t>
+                      </a:r>
+                      <a:endParaRPr lang="nl-BE" dirty="0"/>
+                    </a:p>
+                  </a:txBody>
+                  <a:tcPr/>
+                </a:tc>
+              </a:tr>
+            </a:tbl>
+          </a:graphicData>
+        </a:graphic>
+      </p:graphicFrame>
       <p:sp>
         <p:nvSpPr>
-          <p:cNvPr id="3" name="Content Placeholder 2"/>
-          <p:cNvSpPr>
-            <a:spLocks noGrp="1"/>
-          </p:cNvSpPr>
-          <p:nvPr>
-            <p:ph idx="1"/>
-          </p:nvPr>
+          <p:cNvPr id="6" name="Left-Right Arrow 5"/>
+          <p:cNvSpPr/>
+          <p:nvPr/>
         </p:nvSpPr>
-        <p:spPr/>
+        <p:spPr>
+          <a:xfrm>
+            <a:off x="4191000" y="2438400"/>
+            <a:ext cx="838200" cy="457200"/>
+          </a:xfrm>
+          <a:prstGeom prst="leftRightArrow">
+            <a:avLst/>
+          </a:prstGeom>
+        </p:spPr>
+        <p:style>
+          <a:lnRef idx="2">
+            <a:schemeClr val="accent1">
+              <a:shade val="50000"/>
+            </a:schemeClr>
+          </a:lnRef>
+          <a:fillRef idx="1">
+            <a:schemeClr val="accent1"/>
+          </a:fillRef>
+          <a:effectRef idx="0">
+            <a:schemeClr val="accent1"/>
+          </a:effectRef>
+          <a:fontRef idx="minor">
+            <a:schemeClr val="lt1"/>
+          </a:fontRef>
+        </p:style>
         <p:txBody>
-          <a:bodyPr/>
+          <a:bodyPr rtlCol="0" anchor="ctr"/>
           <a:lstStyle/>
           <a:p>
+            <a:pPr algn="ctr"/>
             <a:endParaRPr lang="nl-BE"/>
           </a:p>
         </p:txBody>
@@ -17909,41 +18224,701 @@
           <a:chExt cx="0" cy="0"/>
         </a:xfrm>
       </p:grpSpPr>
+      <p:cxnSp>
+        <p:nvCxnSpPr>
+          <p:cNvPr id="4" name="Straight Connector 3"/>
+          <p:cNvCxnSpPr/>
+          <p:nvPr/>
+        </p:nvCxnSpPr>
+        <p:spPr>
+          <a:xfrm flipV="1">
+            <a:off x="5105400" y="2438400"/>
+            <a:ext cx="0" cy="3429000"/>
+          </a:xfrm>
+          <a:prstGeom prst="line">
+            <a:avLst/>
+          </a:prstGeom>
+          <a:ln>
+            <a:prstDash val="sysDash"/>
+          </a:ln>
+        </p:spPr>
+        <p:style>
+          <a:lnRef idx="1">
+            <a:schemeClr val="accent1"/>
+          </a:lnRef>
+          <a:fillRef idx="0">
+            <a:schemeClr val="accent1"/>
+          </a:fillRef>
+          <a:effectRef idx="0">
+            <a:schemeClr val="accent1"/>
+          </a:effectRef>
+          <a:fontRef idx="minor">
+            <a:schemeClr val="tx1"/>
+          </a:fontRef>
+        </p:style>
+      </p:cxnSp>
+      <p:cxnSp>
+        <p:nvCxnSpPr>
+          <p:cNvPr id="5" name="Straight Arrow Connector 4"/>
+          <p:cNvCxnSpPr/>
+          <p:nvPr/>
+        </p:nvCxnSpPr>
+        <p:spPr>
+          <a:xfrm>
+            <a:off x="1447800" y="5867400"/>
+            <a:ext cx="5715000" cy="0"/>
+          </a:xfrm>
+          <a:prstGeom prst="straightConnector1">
+            <a:avLst/>
+          </a:prstGeom>
+          <a:ln w="53975">
+            <a:solidFill>
+              <a:schemeClr val="tx1"/>
+            </a:solidFill>
+            <a:tailEnd type="arrow"/>
+          </a:ln>
+        </p:spPr>
+        <p:style>
+          <a:lnRef idx="1">
+            <a:schemeClr val="accent1"/>
+          </a:lnRef>
+          <a:fillRef idx="0">
+            <a:schemeClr val="accent1"/>
+          </a:fillRef>
+          <a:effectRef idx="0">
+            <a:schemeClr val="accent1"/>
+          </a:effectRef>
+          <a:fontRef idx="minor">
+            <a:schemeClr val="tx1"/>
+          </a:fontRef>
+        </p:style>
+      </p:cxnSp>
+      <p:cxnSp>
+        <p:nvCxnSpPr>
+          <p:cNvPr id="6" name="Straight Arrow Connector 5"/>
+          <p:cNvCxnSpPr/>
+          <p:nvPr/>
+        </p:nvCxnSpPr>
+        <p:spPr>
+          <a:xfrm flipV="1">
+            <a:off x="1447800" y="2514600"/>
+            <a:ext cx="0" cy="3352800"/>
+          </a:xfrm>
+          <a:prstGeom prst="straightConnector1">
+            <a:avLst/>
+          </a:prstGeom>
+          <a:ln w="53975">
+            <a:solidFill>
+              <a:schemeClr val="tx1"/>
+            </a:solidFill>
+            <a:tailEnd type="arrow"/>
+          </a:ln>
+        </p:spPr>
+        <p:style>
+          <a:lnRef idx="1">
+            <a:schemeClr val="accent1"/>
+          </a:lnRef>
+          <a:fillRef idx="0">
+            <a:schemeClr val="accent1"/>
+          </a:fillRef>
+          <a:effectRef idx="0">
+            <a:schemeClr val="accent1"/>
+          </a:effectRef>
+          <a:fontRef idx="minor">
+            <a:schemeClr val="tx1"/>
+          </a:fontRef>
+        </p:style>
+      </p:cxnSp>
       <p:sp>
         <p:nvSpPr>
-          <p:cNvPr id="2" name="Title 1"/>
-          <p:cNvSpPr>
-            <a:spLocks noGrp="1"/>
-          </p:cNvSpPr>
-          <p:nvPr>
-            <p:ph type="title"/>
-          </p:nvPr>
+          <p:cNvPr id="7" name="TextBox 6"/>
+          <p:cNvSpPr txBox="1"/>
+          <p:nvPr/>
         </p:nvSpPr>
-        <p:spPr/>
+        <p:spPr>
+          <a:xfrm>
+            <a:off x="7010400" y="5943600"/>
+            <a:ext cx="1981200" cy="923330"/>
+          </a:xfrm>
+          <a:prstGeom prst="rect">
+            <a:avLst/>
+          </a:prstGeom>
+          <a:noFill/>
+        </p:spPr>
         <p:txBody>
-          <a:bodyPr/>
+          <a:bodyPr wrap="square" rtlCol="0">
+            <a:spAutoFit/>
+          </a:bodyPr>
           <a:lstStyle/>
           <a:p>
-            <a:endParaRPr lang="nl-BE"/>
+            <a:r>
+              <a:rPr lang="nl-BE" dirty="0" smtClean="0"/>
+              <a:t>VOLATILITY OF PORTFOLIO RETURNS</a:t>
+            </a:r>
+            <a:endParaRPr lang="nl-BE" dirty="0"/>
           </a:p>
         </p:txBody>
       </p:sp>
       <p:sp>
         <p:nvSpPr>
-          <p:cNvPr id="3" name="Content Placeholder 2"/>
-          <p:cNvSpPr>
-            <a:spLocks noGrp="1"/>
-          </p:cNvSpPr>
-          <p:nvPr>
-            <p:ph idx="1"/>
-          </p:nvPr>
+          <p:cNvPr id="8" name="TextBox 7"/>
+          <p:cNvSpPr txBox="1"/>
+          <p:nvPr/>
         </p:nvSpPr>
-        <p:spPr/>
+        <p:spPr>
+          <a:xfrm>
+            <a:off x="1066800" y="1524000"/>
+            <a:ext cx="1295400" cy="923330"/>
+          </a:xfrm>
+          <a:prstGeom prst="rect">
+            <a:avLst/>
+          </a:prstGeom>
+          <a:noFill/>
+        </p:spPr>
         <p:txBody>
-          <a:bodyPr/>
+          <a:bodyPr wrap="square" rtlCol="0">
+            <a:spAutoFit/>
+          </a:bodyPr>
           <a:lstStyle/>
           <a:p>
+            <a:r>
+              <a:rPr lang="nl-BE" dirty="0" smtClean="0"/>
+              <a:t>MEAN PORTFOLIORETURN</a:t>
+            </a:r>
+            <a:endParaRPr lang="nl-BE" dirty="0"/>
+          </a:p>
+        </p:txBody>
+      </p:sp>
+      <p:sp>
+        <p:nvSpPr>
+          <p:cNvPr id="9" name="Oval 8"/>
+          <p:cNvSpPr/>
+          <p:nvPr/>
+        </p:nvSpPr>
+        <p:spPr>
+          <a:xfrm>
+            <a:off x="1371600" y="4876800"/>
+            <a:ext cx="228600" cy="304800"/>
+          </a:xfrm>
+          <a:prstGeom prst="ellipse">
+            <a:avLst/>
+          </a:prstGeom>
+          <a:solidFill>
+            <a:srgbClr val="FF0000"/>
+          </a:solidFill>
+          <a:ln>
+            <a:solidFill>
+              <a:srgbClr val="FF0000"/>
+            </a:solidFill>
+          </a:ln>
+        </p:spPr>
+        <p:style>
+          <a:lnRef idx="2">
+            <a:schemeClr val="accent1">
+              <a:shade val="50000"/>
+            </a:schemeClr>
+          </a:lnRef>
+          <a:fillRef idx="1">
+            <a:schemeClr val="accent1"/>
+          </a:fillRef>
+          <a:effectRef idx="0">
+            <a:schemeClr val="accent1"/>
+          </a:effectRef>
+          <a:fontRef idx="minor">
+            <a:schemeClr val="lt1"/>
+          </a:fontRef>
+        </p:style>
+        <p:txBody>
+          <a:bodyPr rtlCol="0" anchor="ctr"/>
+          <a:lstStyle/>
+          <a:p>
+            <a:pPr algn="ctr"/>
             <a:endParaRPr lang="nl-BE"/>
+          </a:p>
+        </p:txBody>
+      </p:sp>
+      <p:cxnSp>
+        <p:nvCxnSpPr>
+          <p:cNvPr id="10" name="Straight Connector 9"/>
+          <p:cNvCxnSpPr/>
+          <p:nvPr/>
+        </p:nvCxnSpPr>
+        <p:spPr>
+          <a:xfrm flipH="1">
+            <a:off x="1447800" y="3505200"/>
+            <a:ext cx="5181600" cy="0"/>
+          </a:xfrm>
+          <a:prstGeom prst="line">
+            <a:avLst/>
+          </a:prstGeom>
+          <a:ln>
+            <a:prstDash val="sysDash"/>
+          </a:ln>
+        </p:spPr>
+        <p:style>
+          <a:lnRef idx="1">
+            <a:schemeClr val="accent1"/>
+          </a:lnRef>
+          <a:fillRef idx="0">
+            <a:schemeClr val="accent1"/>
+          </a:fillRef>
+          <a:effectRef idx="0">
+            <a:schemeClr val="accent1"/>
+          </a:effectRef>
+          <a:fontRef idx="minor">
+            <a:schemeClr val="tx1"/>
+          </a:fontRef>
+        </p:style>
+      </p:cxnSp>
+      <p:cxnSp>
+        <p:nvCxnSpPr>
+          <p:cNvPr id="11" name="Straight Connector 10"/>
+          <p:cNvCxnSpPr/>
+          <p:nvPr/>
+        </p:nvCxnSpPr>
+        <p:spPr>
+          <a:xfrm flipH="1">
+            <a:off x="1447800" y="5105400"/>
+            <a:ext cx="5181600" cy="0"/>
+          </a:xfrm>
+          <a:prstGeom prst="line">
+            <a:avLst/>
+          </a:prstGeom>
+          <a:ln>
+            <a:solidFill>
+              <a:srgbClr val="FF0000"/>
+            </a:solidFill>
+            <a:prstDash val="sysDash"/>
+          </a:ln>
+        </p:spPr>
+        <p:style>
+          <a:lnRef idx="1">
+            <a:schemeClr val="accent1"/>
+          </a:lnRef>
+          <a:fillRef idx="0">
+            <a:schemeClr val="accent1"/>
+          </a:fillRef>
+          <a:effectRef idx="0">
+            <a:schemeClr val="accent1"/>
+          </a:effectRef>
+          <a:fontRef idx="minor">
+            <a:schemeClr val="tx1"/>
+          </a:fontRef>
+        </p:style>
+      </p:cxnSp>
+      <p:sp>
+        <p:nvSpPr>
+          <p:cNvPr id="12" name="Oval 11"/>
+          <p:cNvSpPr/>
+          <p:nvPr/>
+        </p:nvSpPr>
+        <p:spPr>
+          <a:xfrm>
+            <a:off x="4953000" y="3352800"/>
+            <a:ext cx="228600" cy="304800"/>
+          </a:xfrm>
+          <a:prstGeom prst="ellipse">
+            <a:avLst/>
+          </a:prstGeom>
+        </p:spPr>
+        <p:style>
+          <a:lnRef idx="2">
+            <a:schemeClr val="accent1">
+              <a:shade val="50000"/>
+            </a:schemeClr>
+          </a:lnRef>
+          <a:fillRef idx="1">
+            <a:schemeClr val="accent1"/>
+          </a:fillRef>
+          <a:effectRef idx="0">
+            <a:schemeClr val="accent1"/>
+          </a:effectRef>
+          <a:fontRef idx="minor">
+            <a:schemeClr val="lt1"/>
+          </a:fontRef>
+        </p:style>
+        <p:txBody>
+          <a:bodyPr rtlCol="0" anchor="ctr"/>
+          <a:lstStyle/>
+          <a:p>
+            <a:pPr algn="ctr"/>
+            <a:endParaRPr lang="nl-BE"/>
+          </a:p>
+        </p:txBody>
+      </p:sp>
+      <p:sp>
+        <p:nvSpPr>
+          <p:cNvPr id="13" name="TextBox 12"/>
+          <p:cNvSpPr txBox="1"/>
+          <p:nvPr/>
+        </p:nvSpPr>
+        <p:spPr>
+          <a:xfrm>
+            <a:off x="76200" y="4840069"/>
+            <a:ext cx="1219200" cy="646331"/>
+          </a:xfrm>
+          <a:prstGeom prst="rect">
+            <a:avLst/>
+          </a:prstGeom>
+          <a:noFill/>
+        </p:spPr>
+        <p:txBody>
+          <a:bodyPr wrap="square" rtlCol="0">
+            <a:spAutoFit/>
+          </a:bodyPr>
+          <a:lstStyle/>
+          <a:p>
+            <a:r>
+              <a:rPr lang="nl-BE" dirty="0" smtClean="0">
+                <a:solidFill>
+                  <a:srgbClr val="FF0000"/>
+                </a:solidFill>
+              </a:rPr>
+              <a:t>Risk free</a:t>
+            </a:r>
+          </a:p>
+          <a:p>
+            <a:r>
+              <a:rPr lang="nl-BE" dirty="0" smtClean="0">
+                <a:solidFill>
+                  <a:srgbClr val="FF0000"/>
+                </a:solidFill>
+              </a:rPr>
+              <a:t>rate</a:t>
+            </a:r>
+            <a:endParaRPr lang="nl-BE" dirty="0">
+              <a:solidFill>
+                <a:srgbClr val="FF0000"/>
+              </a:solidFill>
+            </a:endParaRPr>
+          </a:p>
+        </p:txBody>
+      </p:sp>
+      <p:cxnSp>
+        <p:nvCxnSpPr>
+          <p:cNvPr id="15" name="Straight Arrow Connector 14"/>
+          <p:cNvCxnSpPr/>
+          <p:nvPr/>
+        </p:nvCxnSpPr>
+        <p:spPr>
+          <a:xfrm flipH="1">
+            <a:off x="1676400" y="4419600"/>
+            <a:ext cx="152400" cy="478304"/>
+          </a:xfrm>
+          <a:prstGeom prst="straightConnector1">
+            <a:avLst/>
+          </a:prstGeom>
+          <a:ln>
+            <a:solidFill>
+              <a:srgbClr val="FF0000"/>
+            </a:solidFill>
+            <a:tailEnd type="arrow"/>
+          </a:ln>
+        </p:spPr>
+        <p:style>
+          <a:lnRef idx="1">
+            <a:schemeClr val="accent1"/>
+          </a:lnRef>
+          <a:fillRef idx="0">
+            <a:schemeClr val="accent1"/>
+          </a:fillRef>
+          <a:effectRef idx="0">
+            <a:schemeClr val="accent1"/>
+          </a:effectRef>
+          <a:fontRef idx="minor">
+            <a:schemeClr val="tx1"/>
+          </a:fontRef>
+        </p:style>
+      </p:cxnSp>
+      <p:sp>
+        <p:nvSpPr>
+          <p:cNvPr id="17" name="TextBox 16"/>
+          <p:cNvSpPr txBox="1"/>
+          <p:nvPr/>
+        </p:nvSpPr>
+        <p:spPr>
+          <a:xfrm>
+            <a:off x="1543050" y="3829734"/>
+            <a:ext cx="1333500" cy="646331"/>
+          </a:xfrm>
+          <a:prstGeom prst="rect">
+            <a:avLst/>
+          </a:prstGeom>
+          <a:noFill/>
+        </p:spPr>
+        <p:txBody>
+          <a:bodyPr wrap="square" rtlCol="0">
+            <a:spAutoFit/>
+          </a:bodyPr>
+          <a:lstStyle/>
+          <a:p>
+            <a:r>
+              <a:rPr lang="nl-BE" dirty="0" smtClean="0">
+                <a:solidFill>
+                  <a:srgbClr val="FF0000"/>
+                </a:solidFill>
+              </a:rPr>
+              <a:t>Risk free asset</a:t>
+            </a:r>
+            <a:endParaRPr lang="nl-BE" dirty="0">
+              <a:solidFill>
+                <a:srgbClr val="FF0000"/>
+              </a:solidFill>
+            </a:endParaRPr>
+          </a:p>
+        </p:txBody>
+      </p:sp>
+      <p:sp>
+        <p:nvSpPr>
+          <p:cNvPr id="18" name="TextBox 17"/>
+          <p:cNvSpPr txBox="1"/>
+          <p:nvPr/>
+        </p:nvSpPr>
+        <p:spPr>
+          <a:xfrm>
+            <a:off x="3543300" y="2325469"/>
+            <a:ext cx="1333500" cy="646331"/>
+          </a:xfrm>
+          <a:prstGeom prst="rect">
+            <a:avLst/>
+          </a:prstGeom>
+          <a:noFill/>
+        </p:spPr>
+        <p:txBody>
+          <a:bodyPr wrap="square" rtlCol="0">
+            <a:spAutoFit/>
+          </a:bodyPr>
+          <a:lstStyle/>
+          <a:p>
+            <a:r>
+              <a:rPr lang="nl-BE" dirty="0" smtClean="0">
+                <a:solidFill>
+                  <a:schemeClr val="tx2"/>
+                </a:solidFill>
+              </a:rPr>
+              <a:t>Risky portfolio</a:t>
+            </a:r>
+            <a:endParaRPr lang="nl-BE" dirty="0">
+              <a:solidFill>
+                <a:schemeClr val="tx2"/>
+              </a:solidFill>
+            </a:endParaRPr>
+          </a:p>
+        </p:txBody>
+      </p:sp>
+      <p:cxnSp>
+        <p:nvCxnSpPr>
+          <p:cNvPr id="19" name="Straight Arrow Connector 18"/>
+          <p:cNvCxnSpPr/>
+          <p:nvPr/>
+        </p:nvCxnSpPr>
+        <p:spPr>
+          <a:xfrm>
+            <a:off x="4310062" y="2907178"/>
+            <a:ext cx="533400" cy="438835"/>
+          </a:xfrm>
+          <a:prstGeom prst="straightConnector1">
+            <a:avLst/>
+          </a:prstGeom>
+          <a:ln>
+            <a:solidFill>
+              <a:schemeClr val="tx2"/>
+            </a:solidFill>
+            <a:tailEnd type="arrow"/>
+          </a:ln>
+        </p:spPr>
+        <p:style>
+          <a:lnRef idx="1">
+            <a:schemeClr val="accent1"/>
+          </a:lnRef>
+          <a:fillRef idx="0">
+            <a:schemeClr val="accent1"/>
+          </a:fillRef>
+          <a:effectRef idx="0">
+            <a:schemeClr val="accent1"/>
+          </a:effectRef>
+          <a:fontRef idx="minor">
+            <a:schemeClr val="tx1"/>
+          </a:fontRef>
+        </p:style>
+      </p:cxnSp>
+      <p:sp>
+        <p:nvSpPr>
+          <p:cNvPr id="20" name="TextBox 19"/>
+          <p:cNvSpPr txBox="1"/>
+          <p:nvPr/>
+        </p:nvSpPr>
+        <p:spPr>
+          <a:xfrm>
+            <a:off x="76200" y="3087469"/>
+            <a:ext cx="1371600" cy="1200329"/>
+          </a:xfrm>
+          <a:prstGeom prst="rect">
+            <a:avLst/>
+          </a:prstGeom>
+          <a:noFill/>
+        </p:spPr>
+        <p:txBody>
+          <a:bodyPr wrap="square" rtlCol="0">
+            <a:spAutoFit/>
+          </a:bodyPr>
+          <a:lstStyle/>
+          <a:p>
+            <a:r>
+              <a:rPr lang="nl-BE" dirty="0" smtClean="0">
+                <a:solidFill>
+                  <a:srgbClr val="002060"/>
+                </a:solidFill>
+              </a:rPr>
+              <a:t>Mean of  risky portfolio return</a:t>
+            </a:r>
+            <a:endParaRPr lang="nl-BE" dirty="0">
+              <a:solidFill>
+                <a:srgbClr val="002060"/>
+              </a:solidFill>
+            </a:endParaRPr>
+          </a:p>
+        </p:txBody>
+      </p:sp>
+      <p:sp>
+        <p:nvSpPr>
+          <p:cNvPr id="22" name="TextBox 21"/>
+          <p:cNvSpPr txBox="1"/>
+          <p:nvPr/>
+        </p:nvSpPr>
+        <p:spPr>
+          <a:xfrm>
+            <a:off x="4495800" y="5934670"/>
+            <a:ext cx="1543050" cy="923330"/>
+          </a:xfrm>
+          <a:prstGeom prst="rect">
+            <a:avLst/>
+          </a:prstGeom>
+          <a:noFill/>
+        </p:spPr>
+        <p:txBody>
+          <a:bodyPr wrap="square" rtlCol="0">
+            <a:spAutoFit/>
+          </a:bodyPr>
+          <a:lstStyle/>
+          <a:p>
+            <a:r>
+              <a:rPr lang="nl-BE" dirty="0" smtClean="0">
+                <a:solidFill>
+                  <a:srgbClr val="002060"/>
+                </a:solidFill>
+              </a:rPr>
+              <a:t>Volatility of risky portfolio return</a:t>
+            </a:r>
+            <a:endParaRPr lang="nl-BE" dirty="0">
+              <a:solidFill>
+                <a:srgbClr val="002060"/>
+              </a:solidFill>
+            </a:endParaRPr>
+          </a:p>
+        </p:txBody>
+      </p:sp>
+      <p:cxnSp>
+        <p:nvCxnSpPr>
+          <p:cNvPr id="24" name="Straight Arrow Connector 23"/>
+          <p:cNvCxnSpPr>
+            <a:stCxn id="12" idx="4"/>
+          </p:cNvCxnSpPr>
+          <p:nvPr/>
+        </p:nvCxnSpPr>
+        <p:spPr>
+          <a:xfrm>
+            <a:off x="5067300" y="3657600"/>
+            <a:ext cx="38100" cy="1447800"/>
+          </a:xfrm>
+          <a:prstGeom prst="straightConnector1">
+            <a:avLst/>
+          </a:prstGeom>
+          <a:ln w="66675">
+            <a:headEnd type="arrow"/>
+            <a:tailEnd type="arrow"/>
+          </a:ln>
+        </p:spPr>
+        <p:style>
+          <a:lnRef idx="1">
+            <a:schemeClr val="accent1"/>
+          </a:lnRef>
+          <a:fillRef idx="0">
+            <a:schemeClr val="accent1"/>
+          </a:fillRef>
+          <a:effectRef idx="0">
+            <a:schemeClr val="accent1"/>
+          </a:effectRef>
+          <a:fontRef idx="minor">
+            <a:schemeClr val="tx1"/>
+          </a:fontRef>
+        </p:style>
+      </p:cxnSp>
+      <p:sp>
+        <p:nvSpPr>
+          <p:cNvPr id="25" name="Right Brace 24"/>
+          <p:cNvSpPr/>
+          <p:nvPr/>
+        </p:nvSpPr>
+        <p:spPr>
+          <a:xfrm>
+            <a:off x="5410200" y="3657600"/>
+            <a:ext cx="628650" cy="1296769"/>
+          </a:xfrm>
+          <a:prstGeom prst="rightBrace">
+            <a:avLst/>
+          </a:prstGeom>
+        </p:spPr>
+        <p:style>
+          <a:lnRef idx="1">
+            <a:schemeClr val="accent1"/>
+          </a:lnRef>
+          <a:fillRef idx="0">
+            <a:schemeClr val="accent1"/>
+          </a:fillRef>
+          <a:effectRef idx="0">
+            <a:schemeClr val="accent1"/>
+          </a:effectRef>
+          <a:fontRef idx="minor">
+            <a:schemeClr val="tx1"/>
+          </a:fontRef>
+        </p:style>
+        <p:txBody>
+          <a:bodyPr rtlCol="0" anchor="ctr"/>
+          <a:lstStyle/>
+          <a:p>
+            <a:pPr algn="ctr"/>
+            <a:endParaRPr lang="nl-BE"/>
+          </a:p>
+        </p:txBody>
+      </p:sp>
+      <p:sp>
+        <p:nvSpPr>
+          <p:cNvPr id="26" name="TextBox 25"/>
+          <p:cNvSpPr txBox="1"/>
+          <p:nvPr/>
+        </p:nvSpPr>
+        <p:spPr>
+          <a:xfrm>
+            <a:off x="6191250" y="3705819"/>
+            <a:ext cx="1295400" cy="1200329"/>
+          </a:xfrm>
+          <a:prstGeom prst="rect">
+            <a:avLst/>
+          </a:prstGeom>
+          <a:noFill/>
+        </p:spPr>
+        <p:txBody>
+          <a:bodyPr wrap="square" rtlCol="0">
+            <a:spAutoFit/>
+          </a:bodyPr>
+          <a:lstStyle/>
+          <a:p>
+            <a:r>
+              <a:rPr lang="nl-BE" dirty="0" smtClean="0"/>
+              <a:t>Excess return of the risky portfolio</a:t>
+            </a:r>
+            <a:endParaRPr lang="nl-BE" dirty="0"/>
           </a:p>
         </p:txBody>
       </p:sp>
@@ -17984,40 +18959,663 @@
           <a:chExt cx="0" cy="0"/>
         </a:xfrm>
       </p:grpSpPr>
+      <p:cxnSp>
+        <p:nvCxnSpPr>
+          <p:cNvPr id="23" name="Straight Connector 22"/>
+          <p:cNvCxnSpPr/>
+          <p:nvPr/>
+        </p:nvCxnSpPr>
+        <p:spPr>
+          <a:xfrm flipV="1">
+            <a:off x="5105400" y="2438400"/>
+            <a:ext cx="0" cy="3429000"/>
+          </a:xfrm>
+          <a:prstGeom prst="line">
+            <a:avLst/>
+          </a:prstGeom>
+          <a:ln>
+            <a:prstDash val="sysDash"/>
+          </a:ln>
+        </p:spPr>
+        <p:style>
+          <a:lnRef idx="1">
+            <a:schemeClr val="accent1"/>
+          </a:lnRef>
+          <a:fillRef idx="0">
+            <a:schemeClr val="accent1"/>
+          </a:fillRef>
+          <a:effectRef idx="0">
+            <a:schemeClr val="accent1"/>
+          </a:effectRef>
+          <a:fontRef idx="minor">
+            <a:schemeClr val="tx1"/>
+          </a:fontRef>
+        </p:style>
+      </p:cxnSp>
+      <p:cxnSp>
+        <p:nvCxnSpPr>
+          <p:cNvPr id="24" name="Straight Arrow Connector 23"/>
+          <p:cNvCxnSpPr/>
+          <p:nvPr/>
+        </p:nvCxnSpPr>
+        <p:spPr>
+          <a:xfrm>
+            <a:off x="1447800" y="5867400"/>
+            <a:ext cx="5715000" cy="0"/>
+          </a:xfrm>
+          <a:prstGeom prst="straightConnector1">
+            <a:avLst/>
+          </a:prstGeom>
+          <a:ln w="53975">
+            <a:solidFill>
+              <a:schemeClr val="tx1"/>
+            </a:solidFill>
+            <a:tailEnd type="arrow"/>
+          </a:ln>
+        </p:spPr>
+        <p:style>
+          <a:lnRef idx="1">
+            <a:schemeClr val="accent1"/>
+          </a:lnRef>
+          <a:fillRef idx="0">
+            <a:schemeClr val="accent1"/>
+          </a:fillRef>
+          <a:effectRef idx="0">
+            <a:schemeClr val="accent1"/>
+          </a:effectRef>
+          <a:fontRef idx="minor">
+            <a:schemeClr val="tx1"/>
+          </a:fontRef>
+        </p:style>
+      </p:cxnSp>
+      <p:cxnSp>
+        <p:nvCxnSpPr>
+          <p:cNvPr id="25" name="Straight Arrow Connector 24"/>
+          <p:cNvCxnSpPr/>
+          <p:nvPr/>
+        </p:nvCxnSpPr>
+        <p:spPr>
+          <a:xfrm flipV="1">
+            <a:off x="1447800" y="2514600"/>
+            <a:ext cx="0" cy="3352800"/>
+          </a:xfrm>
+          <a:prstGeom prst="straightConnector1">
+            <a:avLst/>
+          </a:prstGeom>
+          <a:ln w="53975">
+            <a:solidFill>
+              <a:schemeClr val="tx1"/>
+            </a:solidFill>
+            <a:tailEnd type="arrow"/>
+          </a:ln>
+        </p:spPr>
+        <p:style>
+          <a:lnRef idx="1">
+            <a:schemeClr val="accent1"/>
+          </a:lnRef>
+          <a:fillRef idx="0">
+            <a:schemeClr val="accent1"/>
+          </a:fillRef>
+          <a:effectRef idx="0">
+            <a:schemeClr val="accent1"/>
+          </a:effectRef>
+          <a:fontRef idx="minor">
+            <a:schemeClr val="tx1"/>
+          </a:fontRef>
+        </p:style>
+      </p:cxnSp>
       <p:sp>
         <p:nvSpPr>
-          <p:cNvPr id="2" name="Title 1"/>
-          <p:cNvSpPr>
-            <a:spLocks noGrp="1"/>
-          </p:cNvSpPr>
-          <p:nvPr>
-            <p:ph type="title"/>
-          </p:nvPr>
+          <p:cNvPr id="26" name="TextBox 25"/>
+          <p:cNvSpPr txBox="1"/>
+          <p:nvPr/>
         </p:nvSpPr>
-        <p:spPr/>
+        <p:spPr>
+          <a:xfrm>
+            <a:off x="7010400" y="5943600"/>
+            <a:ext cx="1981200" cy="923330"/>
+          </a:xfrm>
+          <a:prstGeom prst="rect">
+            <a:avLst/>
+          </a:prstGeom>
+          <a:noFill/>
+        </p:spPr>
         <p:txBody>
-          <a:bodyPr/>
+          <a:bodyPr wrap="square" rtlCol="0">
+            <a:spAutoFit/>
+          </a:bodyPr>
           <a:lstStyle/>
           <a:p>
-            <a:endParaRPr lang="nl-BE"/>
+            <a:r>
+              <a:rPr lang="nl-BE" dirty="0" smtClean="0"/>
+              <a:t>VOLATILITY OF PORTFOLIO RETURNS</a:t>
+            </a:r>
+            <a:endParaRPr lang="nl-BE" dirty="0"/>
           </a:p>
         </p:txBody>
       </p:sp>
       <p:sp>
         <p:nvSpPr>
-          <p:cNvPr id="3" name="Content Placeholder 2"/>
-          <p:cNvSpPr>
-            <a:spLocks noGrp="1"/>
-          </p:cNvSpPr>
-          <p:nvPr>
-            <p:ph idx="1"/>
-          </p:nvPr>
+          <p:cNvPr id="27" name="TextBox 26"/>
+          <p:cNvSpPr txBox="1"/>
+          <p:nvPr/>
         </p:nvSpPr>
-        <p:spPr/>
+        <p:spPr>
+          <a:xfrm>
+            <a:off x="1066800" y="1524000"/>
+            <a:ext cx="1295400" cy="923330"/>
+          </a:xfrm>
+          <a:prstGeom prst="rect">
+            <a:avLst/>
+          </a:prstGeom>
+          <a:noFill/>
+        </p:spPr>
         <p:txBody>
-          <a:bodyPr/>
+          <a:bodyPr wrap="square" rtlCol="0">
+            <a:spAutoFit/>
+          </a:bodyPr>
           <a:lstStyle/>
           <a:p>
+            <a:r>
+              <a:rPr lang="nl-BE" dirty="0" smtClean="0"/>
+              <a:t>MEAN PORTFOLIORETURN</a:t>
+            </a:r>
+            <a:endParaRPr lang="nl-BE" dirty="0"/>
+          </a:p>
+        </p:txBody>
+      </p:sp>
+      <p:sp>
+        <p:nvSpPr>
+          <p:cNvPr id="28" name="Oval 27"/>
+          <p:cNvSpPr/>
+          <p:nvPr/>
+        </p:nvSpPr>
+        <p:spPr>
+          <a:xfrm>
+            <a:off x="1371600" y="4876800"/>
+            <a:ext cx="228600" cy="304800"/>
+          </a:xfrm>
+          <a:prstGeom prst="ellipse">
+            <a:avLst/>
+          </a:prstGeom>
+          <a:solidFill>
+            <a:srgbClr val="FF0000"/>
+          </a:solidFill>
+          <a:ln>
+            <a:solidFill>
+              <a:srgbClr val="FF0000"/>
+            </a:solidFill>
+          </a:ln>
+        </p:spPr>
+        <p:style>
+          <a:lnRef idx="2">
+            <a:schemeClr val="accent1">
+              <a:shade val="50000"/>
+            </a:schemeClr>
+          </a:lnRef>
+          <a:fillRef idx="1">
+            <a:schemeClr val="accent1"/>
+          </a:fillRef>
+          <a:effectRef idx="0">
+            <a:schemeClr val="accent1"/>
+          </a:effectRef>
+          <a:fontRef idx="minor">
+            <a:schemeClr val="lt1"/>
+          </a:fontRef>
+        </p:style>
+        <p:txBody>
+          <a:bodyPr rtlCol="0" anchor="ctr"/>
+          <a:lstStyle/>
+          <a:p>
+            <a:pPr algn="ctr"/>
+            <a:endParaRPr lang="nl-BE"/>
+          </a:p>
+        </p:txBody>
+      </p:sp>
+      <p:cxnSp>
+        <p:nvCxnSpPr>
+          <p:cNvPr id="29" name="Straight Connector 28"/>
+          <p:cNvCxnSpPr/>
+          <p:nvPr/>
+        </p:nvCxnSpPr>
+        <p:spPr>
+          <a:xfrm flipH="1">
+            <a:off x="1447800" y="3505200"/>
+            <a:ext cx="5181600" cy="0"/>
+          </a:xfrm>
+          <a:prstGeom prst="line">
+            <a:avLst/>
+          </a:prstGeom>
+          <a:ln>
+            <a:prstDash val="sysDash"/>
+          </a:ln>
+        </p:spPr>
+        <p:style>
+          <a:lnRef idx="1">
+            <a:schemeClr val="accent1"/>
+          </a:lnRef>
+          <a:fillRef idx="0">
+            <a:schemeClr val="accent1"/>
+          </a:fillRef>
+          <a:effectRef idx="0">
+            <a:schemeClr val="accent1"/>
+          </a:effectRef>
+          <a:fontRef idx="minor">
+            <a:schemeClr val="tx1"/>
+          </a:fontRef>
+        </p:style>
+      </p:cxnSp>
+      <p:cxnSp>
+        <p:nvCxnSpPr>
+          <p:cNvPr id="30" name="Straight Connector 29"/>
+          <p:cNvCxnSpPr/>
+          <p:nvPr/>
+        </p:nvCxnSpPr>
+        <p:spPr>
+          <a:xfrm flipH="1">
+            <a:off x="1447800" y="5105400"/>
+            <a:ext cx="5181600" cy="0"/>
+          </a:xfrm>
+          <a:prstGeom prst="line">
+            <a:avLst/>
+          </a:prstGeom>
+          <a:ln>
+            <a:solidFill>
+              <a:srgbClr val="FF0000"/>
+            </a:solidFill>
+            <a:prstDash val="sysDash"/>
+          </a:ln>
+        </p:spPr>
+        <p:style>
+          <a:lnRef idx="1">
+            <a:schemeClr val="accent1"/>
+          </a:lnRef>
+          <a:fillRef idx="0">
+            <a:schemeClr val="accent1"/>
+          </a:fillRef>
+          <a:effectRef idx="0">
+            <a:schemeClr val="accent1"/>
+          </a:effectRef>
+          <a:fontRef idx="minor">
+            <a:schemeClr val="tx1"/>
+          </a:fontRef>
+        </p:style>
+      </p:cxnSp>
+      <p:sp>
+        <p:nvSpPr>
+          <p:cNvPr id="31" name="Oval 30"/>
+          <p:cNvSpPr/>
+          <p:nvPr/>
+        </p:nvSpPr>
+        <p:spPr>
+          <a:xfrm>
+            <a:off x="4953000" y="3352800"/>
+            <a:ext cx="228600" cy="304800"/>
+          </a:xfrm>
+          <a:prstGeom prst="ellipse">
+            <a:avLst/>
+          </a:prstGeom>
+        </p:spPr>
+        <p:style>
+          <a:lnRef idx="2">
+            <a:schemeClr val="accent1">
+              <a:shade val="50000"/>
+            </a:schemeClr>
+          </a:lnRef>
+          <a:fillRef idx="1">
+            <a:schemeClr val="accent1"/>
+          </a:fillRef>
+          <a:effectRef idx="0">
+            <a:schemeClr val="accent1"/>
+          </a:effectRef>
+          <a:fontRef idx="minor">
+            <a:schemeClr val="lt1"/>
+          </a:fontRef>
+        </p:style>
+        <p:txBody>
+          <a:bodyPr rtlCol="0" anchor="ctr"/>
+          <a:lstStyle/>
+          <a:p>
+            <a:pPr algn="ctr"/>
+            <a:endParaRPr lang="nl-BE"/>
+          </a:p>
+        </p:txBody>
+      </p:sp>
+      <p:cxnSp>
+        <p:nvCxnSpPr>
+          <p:cNvPr id="33" name="Straight Arrow Connector 32"/>
+          <p:cNvCxnSpPr/>
+          <p:nvPr/>
+        </p:nvCxnSpPr>
+        <p:spPr>
+          <a:xfrm>
+            <a:off x="666750" y="4419600"/>
+            <a:ext cx="552450" cy="478304"/>
+          </a:xfrm>
+          <a:prstGeom prst="straightConnector1">
+            <a:avLst/>
+          </a:prstGeom>
+          <a:ln>
+            <a:solidFill>
+              <a:srgbClr val="FF0000"/>
+            </a:solidFill>
+            <a:tailEnd type="arrow"/>
+          </a:ln>
+        </p:spPr>
+        <p:style>
+          <a:lnRef idx="1">
+            <a:schemeClr val="accent1"/>
+          </a:lnRef>
+          <a:fillRef idx="0">
+            <a:schemeClr val="accent1"/>
+          </a:fillRef>
+          <a:effectRef idx="0">
+            <a:schemeClr val="accent1"/>
+          </a:effectRef>
+          <a:fontRef idx="minor">
+            <a:schemeClr val="tx1"/>
+          </a:fontRef>
+        </p:style>
+      </p:cxnSp>
+      <p:sp>
+        <p:nvSpPr>
+          <p:cNvPr id="34" name="TextBox 33"/>
+          <p:cNvSpPr txBox="1"/>
+          <p:nvPr/>
+        </p:nvSpPr>
+        <p:spPr>
+          <a:xfrm>
+            <a:off x="0" y="3658284"/>
+            <a:ext cx="1333500" cy="1200329"/>
+          </a:xfrm>
+          <a:prstGeom prst="rect">
+            <a:avLst/>
+          </a:prstGeom>
+          <a:noFill/>
+        </p:spPr>
+        <p:txBody>
+          <a:bodyPr wrap="square" rtlCol="0">
+            <a:spAutoFit/>
+          </a:bodyPr>
+          <a:lstStyle/>
+          <a:p>
+            <a:r>
+              <a:rPr lang="nl-BE" dirty="0" smtClean="0">
+                <a:solidFill>
+                  <a:srgbClr val="FF0000"/>
+                </a:solidFill>
+              </a:rPr>
+              <a:t>100% invested in Risk free asset</a:t>
+            </a:r>
+            <a:endParaRPr lang="nl-BE" dirty="0">
+              <a:solidFill>
+                <a:srgbClr val="FF0000"/>
+              </a:solidFill>
+            </a:endParaRPr>
+          </a:p>
+        </p:txBody>
+      </p:sp>
+      <p:sp>
+        <p:nvSpPr>
+          <p:cNvPr id="35" name="TextBox 34"/>
+          <p:cNvSpPr txBox="1"/>
+          <p:nvPr/>
+        </p:nvSpPr>
+        <p:spPr>
+          <a:xfrm>
+            <a:off x="3543300" y="2325469"/>
+            <a:ext cx="1333500" cy="1200329"/>
+          </a:xfrm>
+          <a:prstGeom prst="rect">
+            <a:avLst/>
+          </a:prstGeom>
+          <a:noFill/>
+        </p:spPr>
+        <p:txBody>
+          <a:bodyPr wrap="square" rtlCol="0">
+            <a:spAutoFit/>
+          </a:bodyPr>
+          <a:lstStyle/>
+          <a:p>
+            <a:r>
+              <a:rPr lang="nl-BE" dirty="0" smtClean="0">
+                <a:solidFill>
+                  <a:schemeClr val="tx2"/>
+                </a:solidFill>
+              </a:rPr>
+              <a:t>100% invested in risky portfolio</a:t>
+            </a:r>
+            <a:endParaRPr lang="nl-BE" dirty="0">
+              <a:solidFill>
+                <a:schemeClr val="tx2"/>
+              </a:solidFill>
+            </a:endParaRPr>
+          </a:p>
+        </p:txBody>
+      </p:sp>
+      <p:cxnSp>
+        <p:nvCxnSpPr>
+          <p:cNvPr id="36" name="Straight Arrow Connector 35"/>
+          <p:cNvCxnSpPr/>
+          <p:nvPr/>
+        </p:nvCxnSpPr>
+        <p:spPr>
+          <a:xfrm>
+            <a:off x="2667000" y="3657600"/>
+            <a:ext cx="533400" cy="438835"/>
+          </a:xfrm>
+          <a:prstGeom prst="straightConnector1">
+            <a:avLst/>
+          </a:prstGeom>
+          <a:ln>
+            <a:solidFill>
+              <a:srgbClr val="00B050"/>
+            </a:solidFill>
+            <a:tailEnd type="arrow"/>
+          </a:ln>
+        </p:spPr>
+        <p:style>
+          <a:lnRef idx="1">
+            <a:schemeClr val="accent1"/>
+          </a:lnRef>
+          <a:fillRef idx="0">
+            <a:schemeClr val="accent1"/>
+          </a:fillRef>
+          <a:effectRef idx="0">
+            <a:schemeClr val="accent1"/>
+          </a:effectRef>
+          <a:fontRef idx="minor">
+            <a:schemeClr val="tx1"/>
+          </a:fontRef>
+        </p:style>
+      </p:cxnSp>
+      <p:cxnSp>
+        <p:nvCxnSpPr>
+          <p:cNvPr id="43" name="Straight Connector 42"/>
+          <p:cNvCxnSpPr>
+            <a:stCxn id="28" idx="3"/>
+          </p:cNvCxnSpPr>
+          <p:nvPr/>
+        </p:nvCxnSpPr>
+        <p:spPr>
+          <a:xfrm flipV="1">
+            <a:off x="1405078" y="2325469"/>
+            <a:ext cx="6062522" cy="2811494"/>
+          </a:xfrm>
+          <a:prstGeom prst="line">
+            <a:avLst/>
+          </a:prstGeom>
+          <a:ln w="63500">
+            <a:solidFill>
+              <a:schemeClr val="tx1"/>
+            </a:solidFill>
+          </a:ln>
+        </p:spPr>
+        <p:style>
+          <a:lnRef idx="1">
+            <a:schemeClr val="accent1"/>
+          </a:lnRef>
+          <a:fillRef idx="0">
+            <a:schemeClr val="accent1"/>
+          </a:fillRef>
+          <a:effectRef idx="0">
+            <a:schemeClr val="accent1"/>
+          </a:effectRef>
+          <a:fontRef idx="minor">
+            <a:schemeClr val="tx1"/>
+          </a:fontRef>
+        </p:style>
+      </p:cxnSp>
+      <p:sp>
+        <p:nvSpPr>
+          <p:cNvPr id="47" name="TextBox 46"/>
+          <p:cNvSpPr txBox="1"/>
+          <p:nvPr/>
+        </p:nvSpPr>
+        <p:spPr>
+          <a:xfrm>
+            <a:off x="1752600" y="2467749"/>
+            <a:ext cx="1333500" cy="1754326"/>
+          </a:xfrm>
+          <a:prstGeom prst="rect">
+            <a:avLst/>
+          </a:prstGeom>
+          <a:noFill/>
+        </p:spPr>
+        <p:txBody>
+          <a:bodyPr wrap="square" rtlCol="0">
+            <a:spAutoFit/>
+          </a:bodyPr>
+          <a:lstStyle/>
+          <a:p>
+            <a:r>
+              <a:rPr lang="nl-BE" b="1" dirty="0" smtClean="0">
+                <a:solidFill>
+                  <a:srgbClr val="00B050"/>
+                </a:solidFill>
+              </a:rPr>
+              <a:t>50% invested in risky portfolio, 50% in risk free rate</a:t>
+            </a:r>
+            <a:endParaRPr lang="nl-BE" b="1" dirty="0">
+              <a:solidFill>
+                <a:srgbClr val="00B050"/>
+              </a:solidFill>
+            </a:endParaRPr>
+          </a:p>
+        </p:txBody>
+      </p:sp>
+      <p:sp>
+        <p:nvSpPr>
+          <p:cNvPr id="48" name="Left Brace 47"/>
+          <p:cNvSpPr/>
+          <p:nvPr/>
+        </p:nvSpPr>
+        <p:spPr>
+          <a:xfrm rot="4026106">
+            <a:off x="6244085" y="751820"/>
+            <a:ext cx="618230" cy="2999795"/>
+          </a:xfrm>
+          <a:prstGeom prst="leftBrace">
+            <a:avLst/>
+          </a:prstGeom>
+        </p:spPr>
+        <p:style>
+          <a:lnRef idx="1">
+            <a:schemeClr val="accent1"/>
+          </a:lnRef>
+          <a:fillRef idx="0">
+            <a:schemeClr val="accent1"/>
+          </a:fillRef>
+          <a:effectRef idx="0">
+            <a:schemeClr val="accent1"/>
+          </a:effectRef>
+          <a:fontRef idx="minor">
+            <a:schemeClr val="tx1"/>
+          </a:fontRef>
+        </p:style>
+        <p:txBody>
+          <a:bodyPr rtlCol="0" anchor="ctr"/>
+          <a:lstStyle/>
+          <a:p>
+            <a:pPr algn="ctr"/>
+            <a:endParaRPr lang="nl-BE"/>
+          </a:p>
+        </p:txBody>
+      </p:sp>
+      <p:sp>
+        <p:nvSpPr>
+          <p:cNvPr id="49" name="TextBox 48"/>
+          <p:cNvSpPr txBox="1"/>
+          <p:nvPr/>
+        </p:nvSpPr>
+        <p:spPr>
+          <a:xfrm>
+            <a:off x="5072062" y="609600"/>
+            <a:ext cx="3124200" cy="923330"/>
+          </a:xfrm>
+          <a:prstGeom prst="rect">
+            <a:avLst/>
+          </a:prstGeom>
+          <a:noFill/>
+        </p:spPr>
+        <p:txBody>
+          <a:bodyPr wrap="square" rtlCol="0">
+            <a:spAutoFit/>
+          </a:bodyPr>
+          <a:lstStyle/>
+          <a:p>
+            <a:r>
+              <a:rPr lang="nl-BE" dirty="0" smtClean="0"/>
+              <a:t>Leveraged portfolios: Investor borrows capital to invest more in the risky asset than she has</a:t>
+            </a:r>
+            <a:endParaRPr lang="nl-BE" dirty="0"/>
+          </a:p>
+        </p:txBody>
+      </p:sp>
+      <p:sp>
+        <p:nvSpPr>
+          <p:cNvPr id="50" name="Oval 49"/>
+          <p:cNvSpPr/>
+          <p:nvPr/>
+        </p:nvSpPr>
+        <p:spPr>
+          <a:xfrm>
+            <a:off x="3276600" y="4038600"/>
+            <a:ext cx="228600" cy="304800"/>
+          </a:xfrm>
+          <a:prstGeom prst="ellipse">
+            <a:avLst/>
+          </a:prstGeom>
+          <a:solidFill>
+            <a:srgbClr val="00B050"/>
+          </a:solidFill>
+          <a:ln>
+            <a:solidFill>
+              <a:srgbClr val="00B050"/>
+            </a:solidFill>
+          </a:ln>
+        </p:spPr>
+        <p:style>
+          <a:lnRef idx="2">
+            <a:schemeClr val="accent1">
+              <a:shade val="50000"/>
+            </a:schemeClr>
+          </a:lnRef>
+          <a:fillRef idx="1">
+            <a:schemeClr val="accent1"/>
+          </a:fillRef>
+          <a:effectRef idx="0">
+            <a:schemeClr val="accent1"/>
+          </a:effectRef>
+          <a:fontRef idx="minor">
+            <a:schemeClr val="lt1"/>
+          </a:fontRef>
+        </p:style>
+        <p:txBody>
+          <a:bodyPr rtlCol="0" anchor="ctr"/>
+          <a:lstStyle/>
+          <a:p>
+            <a:pPr algn="ctr"/>
             <a:endParaRPr lang="nl-BE"/>
           </a:p>
         </p:txBody>
@@ -18059,44 +19657,1081 @@
           <a:chExt cx="0" cy="0"/>
         </a:xfrm>
       </p:grpSpPr>
+      <p:cxnSp>
+        <p:nvCxnSpPr>
+          <p:cNvPr id="4" name="Straight Connector 3"/>
+          <p:cNvCxnSpPr/>
+          <p:nvPr/>
+        </p:nvCxnSpPr>
+        <p:spPr>
+          <a:xfrm flipV="1">
+            <a:off x="5105400" y="2438400"/>
+            <a:ext cx="0" cy="3429000"/>
+          </a:xfrm>
+          <a:prstGeom prst="line">
+            <a:avLst/>
+          </a:prstGeom>
+          <a:ln>
+            <a:prstDash val="sysDash"/>
+          </a:ln>
+        </p:spPr>
+        <p:style>
+          <a:lnRef idx="1">
+            <a:schemeClr val="accent1"/>
+          </a:lnRef>
+          <a:fillRef idx="0">
+            <a:schemeClr val="accent1"/>
+          </a:fillRef>
+          <a:effectRef idx="0">
+            <a:schemeClr val="accent1"/>
+          </a:effectRef>
+          <a:fontRef idx="minor">
+            <a:schemeClr val="tx1"/>
+          </a:fontRef>
+        </p:style>
+      </p:cxnSp>
+      <p:cxnSp>
+        <p:nvCxnSpPr>
+          <p:cNvPr id="5" name="Straight Arrow Connector 4"/>
+          <p:cNvCxnSpPr/>
+          <p:nvPr/>
+        </p:nvCxnSpPr>
+        <p:spPr>
+          <a:xfrm>
+            <a:off x="1447800" y="5867400"/>
+            <a:ext cx="5715000" cy="0"/>
+          </a:xfrm>
+          <a:prstGeom prst="straightConnector1">
+            <a:avLst/>
+          </a:prstGeom>
+          <a:ln w="53975">
+            <a:solidFill>
+              <a:schemeClr val="tx1"/>
+            </a:solidFill>
+            <a:tailEnd type="arrow"/>
+          </a:ln>
+        </p:spPr>
+        <p:style>
+          <a:lnRef idx="1">
+            <a:schemeClr val="accent1"/>
+          </a:lnRef>
+          <a:fillRef idx="0">
+            <a:schemeClr val="accent1"/>
+          </a:fillRef>
+          <a:effectRef idx="0">
+            <a:schemeClr val="accent1"/>
+          </a:effectRef>
+          <a:fontRef idx="minor">
+            <a:schemeClr val="tx1"/>
+          </a:fontRef>
+        </p:style>
+      </p:cxnSp>
+      <p:cxnSp>
+        <p:nvCxnSpPr>
+          <p:cNvPr id="6" name="Straight Arrow Connector 5"/>
+          <p:cNvCxnSpPr/>
+          <p:nvPr/>
+        </p:nvCxnSpPr>
+        <p:spPr>
+          <a:xfrm flipV="1">
+            <a:off x="1447800" y="2514600"/>
+            <a:ext cx="0" cy="3352800"/>
+          </a:xfrm>
+          <a:prstGeom prst="straightConnector1">
+            <a:avLst/>
+          </a:prstGeom>
+          <a:ln w="53975">
+            <a:solidFill>
+              <a:schemeClr val="tx1"/>
+            </a:solidFill>
+            <a:tailEnd type="arrow"/>
+          </a:ln>
+        </p:spPr>
+        <p:style>
+          <a:lnRef idx="1">
+            <a:schemeClr val="accent1"/>
+          </a:lnRef>
+          <a:fillRef idx="0">
+            <a:schemeClr val="accent1"/>
+          </a:fillRef>
+          <a:effectRef idx="0">
+            <a:schemeClr val="accent1"/>
+          </a:effectRef>
+          <a:fontRef idx="minor">
+            <a:schemeClr val="tx1"/>
+          </a:fontRef>
+        </p:style>
+      </p:cxnSp>
       <p:sp>
         <p:nvSpPr>
-          <p:cNvPr id="2" name="Title 1"/>
-          <p:cNvSpPr>
-            <a:spLocks noGrp="1"/>
-          </p:cNvSpPr>
-          <p:nvPr>
-            <p:ph type="title"/>
-          </p:nvPr>
+          <p:cNvPr id="7" name="TextBox 6"/>
+          <p:cNvSpPr txBox="1"/>
+          <p:nvPr/>
         </p:nvSpPr>
-        <p:spPr/>
+        <p:spPr>
+          <a:xfrm>
+            <a:off x="7010400" y="5943600"/>
+            <a:ext cx="1981200" cy="923330"/>
+          </a:xfrm>
+          <a:prstGeom prst="rect">
+            <a:avLst/>
+          </a:prstGeom>
+          <a:noFill/>
+        </p:spPr>
         <p:txBody>
-          <a:bodyPr/>
+          <a:bodyPr wrap="square" rtlCol="0">
+            <a:spAutoFit/>
+          </a:bodyPr>
           <a:lstStyle/>
           <a:p>
-            <a:endParaRPr lang="nl-BE"/>
+            <a:r>
+              <a:rPr lang="nl-BE" dirty="0" smtClean="0"/>
+              <a:t>VOLATILITY OF PORTFOLIO RETURNS</a:t>
+            </a:r>
+            <a:endParaRPr lang="nl-BE" dirty="0"/>
           </a:p>
         </p:txBody>
       </p:sp>
       <p:sp>
         <p:nvSpPr>
-          <p:cNvPr id="3" name="Content Placeholder 2"/>
-          <p:cNvSpPr>
-            <a:spLocks noGrp="1"/>
-          </p:cNvSpPr>
-          <p:nvPr>
-            <p:ph idx="1"/>
-          </p:nvPr>
+          <p:cNvPr id="8" name="TextBox 7"/>
+          <p:cNvSpPr txBox="1"/>
+          <p:nvPr/>
         </p:nvSpPr>
-        <p:spPr/>
+        <p:spPr>
+          <a:xfrm>
+            <a:off x="1066800" y="1524000"/>
+            <a:ext cx="1295400" cy="923330"/>
+          </a:xfrm>
+          <a:prstGeom prst="rect">
+            <a:avLst/>
+          </a:prstGeom>
+          <a:noFill/>
+        </p:spPr>
         <p:txBody>
-          <a:bodyPr/>
+          <a:bodyPr wrap="square" rtlCol="0">
+            <a:spAutoFit/>
+          </a:bodyPr>
           <a:lstStyle/>
           <a:p>
-            <a:endParaRPr lang="nl-BE"/>
+            <a:r>
+              <a:rPr lang="nl-BE" dirty="0" smtClean="0"/>
+              <a:t>MEAN PORTFOLIORETURN</a:t>
+            </a:r>
+            <a:endParaRPr lang="nl-BE" dirty="0"/>
           </a:p>
         </p:txBody>
       </p:sp>
+      <p:sp>
+        <p:nvSpPr>
+          <p:cNvPr id="9" name="Oval 8"/>
+          <p:cNvSpPr/>
+          <p:nvPr/>
+        </p:nvSpPr>
+        <p:spPr>
+          <a:xfrm>
+            <a:off x="1371600" y="4876800"/>
+            <a:ext cx="228600" cy="304800"/>
+          </a:xfrm>
+          <a:prstGeom prst="ellipse">
+            <a:avLst/>
+          </a:prstGeom>
+          <a:solidFill>
+            <a:srgbClr val="FF0000"/>
+          </a:solidFill>
+          <a:ln>
+            <a:solidFill>
+              <a:srgbClr val="FF0000"/>
+            </a:solidFill>
+          </a:ln>
+        </p:spPr>
+        <p:style>
+          <a:lnRef idx="2">
+            <a:schemeClr val="accent1">
+              <a:shade val="50000"/>
+            </a:schemeClr>
+          </a:lnRef>
+          <a:fillRef idx="1">
+            <a:schemeClr val="accent1"/>
+          </a:fillRef>
+          <a:effectRef idx="0">
+            <a:schemeClr val="accent1"/>
+          </a:effectRef>
+          <a:fontRef idx="minor">
+            <a:schemeClr val="lt1"/>
+          </a:fontRef>
+        </p:style>
+        <p:txBody>
+          <a:bodyPr rtlCol="0" anchor="ctr"/>
+          <a:lstStyle/>
+          <a:p>
+            <a:pPr algn="ctr"/>
+            <a:endParaRPr lang="nl-BE"/>
+          </a:p>
+        </p:txBody>
+      </p:sp>
+      <p:cxnSp>
+        <p:nvCxnSpPr>
+          <p:cNvPr id="10" name="Straight Connector 9"/>
+          <p:cNvCxnSpPr/>
+          <p:nvPr/>
+        </p:nvCxnSpPr>
+        <p:spPr>
+          <a:xfrm flipH="1">
+            <a:off x="1447800" y="3505200"/>
+            <a:ext cx="5181600" cy="0"/>
+          </a:xfrm>
+          <a:prstGeom prst="line">
+            <a:avLst/>
+          </a:prstGeom>
+          <a:ln>
+            <a:prstDash val="sysDash"/>
+          </a:ln>
+        </p:spPr>
+        <p:style>
+          <a:lnRef idx="1">
+            <a:schemeClr val="accent1"/>
+          </a:lnRef>
+          <a:fillRef idx="0">
+            <a:schemeClr val="accent1"/>
+          </a:fillRef>
+          <a:effectRef idx="0">
+            <a:schemeClr val="accent1"/>
+          </a:effectRef>
+          <a:fontRef idx="minor">
+            <a:schemeClr val="tx1"/>
+          </a:fontRef>
+        </p:style>
+      </p:cxnSp>
+      <p:cxnSp>
+        <p:nvCxnSpPr>
+          <p:cNvPr id="11" name="Straight Connector 10"/>
+          <p:cNvCxnSpPr/>
+          <p:nvPr/>
+        </p:nvCxnSpPr>
+        <p:spPr>
+          <a:xfrm flipH="1">
+            <a:off x="1447800" y="5105400"/>
+            <a:ext cx="5181600" cy="0"/>
+          </a:xfrm>
+          <a:prstGeom prst="line">
+            <a:avLst/>
+          </a:prstGeom>
+          <a:ln>
+            <a:solidFill>
+              <a:srgbClr val="FF0000"/>
+            </a:solidFill>
+            <a:prstDash val="sysDash"/>
+          </a:ln>
+        </p:spPr>
+        <p:style>
+          <a:lnRef idx="1">
+            <a:schemeClr val="accent1"/>
+          </a:lnRef>
+          <a:fillRef idx="0">
+            <a:schemeClr val="accent1"/>
+          </a:fillRef>
+          <a:effectRef idx="0">
+            <a:schemeClr val="accent1"/>
+          </a:effectRef>
+          <a:fontRef idx="minor">
+            <a:schemeClr val="tx1"/>
+          </a:fontRef>
+        </p:style>
+      </p:cxnSp>
+      <p:sp>
+        <p:nvSpPr>
+          <p:cNvPr id="12" name="Oval 11"/>
+          <p:cNvSpPr/>
+          <p:nvPr/>
+        </p:nvSpPr>
+        <p:spPr>
+          <a:xfrm>
+            <a:off x="4953000" y="3352800"/>
+            <a:ext cx="228600" cy="304800"/>
+          </a:xfrm>
+          <a:prstGeom prst="ellipse">
+            <a:avLst/>
+          </a:prstGeom>
+        </p:spPr>
+        <p:style>
+          <a:lnRef idx="2">
+            <a:schemeClr val="accent1">
+              <a:shade val="50000"/>
+            </a:schemeClr>
+          </a:lnRef>
+          <a:fillRef idx="1">
+            <a:schemeClr val="accent1"/>
+          </a:fillRef>
+          <a:effectRef idx="0">
+            <a:schemeClr val="accent1"/>
+          </a:effectRef>
+          <a:fontRef idx="minor">
+            <a:schemeClr val="lt1"/>
+          </a:fontRef>
+        </p:style>
+        <p:txBody>
+          <a:bodyPr rtlCol="0" anchor="ctr"/>
+          <a:lstStyle/>
+          <a:p>
+            <a:pPr algn="ctr"/>
+            <a:endParaRPr lang="nl-BE"/>
+          </a:p>
+        </p:txBody>
+      </p:sp>
+      <p:sp>
+        <p:nvSpPr>
+          <p:cNvPr id="13" name="TextBox 12"/>
+          <p:cNvSpPr txBox="1"/>
+          <p:nvPr/>
+        </p:nvSpPr>
+        <p:spPr>
+          <a:xfrm>
+            <a:off x="76200" y="4840069"/>
+            <a:ext cx="1219200" cy="646331"/>
+          </a:xfrm>
+          <a:prstGeom prst="rect">
+            <a:avLst/>
+          </a:prstGeom>
+          <a:noFill/>
+        </p:spPr>
+        <p:txBody>
+          <a:bodyPr wrap="square" rtlCol="0">
+            <a:spAutoFit/>
+          </a:bodyPr>
+          <a:lstStyle/>
+          <a:p>
+            <a:r>
+              <a:rPr lang="nl-BE" dirty="0" smtClean="0">
+                <a:solidFill>
+                  <a:srgbClr val="FF0000"/>
+                </a:solidFill>
+              </a:rPr>
+              <a:t>Risk free</a:t>
+            </a:r>
+          </a:p>
+          <a:p>
+            <a:r>
+              <a:rPr lang="nl-BE" dirty="0" smtClean="0">
+                <a:solidFill>
+                  <a:srgbClr val="FF0000"/>
+                </a:solidFill>
+              </a:rPr>
+              <a:t>rate</a:t>
+            </a:r>
+            <a:endParaRPr lang="nl-BE" dirty="0">
+              <a:solidFill>
+                <a:srgbClr val="FF0000"/>
+              </a:solidFill>
+            </a:endParaRPr>
+          </a:p>
+        </p:txBody>
+      </p:sp>
+      <p:cxnSp>
+        <p:nvCxnSpPr>
+          <p:cNvPr id="14" name="Straight Arrow Connector 13"/>
+          <p:cNvCxnSpPr/>
+          <p:nvPr/>
+        </p:nvCxnSpPr>
+        <p:spPr>
+          <a:xfrm flipH="1">
+            <a:off x="1676400" y="4419600"/>
+            <a:ext cx="152400" cy="478304"/>
+          </a:xfrm>
+          <a:prstGeom prst="straightConnector1">
+            <a:avLst/>
+          </a:prstGeom>
+          <a:ln>
+            <a:solidFill>
+              <a:srgbClr val="FF0000"/>
+            </a:solidFill>
+            <a:tailEnd type="arrow"/>
+          </a:ln>
+        </p:spPr>
+        <p:style>
+          <a:lnRef idx="1">
+            <a:schemeClr val="accent1"/>
+          </a:lnRef>
+          <a:fillRef idx="0">
+            <a:schemeClr val="accent1"/>
+          </a:fillRef>
+          <a:effectRef idx="0">
+            <a:schemeClr val="accent1"/>
+          </a:effectRef>
+          <a:fontRef idx="minor">
+            <a:schemeClr val="tx1"/>
+          </a:fontRef>
+        </p:style>
+      </p:cxnSp>
+      <p:sp>
+        <p:nvSpPr>
+          <p:cNvPr id="15" name="TextBox 14"/>
+          <p:cNvSpPr txBox="1"/>
+          <p:nvPr/>
+        </p:nvSpPr>
+        <p:spPr>
+          <a:xfrm>
+            <a:off x="1543050" y="3829734"/>
+            <a:ext cx="1333500" cy="646331"/>
+          </a:xfrm>
+          <a:prstGeom prst="rect">
+            <a:avLst/>
+          </a:prstGeom>
+          <a:noFill/>
+        </p:spPr>
+        <p:txBody>
+          <a:bodyPr wrap="square" rtlCol="0">
+            <a:spAutoFit/>
+          </a:bodyPr>
+          <a:lstStyle/>
+          <a:p>
+            <a:r>
+              <a:rPr lang="nl-BE" dirty="0" smtClean="0">
+                <a:solidFill>
+                  <a:srgbClr val="FF0000"/>
+                </a:solidFill>
+              </a:rPr>
+              <a:t>Risk free asset</a:t>
+            </a:r>
+            <a:endParaRPr lang="nl-BE" dirty="0">
+              <a:solidFill>
+                <a:srgbClr val="FF0000"/>
+              </a:solidFill>
+            </a:endParaRPr>
+          </a:p>
+        </p:txBody>
+      </p:sp>
+      <p:sp>
+        <p:nvSpPr>
+          <p:cNvPr id="16" name="TextBox 15"/>
+          <p:cNvSpPr txBox="1"/>
+          <p:nvPr/>
+        </p:nvSpPr>
+        <p:spPr>
+          <a:xfrm>
+            <a:off x="3543300" y="2325469"/>
+            <a:ext cx="1333500" cy="646331"/>
+          </a:xfrm>
+          <a:prstGeom prst="rect">
+            <a:avLst/>
+          </a:prstGeom>
+          <a:noFill/>
+        </p:spPr>
+        <p:txBody>
+          <a:bodyPr wrap="square" rtlCol="0">
+            <a:spAutoFit/>
+          </a:bodyPr>
+          <a:lstStyle/>
+          <a:p>
+            <a:r>
+              <a:rPr lang="nl-BE" dirty="0" smtClean="0">
+                <a:solidFill>
+                  <a:schemeClr val="tx2"/>
+                </a:solidFill>
+              </a:rPr>
+              <a:t>Risky portfolio</a:t>
+            </a:r>
+            <a:endParaRPr lang="nl-BE" dirty="0">
+              <a:solidFill>
+                <a:schemeClr val="tx2"/>
+              </a:solidFill>
+            </a:endParaRPr>
+          </a:p>
+        </p:txBody>
+      </p:sp>
+      <p:cxnSp>
+        <p:nvCxnSpPr>
+          <p:cNvPr id="17" name="Straight Arrow Connector 16"/>
+          <p:cNvCxnSpPr/>
+          <p:nvPr/>
+        </p:nvCxnSpPr>
+        <p:spPr>
+          <a:xfrm>
+            <a:off x="4310062" y="2907178"/>
+            <a:ext cx="533400" cy="438835"/>
+          </a:xfrm>
+          <a:prstGeom prst="straightConnector1">
+            <a:avLst/>
+          </a:prstGeom>
+          <a:ln>
+            <a:solidFill>
+              <a:schemeClr val="tx2"/>
+            </a:solidFill>
+            <a:tailEnd type="arrow"/>
+          </a:ln>
+        </p:spPr>
+        <p:style>
+          <a:lnRef idx="1">
+            <a:schemeClr val="accent1"/>
+          </a:lnRef>
+          <a:fillRef idx="0">
+            <a:schemeClr val="accent1"/>
+          </a:fillRef>
+          <a:effectRef idx="0">
+            <a:schemeClr val="accent1"/>
+          </a:effectRef>
+          <a:fontRef idx="minor">
+            <a:schemeClr val="tx1"/>
+          </a:fontRef>
+        </p:style>
+      </p:cxnSp>
+      <p:sp>
+        <p:nvSpPr>
+          <p:cNvPr id="18" name="TextBox 17"/>
+          <p:cNvSpPr txBox="1"/>
+          <p:nvPr/>
+        </p:nvSpPr>
+        <p:spPr>
+          <a:xfrm>
+            <a:off x="76200" y="3087469"/>
+            <a:ext cx="1371600" cy="1200329"/>
+          </a:xfrm>
+          <a:prstGeom prst="rect">
+            <a:avLst/>
+          </a:prstGeom>
+          <a:noFill/>
+        </p:spPr>
+        <p:txBody>
+          <a:bodyPr wrap="square" rtlCol="0">
+            <a:spAutoFit/>
+          </a:bodyPr>
+          <a:lstStyle/>
+          <a:p>
+            <a:r>
+              <a:rPr lang="nl-BE" dirty="0" smtClean="0">
+                <a:solidFill>
+                  <a:srgbClr val="002060"/>
+                </a:solidFill>
+              </a:rPr>
+              <a:t>Mean of  risky portfolio return</a:t>
+            </a:r>
+            <a:endParaRPr lang="nl-BE" dirty="0">
+              <a:solidFill>
+                <a:srgbClr val="002060"/>
+              </a:solidFill>
+            </a:endParaRPr>
+          </a:p>
+        </p:txBody>
+      </p:sp>
+      <p:sp>
+        <p:nvSpPr>
+          <p:cNvPr id="19" name="TextBox 18"/>
+          <p:cNvSpPr txBox="1"/>
+          <p:nvPr/>
+        </p:nvSpPr>
+        <p:spPr>
+          <a:xfrm>
+            <a:off x="4495800" y="5934670"/>
+            <a:ext cx="1543050" cy="923330"/>
+          </a:xfrm>
+          <a:prstGeom prst="rect">
+            <a:avLst/>
+          </a:prstGeom>
+          <a:noFill/>
+        </p:spPr>
+        <p:txBody>
+          <a:bodyPr wrap="square" rtlCol="0">
+            <a:spAutoFit/>
+          </a:bodyPr>
+          <a:lstStyle/>
+          <a:p>
+            <a:r>
+              <a:rPr lang="nl-BE" dirty="0" smtClean="0">
+                <a:solidFill>
+                  <a:srgbClr val="002060"/>
+                </a:solidFill>
+              </a:rPr>
+              <a:t>Volatility of risky portfolio return</a:t>
+            </a:r>
+            <a:endParaRPr lang="nl-BE" dirty="0">
+              <a:solidFill>
+                <a:srgbClr val="002060"/>
+              </a:solidFill>
+            </a:endParaRPr>
+          </a:p>
+        </p:txBody>
+      </p:sp>
+      <p:cxnSp>
+        <p:nvCxnSpPr>
+          <p:cNvPr id="20" name="Straight Arrow Connector 19"/>
+          <p:cNvCxnSpPr>
+            <a:stCxn id="12" idx="4"/>
+          </p:cNvCxnSpPr>
+          <p:nvPr/>
+        </p:nvCxnSpPr>
+        <p:spPr>
+          <a:xfrm>
+            <a:off x="5067300" y="3657600"/>
+            <a:ext cx="38100" cy="1447800"/>
+          </a:xfrm>
+          <a:prstGeom prst="straightConnector1">
+            <a:avLst/>
+          </a:prstGeom>
+          <a:ln w="66675">
+            <a:headEnd type="arrow"/>
+            <a:tailEnd type="arrow"/>
+          </a:ln>
+        </p:spPr>
+        <p:style>
+          <a:lnRef idx="1">
+            <a:schemeClr val="accent1"/>
+          </a:lnRef>
+          <a:fillRef idx="0">
+            <a:schemeClr val="accent1"/>
+          </a:fillRef>
+          <a:effectRef idx="0">
+            <a:schemeClr val="accent1"/>
+          </a:effectRef>
+          <a:fontRef idx="minor">
+            <a:schemeClr val="tx1"/>
+          </a:fontRef>
+        </p:style>
+      </p:cxnSp>
+      <p:sp>
+        <p:nvSpPr>
+          <p:cNvPr id="21" name="Right Brace 20"/>
+          <p:cNvSpPr/>
+          <p:nvPr/>
+        </p:nvSpPr>
+        <p:spPr>
+          <a:xfrm>
+            <a:off x="5410200" y="3657600"/>
+            <a:ext cx="628650" cy="1296769"/>
+          </a:xfrm>
+          <a:prstGeom prst="rightBrace">
+            <a:avLst/>
+          </a:prstGeom>
+        </p:spPr>
+        <p:style>
+          <a:lnRef idx="1">
+            <a:schemeClr val="accent1"/>
+          </a:lnRef>
+          <a:fillRef idx="0">
+            <a:schemeClr val="accent1"/>
+          </a:fillRef>
+          <a:effectRef idx="0">
+            <a:schemeClr val="accent1"/>
+          </a:effectRef>
+          <a:fontRef idx="minor">
+            <a:schemeClr val="tx1"/>
+          </a:fontRef>
+        </p:style>
+        <p:txBody>
+          <a:bodyPr rtlCol="0" anchor="ctr"/>
+          <a:lstStyle/>
+          <a:p>
+            <a:pPr algn="ctr"/>
+            <a:endParaRPr lang="nl-BE"/>
+          </a:p>
+        </p:txBody>
+      </p:sp>
+      <p:sp>
+        <p:nvSpPr>
+          <p:cNvPr id="22" name="TextBox 21"/>
+          <p:cNvSpPr txBox="1"/>
+          <p:nvPr/>
+        </p:nvSpPr>
+        <p:spPr>
+          <a:xfrm>
+            <a:off x="6191250" y="3705819"/>
+            <a:ext cx="1295400" cy="1200329"/>
+          </a:xfrm>
+          <a:prstGeom prst="rect">
+            <a:avLst/>
+          </a:prstGeom>
+          <a:noFill/>
+        </p:spPr>
+        <p:txBody>
+          <a:bodyPr wrap="square" rtlCol="0">
+            <a:spAutoFit/>
+          </a:bodyPr>
+          <a:lstStyle/>
+          <a:p>
+            <a:r>
+              <a:rPr lang="nl-BE" dirty="0" smtClean="0"/>
+              <a:t>Excess return of the risky portfolio</a:t>
+            </a:r>
+            <a:endParaRPr lang="nl-BE" dirty="0"/>
+          </a:p>
+        </p:txBody>
+      </p:sp>
+      <p:cxnSp>
+        <p:nvCxnSpPr>
+          <p:cNvPr id="23" name="Straight Connector 22"/>
+          <p:cNvCxnSpPr/>
+          <p:nvPr/>
+        </p:nvCxnSpPr>
+        <p:spPr>
+          <a:xfrm flipV="1">
+            <a:off x="1405078" y="2325469"/>
+            <a:ext cx="6062522" cy="2811494"/>
+          </a:xfrm>
+          <a:prstGeom prst="line">
+            <a:avLst/>
+          </a:prstGeom>
+          <a:ln w="63500">
+            <a:solidFill>
+              <a:schemeClr val="tx1"/>
+            </a:solidFill>
+          </a:ln>
+        </p:spPr>
+        <p:style>
+          <a:lnRef idx="1">
+            <a:schemeClr val="accent1"/>
+          </a:lnRef>
+          <a:fillRef idx="0">
+            <a:schemeClr val="accent1"/>
+          </a:fillRef>
+          <a:effectRef idx="0">
+            <a:schemeClr val="accent1"/>
+          </a:effectRef>
+          <a:fontRef idx="minor">
+            <a:schemeClr val="tx1"/>
+          </a:fontRef>
+        </p:style>
+      </p:cxnSp>
+      <p:cxnSp>
+        <p:nvCxnSpPr>
+          <p:cNvPr id="24" name="Straight Arrow Connector 23"/>
+          <p:cNvCxnSpPr/>
+          <p:nvPr/>
+        </p:nvCxnSpPr>
+        <p:spPr>
+          <a:xfrm>
+            <a:off x="1524000" y="5181600"/>
+            <a:ext cx="3714750" cy="0"/>
+          </a:xfrm>
+          <a:prstGeom prst="straightConnector1">
+            <a:avLst/>
+          </a:prstGeom>
+          <a:ln w="66675">
+            <a:solidFill>
+              <a:srgbClr val="FF0000"/>
+            </a:solidFill>
+            <a:headEnd type="arrow"/>
+            <a:tailEnd type="arrow"/>
+          </a:ln>
+        </p:spPr>
+        <p:style>
+          <a:lnRef idx="1">
+            <a:schemeClr val="accent1"/>
+          </a:lnRef>
+          <a:fillRef idx="0">
+            <a:schemeClr val="accent1"/>
+          </a:fillRef>
+          <a:effectRef idx="0">
+            <a:schemeClr val="accent1"/>
+          </a:effectRef>
+          <a:fontRef idx="minor">
+            <a:schemeClr val="tx1"/>
+          </a:fontRef>
+        </p:style>
+      </p:cxnSp>
+      <mc:AlternateContent xmlns:mc="http://schemas.openxmlformats.org/markup-compatibility/2006">
+        <mc:Choice xmlns:a14="http://schemas.microsoft.com/office/drawing/2010/main" Requires="a14">
+          <p:sp>
+            <p:nvSpPr>
+              <p:cNvPr id="26" name="TextBox 25"/>
+              <p:cNvSpPr txBox="1"/>
+              <p:nvPr/>
+            </p:nvSpPr>
+            <p:spPr>
+              <a:xfrm>
+                <a:off x="2876550" y="685800"/>
+                <a:ext cx="4895850" cy="965905"/>
+              </a:xfrm>
+              <a:prstGeom prst="rect">
+                <a:avLst/>
+              </a:prstGeom>
+              <a:noFill/>
+            </p:spPr>
+            <p:txBody>
+              <a:bodyPr wrap="square" rtlCol="0">
+                <a:spAutoFit/>
+              </a:bodyPr>
+              <a:lstStyle/>
+              <a:p>
+                <a:r>
+                  <a:rPr lang="nl-BE" dirty="0" smtClean="0"/>
+                  <a:t>Slope = </a:t>
+                </a:r>
+                <a14:m>
+                  <m:oMath xmlns:m="http://schemas.openxmlformats.org/officeDocument/2006/math">
+                    <m:f>
+                      <m:fPr>
+                        <m:ctrlPr>
+                          <a:rPr lang="nl-BE" i="1">
+                            <a:latin typeface="Cambria Math"/>
+                          </a:rPr>
+                        </m:ctrlPr>
+                      </m:fPr>
+                      <m:num/>
+                      <m:den>
+                        <m:r>
+                          <a:rPr lang="nl-BE" i="1">
+                            <a:latin typeface="Cambria Math"/>
+                          </a:rPr>
+                          <m:t>𝑉𝑜𝑙𝑎𝑡𝑖𝑙𝑖𝑡𝑦</m:t>
+                        </m:r>
+                        <m:r>
+                          <a:rPr lang="nl-BE" i="1">
+                            <a:latin typeface="Cambria Math"/>
+                          </a:rPr>
+                          <m:t> </m:t>
+                        </m:r>
+                        <m:r>
+                          <a:rPr lang="nl-BE" i="1">
+                            <a:latin typeface="Cambria Math"/>
+                          </a:rPr>
+                          <m:t>𝑜𝑓</m:t>
+                        </m:r>
+                        <m:r>
+                          <a:rPr lang="nl-BE" i="1">
+                            <a:latin typeface="Cambria Math"/>
+                          </a:rPr>
+                          <m:t> </m:t>
+                        </m:r>
+                        <m:r>
+                          <a:rPr lang="nl-BE" i="1">
+                            <a:latin typeface="Cambria Math"/>
+                          </a:rPr>
+                          <m:t>𝑡h𝑒</m:t>
+                        </m:r>
+                        <m:r>
+                          <a:rPr lang="nl-BE" i="1">
+                            <a:latin typeface="Cambria Math"/>
+                          </a:rPr>
+                          <m:t> </m:t>
+                        </m:r>
+                        <m:r>
+                          <a:rPr lang="nl-BE" i="1">
+                            <a:latin typeface="Cambria Math"/>
+                          </a:rPr>
+                          <m:t>𝑟𝑖𝑠𝑘𝑦</m:t>
+                        </m:r>
+                        <m:r>
+                          <a:rPr lang="nl-BE" i="1">
+                            <a:latin typeface="Cambria Math"/>
+                          </a:rPr>
+                          <m:t> </m:t>
+                        </m:r>
+                        <m:r>
+                          <a:rPr lang="nl-BE" i="1">
+                            <a:latin typeface="Cambria Math"/>
+                          </a:rPr>
+                          <m:t>𝑝𝑜𝑟𝑡𝑓𝑜𝑙𝑖𝑜</m:t>
+                        </m:r>
+                        <m:r>
+                          <a:rPr lang="nl-BE" i="1">
+                            <a:latin typeface="Cambria Math"/>
+                          </a:rPr>
+                          <m:t> </m:t>
+                        </m:r>
+                        <m:r>
+                          <a:rPr lang="nl-BE" i="1">
+                            <a:latin typeface="Cambria Math"/>
+                          </a:rPr>
+                          <m:t>𝑟𝑒𝑡𝑢𝑟𝑛𝑠</m:t>
+                        </m:r>
+                      </m:den>
+                    </m:f>
+                  </m:oMath>
+                </a14:m>
+                <a:r>
+                  <a:rPr lang="nl-BE" dirty="0" smtClean="0"/>
+                  <a:t>          = </a:t>
+                </a:r>
+                <a14:m>
+                  <m:oMath xmlns:m="http://schemas.openxmlformats.org/officeDocument/2006/math">
+                    <m:f>
+                      <m:fPr>
+                        <m:ctrlPr>
+                          <a:rPr lang="nl-BE" i="1" smtClean="0">
+                            <a:latin typeface="Cambria Math"/>
+                          </a:rPr>
+                        </m:ctrlPr>
+                      </m:fPr>
+                      <m:num>
+                        <m:r>
+                          <a:rPr lang="nl-BE" b="0" i="1" smtClean="0">
+                            <a:latin typeface="Cambria Math"/>
+                          </a:rPr>
+                          <m:t>𝐸𝑥𝑐𝑒𝑠𝑠</m:t>
+                        </m:r>
+                        <m:r>
+                          <a:rPr lang="nl-BE" b="0" i="1" smtClean="0">
+                            <a:latin typeface="Cambria Math"/>
+                          </a:rPr>
+                          <m:t> </m:t>
+                        </m:r>
+                        <m:r>
+                          <a:rPr lang="nl-BE" b="0" i="1" smtClean="0">
+                            <a:latin typeface="Cambria Math"/>
+                          </a:rPr>
+                          <m:t>𝑚𝑒𝑎𝑛</m:t>
+                        </m:r>
+                        <m:r>
+                          <a:rPr lang="nl-BE" b="0" i="1" smtClean="0">
+                            <a:latin typeface="Cambria Math"/>
+                          </a:rPr>
+                          <m:t> </m:t>
+                        </m:r>
+                        <m:r>
+                          <a:rPr lang="nl-BE" b="0" i="1" smtClean="0">
+                            <a:latin typeface="Cambria Math"/>
+                          </a:rPr>
+                          <m:t>𝑟𝑒𝑡𝑢𝑟𝑛</m:t>
+                        </m:r>
+                      </m:num>
+                      <m:den>
+                        <m:r>
+                          <a:rPr lang="nl-BE" b="0" i="1" smtClean="0">
+                            <a:latin typeface="Cambria Math"/>
+                          </a:rPr>
+                          <m:t>𝑉𝑜𝑙𝑎𝑡𝑖𝑙𝑖𝑡𝑦</m:t>
+                        </m:r>
+                        <m:r>
+                          <a:rPr lang="nl-BE" b="0" i="1" smtClean="0">
+                            <a:latin typeface="Cambria Math"/>
+                          </a:rPr>
+                          <m:t> </m:t>
+                        </m:r>
+                        <m:r>
+                          <a:rPr lang="nl-BE" b="0" i="1" smtClean="0">
+                            <a:latin typeface="Cambria Math"/>
+                          </a:rPr>
+                          <m:t>𝑜𝑓</m:t>
+                        </m:r>
+                        <m:r>
+                          <a:rPr lang="nl-BE" b="0" i="1" smtClean="0">
+                            <a:latin typeface="Cambria Math"/>
+                          </a:rPr>
+                          <m:t> </m:t>
+                        </m:r>
+                        <m:r>
+                          <a:rPr lang="nl-BE" b="0" i="1" smtClean="0">
+                            <a:latin typeface="Cambria Math"/>
+                          </a:rPr>
+                          <m:t>𝑡h𝑒</m:t>
+                        </m:r>
+                        <m:r>
+                          <a:rPr lang="nl-BE" b="0" i="1" smtClean="0">
+                            <a:latin typeface="Cambria Math"/>
+                          </a:rPr>
+                          <m:t> </m:t>
+                        </m:r>
+                        <m:r>
+                          <a:rPr lang="nl-BE" b="0" i="1" smtClean="0">
+                            <a:latin typeface="Cambria Math"/>
+                          </a:rPr>
+                          <m:t>𝑟𝑖𝑠𝑘𝑦</m:t>
+                        </m:r>
+                        <m:r>
+                          <a:rPr lang="nl-BE" b="0" i="1" smtClean="0">
+                            <a:latin typeface="Cambria Math"/>
+                          </a:rPr>
+                          <m:t> </m:t>
+                        </m:r>
+                        <m:r>
+                          <a:rPr lang="nl-BE" b="0" i="1" smtClean="0">
+                            <a:latin typeface="Cambria Math"/>
+                          </a:rPr>
+                          <m:t>𝑝𝑜𝑟𝑡𝑓𝑜𝑙𝑖𝑜</m:t>
+                        </m:r>
+                        <m:r>
+                          <a:rPr lang="nl-BE" b="0" i="1" smtClean="0">
+                            <a:latin typeface="Cambria Math"/>
+                          </a:rPr>
+                          <m:t> </m:t>
+                        </m:r>
+                        <m:r>
+                          <a:rPr lang="nl-BE" b="0" i="1" smtClean="0">
+                            <a:latin typeface="Cambria Math"/>
+                          </a:rPr>
+                          <m:t>𝑟𝑒𝑡𝑢𝑟𝑛𝑠</m:t>
+                        </m:r>
+                      </m:den>
+                    </m:f>
+                  </m:oMath>
+                </a14:m>
+                <a:endParaRPr lang="nl-BE" dirty="0"/>
+              </a:p>
+            </p:txBody>
+          </p:sp>
+        </mc:Choice>
+        <mc:Fallback>
+          <p:sp>
+            <p:nvSpPr>
+              <p:cNvPr id="26" name="TextBox 25"/>
+              <p:cNvSpPr txBox="1">
+                <a:spLocks noRot="1" noChangeAspect="1" noMove="1" noResize="1" noEditPoints="1" noAdjustHandles="1" noChangeArrowheads="1" noChangeShapeType="1" noTextEdit="1"/>
+              </p:cNvSpPr>
+              <p:nvPr/>
+            </p:nvSpPr>
+            <p:spPr>
+              <a:xfrm>
+                <a:off x="2876550" y="685800"/>
+                <a:ext cx="4895850" cy="965905"/>
+              </a:xfrm>
+              <a:prstGeom prst="rect">
+                <a:avLst/>
+              </a:prstGeom>
+              <a:blipFill rotWithShape="1">
+                <a:blip r:embed="rId3"/>
+                <a:stretch>
+                  <a:fillRect l="-1121" r="-1743" b="-3165"/>
+                </a:stretch>
+              </a:blipFill>
+            </p:spPr>
+            <p:txBody>
+              <a:bodyPr/>
+              <a:lstStyle/>
+              <a:p>
+                <a:r>
+                  <a:rPr lang="nl-BE">
+                    <a:noFill/>
+                  </a:rPr>
+                  <a:t> </a:t>
+                </a:r>
+              </a:p>
+            </p:txBody>
+          </p:sp>
+        </mc:Fallback>
+      </mc:AlternateContent>
+      <p:cxnSp>
+        <p:nvCxnSpPr>
+          <p:cNvPr id="27" name="Straight Arrow Connector 26"/>
+          <p:cNvCxnSpPr/>
+          <p:nvPr/>
+        </p:nvCxnSpPr>
+        <p:spPr>
+          <a:xfrm>
+            <a:off x="5219700" y="3810000"/>
+            <a:ext cx="38100" cy="1447800"/>
+          </a:xfrm>
+          <a:prstGeom prst="straightConnector1">
+            <a:avLst/>
+          </a:prstGeom>
+          <a:ln w="66675">
+            <a:headEnd type="arrow"/>
+            <a:tailEnd type="arrow"/>
+          </a:ln>
+        </p:spPr>
+        <p:style>
+          <a:lnRef idx="1">
+            <a:schemeClr val="accent1"/>
+          </a:lnRef>
+          <a:fillRef idx="0">
+            <a:schemeClr val="accent1"/>
+          </a:fillRef>
+          <a:effectRef idx="0">
+            <a:schemeClr val="accent1"/>
+          </a:effectRef>
+          <a:fontRef idx="minor">
+            <a:schemeClr val="tx1"/>
+          </a:fontRef>
+        </p:style>
+      </p:cxnSp>
     </p:spTree>
     <p:extLst>
       <p:ext uri="{BB962C8B-B14F-4D97-AF65-F5344CB8AC3E}">
@@ -20264,8 +22899,8 @@
           </a:p>
         </p:txBody>
       </p:sp>
-      <mc:AlternateContent xmlns:mc="http://schemas.openxmlformats.org/markup-compatibility/2006">
-        <mc:Choice xmlns:a14="http://schemas.microsoft.com/office/drawing/2010/main" Requires="a14">
+      <mc:AlternateContent xmlns:mc="http://schemas.openxmlformats.org/markup-compatibility/2006" xmlns:a14="http://schemas.microsoft.com/office/drawing/2010/main">
+        <mc:Choice Requires="a14">
           <p:sp>
             <p:nvSpPr>
               <p:cNvPr id="4" name="TextBox 3"/>
@@ -20401,7 +23036,7 @@
             </p:txBody>
           </p:sp>
         </mc:Choice>
-        <mc:Fallback>
+        <mc:Fallback xmlns="">
           <p:sp>
             <p:nvSpPr>
               <p:cNvPr id="4" name="TextBox 3"/>
@@ -20440,8 +23075,8 @@
           </p:sp>
         </mc:Fallback>
       </mc:AlternateContent>
-      <mc:AlternateContent xmlns:mc="http://schemas.openxmlformats.org/markup-compatibility/2006">
-        <mc:Choice xmlns:a14="http://schemas.microsoft.com/office/drawing/2010/main" Requires="a14">
+      <mc:AlternateContent xmlns:mc="http://schemas.openxmlformats.org/markup-compatibility/2006" xmlns:a14="http://schemas.microsoft.com/office/drawing/2010/main">
+        <mc:Choice Requires="a14">
           <p:sp>
             <p:nvSpPr>
               <p:cNvPr id="6" name="TextBox 5"/>
@@ -20636,7 +23271,7 @@
             </p:txBody>
           </p:sp>
         </mc:Choice>
-        <mc:Fallback>
+        <mc:Fallback xmlns="">
           <p:sp>
             <p:nvSpPr>
               <p:cNvPr id="6" name="TextBox 5"/>
@@ -20766,8 +23401,8 @@
           </a:p>
         </p:txBody>
       </p:sp>
-      <mc:AlternateContent xmlns:mc="http://schemas.openxmlformats.org/markup-compatibility/2006">
-        <mc:Choice xmlns:a14="http://schemas.microsoft.com/office/drawing/2010/main" Requires="a14">
+      <mc:AlternateContent xmlns:mc="http://schemas.openxmlformats.org/markup-compatibility/2006" xmlns:a14="http://schemas.microsoft.com/office/drawing/2010/main">
+        <mc:Choice Requires="a14">
           <p:sp>
             <p:nvSpPr>
               <p:cNvPr id="4" name="TextBox 3"/>
@@ -20790,6 +23425,7 @@
               </a:bodyPr>
               <a:lstStyle/>
               <a:p>
+                <a:pPr/>
                 <a14:m>
                   <m:oMathPara xmlns:m="http://schemas.openxmlformats.org/officeDocument/2006/math">
                     <m:oMathParaPr>
@@ -21110,7 +23746,7 @@
             </p:txBody>
           </p:sp>
         </mc:Choice>
-        <mc:Fallback>
+        <mc:Fallback xmlns="">
           <p:sp>
             <p:nvSpPr>
               <p:cNvPr id="4" name="TextBox 3"/>
@@ -21149,8 +23785,8 @@
           </p:sp>
         </mc:Fallback>
       </mc:AlternateContent>
-      <mc:AlternateContent xmlns:mc="http://schemas.openxmlformats.org/markup-compatibility/2006">
-        <mc:Choice xmlns:a14="http://schemas.microsoft.com/office/drawing/2010/main" Requires="a14">
+      <mc:AlternateContent xmlns:mc="http://schemas.openxmlformats.org/markup-compatibility/2006" xmlns:a14="http://schemas.microsoft.com/office/drawing/2010/main">
+        <mc:Choice Requires="a14">
           <p:sp>
             <p:nvSpPr>
               <p:cNvPr id="6" name="TextBox 5"/>
@@ -21173,6 +23809,7 @@
               </a:bodyPr>
               <a:lstStyle/>
               <a:p>
+                <a:pPr/>
                 <a14:m>
                   <m:oMathPara xmlns:m="http://schemas.openxmlformats.org/officeDocument/2006/math">
                     <m:oMathParaPr>
@@ -21279,7 +23916,7 @@
             </p:txBody>
           </p:sp>
         </mc:Choice>
-        <mc:Fallback>
+        <mc:Fallback xmlns="">
           <p:sp>
             <p:nvSpPr>
               <p:cNvPr id="6" name="TextBox 5"/>
@@ -21418,8 +24055,8 @@
           </a:p>
         </p:txBody>
       </p:sp>
-      <mc:AlternateContent xmlns:mc="http://schemas.openxmlformats.org/markup-compatibility/2006">
-        <mc:Choice xmlns:a14="http://schemas.microsoft.com/office/drawing/2010/main" Requires="a14">
+      <mc:AlternateContent xmlns:mc="http://schemas.openxmlformats.org/markup-compatibility/2006" xmlns:a14="http://schemas.microsoft.com/office/drawing/2010/main">
+        <mc:Choice Requires="a14">
           <p:graphicFrame>
             <p:nvGraphicFramePr>
               <p:cNvPr id="6" name="Diagram 5"/>
@@ -21443,7 +24080,7 @@
             </a:graphic>
           </p:graphicFrame>
         </mc:Choice>
-        <mc:Fallback>
+        <mc:Fallback xmlns="">
           <p:graphicFrame>
             <p:nvGraphicFramePr>
               <p:cNvPr id="6" name="Diagram 5"/>
@@ -21462,7 +24099,7 @@
             </p:xfrm>
             <a:graphic>
               <a:graphicData uri="http://schemas.openxmlformats.org/drawingml/2006/diagram">
-                <dgm:relIds xmlns:dgm="http://schemas.openxmlformats.org/drawingml/2006/diagram" xmlns:r="http://schemas.openxmlformats.org/officeDocument/2006/relationships" r:dm="rId8" r:lo="rId4" r:qs="rId5" r:cs="rId6"/>
+                <dgm:relIds xmlns:dgm="http://schemas.openxmlformats.org/drawingml/2006/diagram" xmlns:r="http://schemas.openxmlformats.org/officeDocument/2006/relationships" r:dm="rId8" r:lo="rId9" r:qs="rId10" r:cs="rId11"/>
               </a:graphicData>
             </a:graphic>
           </p:graphicFrame>
@@ -21524,8 +24161,8 @@
           </a:p>
         </p:txBody>
       </p:sp>
-      <mc:AlternateContent xmlns:mc="http://schemas.openxmlformats.org/markup-compatibility/2006">
-        <mc:Choice xmlns:a14="http://schemas.microsoft.com/office/drawing/2010/main" Requires="a14">
+      <mc:AlternateContent xmlns:mc="http://schemas.openxmlformats.org/markup-compatibility/2006" xmlns:a14="http://schemas.microsoft.com/office/drawing/2010/main">
+        <mc:Choice Requires="a14">
           <p:sp>
             <p:nvSpPr>
               <p:cNvPr id="3" name="Content Placeholder 2"/>
@@ -21543,11 +24180,7 @@
               <a:p>
                 <a:r>
                   <a:rPr lang="nl-BE" dirty="0" smtClean="0"/>
-                  <a:t>General formula </a:t>
-                </a:r>
-                <a:r>
-                  <a:rPr lang="nl-BE" dirty="0" smtClean="0"/>
-                  <a:t>geometric </a:t>
+                  <a:t>General formula geometric </a:t>
                 </a:r>
                 <a:r>
                   <a:rPr lang="nl-BE" dirty="0"/>
@@ -21633,13 +24266,7 @@
                       <a:rPr lang="nl-BE" i="1">
                         <a:latin typeface="Cambria Math"/>
                       </a:rPr>
-                      <m:t>,</m:t>
-                    </m:r>
-                    <m:r>
-                      <a:rPr lang="nl-BE" i="1">
-                        <a:latin typeface="Cambria Math"/>
-                      </a:rPr>
-                      <m:t>…,</m:t>
+                      <m:t>,…,</m:t>
                     </m:r>
                   </m:oMath>
                 </a14:m>
@@ -21707,7 +24334,7 @@
             </p:txBody>
           </p:sp>
         </mc:Choice>
-        <mc:Fallback>
+        <mc:Fallback xmlns="">
           <p:sp>
             <p:nvSpPr>
               <p:cNvPr id="3" name="Content Placeholder 2"/>
@@ -21741,8 +24368,8 @@
           </p:sp>
         </mc:Fallback>
       </mc:AlternateContent>
-      <mc:AlternateContent xmlns:mc="http://schemas.openxmlformats.org/markup-compatibility/2006">
-        <mc:Choice xmlns:a14="http://schemas.microsoft.com/office/drawing/2010/main" Requires="a14">
+      <mc:AlternateContent xmlns:mc="http://schemas.openxmlformats.org/markup-compatibility/2006" xmlns:a14="http://schemas.microsoft.com/office/drawing/2010/main">
+        <mc:Choice Requires="a14">
           <p:sp>
             <p:nvSpPr>
               <p:cNvPr id="4" name="TextBox 3"/>
@@ -21932,13 +24559,7 @@
                           <a:rPr lang="nl-BE" i="1">
                             <a:latin typeface="Cambria Math"/>
                           </a:rPr>
-                          <m:t>)</m:t>
-                        </m:r>
-                        <m:r>
-                          <a:rPr lang="nl-BE" i="1">
-                            <a:latin typeface="Cambria Math"/>
-                          </a:rPr>
-                          <m:t>]</m:t>
+                          <m:t>)]</m:t>
                         </m:r>
                       </m:e>
                       <m:sub/>
@@ -21990,7 +24611,7 @@
             </p:txBody>
           </p:sp>
         </mc:Choice>
-        <mc:Fallback>
+        <mc:Fallback xmlns="">
           <p:sp>
             <p:nvSpPr>
               <p:cNvPr id="4" name="TextBox 3"/>
@@ -22029,8 +24650,8 @@
           </p:sp>
         </mc:Fallback>
       </mc:AlternateContent>
-      <mc:AlternateContent xmlns:mc="http://schemas.openxmlformats.org/markup-compatibility/2006">
-        <mc:Choice xmlns:a14="http://schemas.microsoft.com/office/drawing/2010/main" Requires="a14">
+      <mc:AlternateContent xmlns:mc="http://schemas.openxmlformats.org/markup-compatibility/2006" xmlns:a14="http://schemas.microsoft.com/office/drawing/2010/main">
+        <mc:Choice Requires="a14">
           <p:sp>
             <p:nvSpPr>
               <p:cNvPr id="6" name="TextBox 5"/>
@@ -22260,7 +24881,7 @@
             </p:txBody>
           </p:sp>
         </mc:Choice>
-        <mc:Fallback>
+        <mc:Fallback xmlns="">
           <p:sp>
             <p:nvSpPr>
               <p:cNvPr id="6" name="TextBox 5"/>
